--- a/presentation/X5GON-Team 4.pptx
+++ b/presentation/X5GON-Team 4.pptx
@@ -1059,13 +1059,13 @@
   <p:clrMapOvr>
     <a:masterClrMapping/>
   </p:clrMapOvr>
-  <mc:AlternateContent xmlns:mc="http://schemas.openxmlformats.org/markup-compatibility/2006">
-    <mc:Choice xmlns:p14="http://schemas.microsoft.com/office/powerpoint/2010/main" Requires="p14">
+  <mc:AlternateContent xmlns:mc="http://schemas.openxmlformats.org/markup-compatibility/2006" xmlns:p14="http://schemas.microsoft.com/office/powerpoint/2010/main">
+    <mc:Choice Requires="p14">
       <p:transition spd="med" p14:dur="700">
         <p:fade/>
       </p:transition>
     </mc:Choice>
-    <mc:Fallback>
+    <mc:Fallback xmlns="">
       <p:transition spd="med">
         <p:fade/>
       </p:transition>
@@ -1253,13 +1253,13 @@
   <p:clrMapOvr>
     <a:masterClrMapping/>
   </p:clrMapOvr>
-  <mc:AlternateContent xmlns:mc="http://schemas.openxmlformats.org/markup-compatibility/2006">
-    <mc:Choice xmlns:p14="http://schemas.microsoft.com/office/powerpoint/2010/main" Requires="p14">
+  <mc:AlternateContent xmlns:mc="http://schemas.openxmlformats.org/markup-compatibility/2006" xmlns:p14="http://schemas.microsoft.com/office/powerpoint/2010/main">
+    <mc:Choice Requires="p14">
       <p:transition spd="med" p14:dur="700">
         <p:fade/>
       </p:transition>
     </mc:Choice>
-    <mc:Fallback>
+    <mc:Fallback xmlns="">
       <p:transition spd="med">
         <p:fade/>
       </p:transition>
@@ -1654,13 +1654,13 @@
   <p:clrMapOvr>
     <a:masterClrMapping/>
   </p:clrMapOvr>
-  <mc:AlternateContent xmlns:mc="http://schemas.openxmlformats.org/markup-compatibility/2006">
-    <mc:Choice xmlns:p14="http://schemas.microsoft.com/office/powerpoint/2010/main" Requires="p14">
+  <mc:AlternateContent xmlns:mc="http://schemas.openxmlformats.org/markup-compatibility/2006" xmlns:p14="http://schemas.microsoft.com/office/powerpoint/2010/main">
+    <mc:Choice Requires="p14">
       <p:transition spd="med" p14:dur="700">
         <p:fade/>
       </p:transition>
     </mc:Choice>
-    <mc:Fallback>
+    <mc:Fallback xmlns="">
       <p:transition spd="med">
         <p:fade/>
       </p:transition>
@@ -1707,13 +1707,13 @@
   <p:clrMapOvr>
     <a:masterClrMapping/>
   </p:clrMapOvr>
-  <mc:AlternateContent xmlns:mc="http://schemas.openxmlformats.org/markup-compatibility/2006">
-    <mc:Choice xmlns:p14="http://schemas.microsoft.com/office/powerpoint/2010/main" Requires="p14">
+  <mc:AlternateContent xmlns:mc="http://schemas.openxmlformats.org/markup-compatibility/2006" xmlns:p14="http://schemas.microsoft.com/office/powerpoint/2010/main">
+    <mc:Choice Requires="p14">
       <p:transition spd="med" p14:dur="700">
         <p:fade/>
       </p:transition>
     </mc:Choice>
-    <mc:Fallback>
+    <mc:Fallback xmlns="">
       <p:transition spd="med">
         <p:fade/>
       </p:transition>
@@ -1996,13 +1996,13 @@
   <p:clrMapOvr>
     <a:masterClrMapping/>
   </p:clrMapOvr>
-  <mc:AlternateContent xmlns:mc="http://schemas.openxmlformats.org/markup-compatibility/2006">
-    <mc:Choice xmlns:p14="http://schemas.microsoft.com/office/powerpoint/2010/main" Requires="p14">
+  <mc:AlternateContent xmlns:mc="http://schemas.openxmlformats.org/markup-compatibility/2006" xmlns:p14="http://schemas.microsoft.com/office/powerpoint/2010/main">
+    <mc:Choice Requires="p14">
       <p:transition spd="med" p14:dur="700">
         <p:fade/>
       </p:transition>
     </mc:Choice>
-    <mc:Fallback>
+    <mc:Fallback xmlns="">
       <p:transition spd="med">
         <p:fade/>
       </p:transition>
@@ -2265,13 +2265,13 @@
   <p:clrMapOvr>
     <a:masterClrMapping/>
   </p:clrMapOvr>
-  <mc:AlternateContent xmlns:mc="http://schemas.openxmlformats.org/markup-compatibility/2006">
-    <mc:Choice xmlns:p14="http://schemas.microsoft.com/office/powerpoint/2010/main" Requires="p14">
+  <mc:AlternateContent xmlns:mc="http://schemas.openxmlformats.org/markup-compatibility/2006" xmlns:p14="http://schemas.microsoft.com/office/powerpoint/2010/main">
+    <mc:Choice Requires="p14">
       <p:transition spd="med" p14:dur="700">
         <p:fade/>
       </p:transition>
     </mc:Choice>
-    <mc:Fallback>
+    <mc:Fallback xmlns="">
       <p:transition spd="med">
         <p:fade/>
       </p:transition>
@@ -2447,13 +2447,13 @@
   <p:clrMapOvr>
     <a:masterClrMapping/>
   </p:clrMapOvr>
-  <mc:AlternateContent xmlns:mc="http://schemas.openxmlformats.org/markup-compatibility/2006">
-    <mc:Choice xmlns:p14="http://schemas.microsoft.com/office/powerpoint/2010/main" Requires="p14">
+  <mc:AlternateContent xmlns:mc="http://schemas.openxmlformats.org/markup-compatibility/2006" xmlns:p14="http://schemas.microsoft.com/office/powerpoint/2010/main">
+    <mc:Choice Requires="p14">
       <p:transition spd="med" p14:dur="700">
         <p:fade/>
       </p:transition>
     </mc:Choice>
-    <mc:Fallback>
+    <mc:Fallback xmlns="">
       <p:transition spd="med">
         <p:fade/>
       </p:transition>
@@ -2639,13 +2639,13 @@
   <p:clrMapOvr>
     <a:masterClrMapping/>
   </p:clrMapOvr>
-  <mc:AlternateContent xmlns:mc="http://schemas.openxmlformats.org/markup-compatibility/2006">
-    <mc:Choice xmlns:p14="http://schemas.microsoft.com/office/powerpoint/2010/main" Requires="p14">
+  <mc:AlternateContent xmlns:mc="http://schemas.openxmlformats.org/markup-compatibility/2006" xmlns:p14="http://schemas.microsoft.com/office/powerpoint/2010/main">
+    <mc:Choice Requires="p14">
       <p:transition spd="med" p14:dur="700">
         <p:fade/>
       </p:transition>
     </mc:Choice>
-    <mc:Fallback>
+    <mc:Fallback xmlns="">
       <p:transition spd="med">
         <p:fade/>
       </p:transition>
@@ -2911,13 +2911,13 @@
     <p:sldLayoutId id="2147483670" r:id="rId7"/>
     <p:sldLayoutId id="2147483671" r:id="rId8"/>
   </p:sldLayoutIdLst>
-  <mc:AlternateContent xmlns:mc="http://schemas.openxmlformats.org/markup-compatibility/2006">
-    <mc:Choice xmlns:p14="http://schemas.microsoft.com/office/powerpoint/2010/main" Requires="p14">
+  <mc:AlternateContent xmlns:mc="http://schemas.openxmlformats.org/markup-compatibility/2006" xmlns:p14="http://schemas.microsoft.com/office/powerpoint/2010/main">
+    <mc:Choice Requires="p14">
       <p:transition spd="med" p14:dur="700">
         <p:fade/>
       </p:transition>
     </mc:Choice>
-    <mc:Fallback>
+    <mc:Fallback xmlns="">
       <p:transition spd="med">
         <p:fade/>
       </p:transition>
@@ -3458,13 +3458,13 @@
   <p:clrMapOvr>
     <a:masterClrMapping/>
   </p:clrMapOvr>
-  <mc:AlternateContent xmlns:mc="http://schemas.openxmlformats.org/markup-compatibility/2006">
-    <mc:Choice xmlns:p14="http://schemas.microsoft.com/office/powerpoint/2010/main" Requires="p14">
+  <mc:AlternateContent xmlns:mc="http://schemas.openxmlformats.org/markup-compatibility/2006" xmlns:p14="http://schemas.microsoft.com/office/powerpoint/2010/main">
+    <mc:Choice Requires="p14">
       <p:transition spd="med" p14:dur="700">
         <p:fade/>
       </p:transition>
     </mc:Choice>
-    <mc:Fallback>
+    <mc:Fallback xmlns="">
       <p:transition spd="med">
         <p:fade/>
       </p:transition>
@@ -6245,13 +6245,13 @@
   <p:clrMapOvr>
     <a:masterClrMapping/>
   </p:clrMapOvr>
-  <mc:AlternateContent xmlns:mc="http://schemas.openxmlformats.org/markup-compatibility/2006">
-    <mc:Choice xmlns:p14="http://schemas.microsoft.com/office/powerpoint/2010/main" Requires="p14">
+  <mc:AlternateContent xmlns:mc="http://schemas.openxmlformats.org/markup-compatibility/2006" xmlns:p14="http://schemas.microsoft.com/office/powerpoint/2010/main">
+    <mc:Choice Requires="p14">
       <p:transition spd="med" p14:dur="700">
         <p:fade/>
       </p:transition>
     </mc:Choice>
-    <mc:Fallback>
+    <mc:Fallback xmlns="">
       <p:transition spd="med">
         <p:fade/>
       </p:transition>
@@ -7143,9 +7143,9 @@
         <p:grpSpPr>
           <a:xfrm>
             <a:off x="144419" y="2873395"/>
-            <a:ext cx="2187479" cy="1865975"/>
+            <a:ext cx="2187477" cy="1865975"/>
             <a:chOff x="375331" y="2887280"/>
-            <a:chExt cx="2187479" cy="1865975"/>
+            <a:chExt cx="2187477" cy="1865975"/>
           </a:xfrm>
         </p:grpSpPr>
         <p:sp>
@@ -7335,7 +7335,7 @@
           </p:nvSpPr>
           <p:spPr>
             <a:xfrm>
-              <a:off x="382589" y="3325091"/>
+              <a:off x="382587" y="3352015"/>
               <a:ext cx="2180221" cy="1323439"/>
             </a:xfrm>
             <a:prstGeom prst="rect">
@@ -7656,10 +7656,10 @@
         </p:nvGrpSpPr>
         <p:grpSpPr>
           <a:xfrm>
-            <a:off x="4330160" y="2896890"/>
-            <a:ext cx="2481944" cy="1849377"/>
-            <a:chOff x="4572000" y="2889993"/>
-            <a:chExt cx="2481944" cy="1849377"/>
+            <a:off x="4324738" y="2896890"/>
+            <a:ext cx="2487366" cy="1849377"/>
+            <a:chOff x="4566578" y="2889993"/>
+            <a:chExt cx="2487366" cy="1849377"/>
           </a:xfrm>
         </p:grpSpPr>
         <p:sp>
@@ -7849,7 +7849,7 @@
           </p:nvSpPr>
           <p:spPr>
             <a:xfrm>
-              <a:off x="4572000" y="3242431"/>
+              <a:off x="4566578" y="3341528"/>
               <a:ext cx="2481944" cy="1323439"/>
             </a:xfrm>
             <a:prstGeom prst="rect">
@@ -8668,13 +8668,13 @@
   <p:clrMapOvr>
     <a:masterClrMapping/>
   </p:clrMapOvr>
-  <mc:AlternateContent xmlns:mc="http://schemas.openxmlformats.org/markup-compatibility/2006">
-    <mc:Choice xmlns:p14="http://schemas.microsoft.com/office/powerpoint/2010/main" Requires="p14">
+  <mc:AlternateContent xmlns:mc="http://schemas.openxmlformats.org/markup-compatibility/2006" xmlns:p14="http://schemas.microsoft.com/office/powerpoint/2010/main">
+    <mc:Choice Requires="p14">
       <p:transition spd="med" p14:dur="700">
         <p:fade/>
       </p:transition>
     </mc:Choice>
-    <mc:Fallback>
+    <mc:Fallback xmlns="">
       <p:transition spd="med">
         <p:fade/>
       </p:transition>

--- a/presentation/X5GON-Team 4.pptx
+++ b/presentation/X5GON-Team 4.pptx
@@ -6811,1089 +6811,6 @@
       </p:cxnSp>
       <p:sp>
         <p:nvSpPr>
-          <p:cNvPr id="62" name="椭圆 61">
-            <a:extLst>
-              <a:ext uri="{FF2B5EF4-FFF2-40B4-BE49-F238E27FC236}">
-                <a16:creationId xmlns:a16="http://schemas.microsoft.com/office/drawing/2014/main" id="{D6815DC5-0F9B-4BDF-A149-BBEC282A02A4}"/>
-              </a:ext>
-            </a:extLst>
-          </p:cNvPr>
-          <p:cNvSpPr/>
-          <p:nvPr/>
-        </p:nvSpPr>
-        <p:spPr>
-          <a:xfrm>
-            <a:off x="1131416" y="2576899"/>
-            <a:ext cx="220741" cy="224247"/>
-          </a:xfrm>
-          <a:prstGeom prst="ellipse">
-            <a:avLst/>
-          </a:prstGeom>
-          <a:solidFill>
-            <a:schemeClr val="bg1"/>
-          </a:solidFill>
-          <a:ln>
-            <a:solidFill>
-              <a:schemeClr val="accent1"/>
-            </a:solidFill>
-          </a:ln>
-          <a:effectLst>
-            <a:outerShdw blurRad="50800" dist="38100" dir="5400000" algn="t" rotWithShape="0">
-              <a:prstClr val="black">
-                <a:alpha val="40000"/>
-              </a:prstClr>
-            </a:outerShdw>
-          </a:effectLst>
-        </p:spPr>
-        <p:style>
-          <a:lnRef idx="2">
-            <a:schemeClr val="accent1">
-              <a:shade val="50000"/>
-            </a:schemeClr>
-          </a:lnRef>
-          <a:fillRef idx="1">
-            <a:schemeClr val="accent1"/>
-          </a:fillRef>
-          <a:effectRef idx="0">
-            <a:schemeClr val="accent1"/>
-          </a:effectRef>
-          <a:fontRef idx="minor">
-            <a:schemeClr val="lt1"/>
-          </a:fontRef>
-        </p:style>
-        <p:txBody>
-          <a:bodyPr rtlCol="0" anchor="ctr"/>
-          <a:lstStyle/>
-          <a:p>
-            <a:pPr algn="ctr"/>
-            <a:endParaRPr lang="zh-CN" altLang="en-US"/>
-          </a:p>
-        </p:txBody>
-      </p:sp>
-      <p:sp>
-        <p:nvSpPr>
-          <p:cNvPr id="63" name="椭圆 62">
-            <a:extLst>
-              <a:ext uri="{FF2B5EF4-FFF2-40B4-BE49-F238E27FC236}">
-                <a16:creationId xmlns:a16="http://schemas.microsoft.com/office/drawing/2014/main" id="{49FC50A8-203E-48A7-84BE-55FA4D457BB5}"/>
-              </a:ext>
-            </a:extLst>
-          </p:cNvPr>
-          <p:cNvSpPr/>
-          <p:nvPr/>
-        </p:nvSpPr>
-        <p:spPr>
-          <a:xfrm>
-            <a:off x="3242614" y="2582021"/>
-            <a:ext cx="220741" cy="224247"/>
-          </a:xfrm>
-          <a:prstGeom prst="ellipse">
-            <a:avLst/>
-          </a:prstGeom>
-          <a:solidFill>
-            <a:schemeClr val="bg1"/>
-          </a:solidFill>
-          <a:ln>
-            <a:solidFill>
-              <a:schemeClr val="accent1"/>
-            </a:solidFill>
-          </a:ln>
-          <a:effectLst>
-            <a:outerShdw blurRad="50800" dist="38100" dir="5400000" algn="t" rotWithShape="0">
-              <a:prstClr val="black">
-                <a:alpha val="40000"/>
-              </a:prstClr>
-            </a:outerShdw>
-          </a:effectLst>
-        </p:spPr>
-        <p:style>
-          <a:lnRef idx="2">
-            <a:schemeClr val="accent1">
-              <a:shade val="50000"/>
-            </a:schemeClr>
-          </a:lnRef>
-          <a:fillRef idx="1">
-            <a:schemeClr val="accent1"/>
-          </a:fillRef>
-          <a:effectRef idx="0">
-            <a:schemeClr val="accent1"/>
-          </a:effectRef>
-          <a:fontRef idx="minor">
-            <a:schemeClr val="lt1"/>
-          </a:fontRef>
-        </p:style>
-        <p:txBody>
-          <a:bodyPr rtlCol="0" anchor="ctr"/>
-          <a:lstStyle/>
-          <a:p>
-            <a:pPr algn="ctr"/>
-            <a:endParaRPr lang="zh-CN" altLang="en-US"/>
-          </a:p>
-        </p:txBody>
-      </p:sp>
-      <p:sp>
-        <p:nvSpPr>
-          <p:cNvPr id="64" name="椭圆 63">
-            <a:extLst>
-              <a:ext uri="{FF2B5EF4-FFF2-40B4-BE49-F238E27FC236}">
-                <a16:creationId xmlns:a16="http://schemas.microsoft.com/office/drawing/2014/main" id="{054EF61E-F576-433A-927E-5F7BBCE026A4}"/>
-              </a:ext>
-            </a:extLst>
-          </p:cNvPr>
-          <p:cNvSpPr/>
-          <p:nvPr/>
-        </p:nvSpPr>
-        <p:spPr>
-          <a:xfrm>
-            <a:off x="5459906" y="2565717"/>
-            <a:ext cx="220741" cy="224247"/>
-          </a:xfrm>
-          <a:prstGeom prst="ellipse">
-            <a:avLst/>
-          </a:prstGeom>
-          <a:solidFill>
-            <a:schemeClr val="bg1"/>
-          </a:solidFill>
-          <a:ln>
-            <a:solidFill>
-              <a:schemeClr val="accent1"/>
-            </a:solidFill>
-          </a:ln>
-          <a:effectLst>
-            <a:outerShdw blurRad="50800" dist="38100" dir="5400000" algn="t" rotWithShape="0">
-              <a:prstClr val="black">
-                <a:alpha val="40000"/>
-              </a:prstClr>
-            </a:outerShdw>
-          </a:effectLst>
-        </p:spPr>
-        <p:style>
-          <a:lnRef idx="2">
-            <a:schemeClr val="accent1">
-              <a:shade val="50000"/>
-            </a:schemeClr>
-          </a:lnRef>
-          <a:fillRef idx="1">
-            <a:schemeClr val="accent1"/>
-          </a:fillRef>
-          <a:effectRef idx="0">
-            <a:schemeClr val="accent1"/>
-          </a:effectRef>
-          <a:fontRef idx="minor">
-            <a:schemeClr val="lt1"/>
-          </a:fontRef>
-        </p:style>
-        <p:txBody>
-          <a:bodyPr rtlCol="0" anchor="ctr"/>
-          <a:lstStyle/>
-          <a:p>
-            <a:pPr algn="ctr"/>
-            <a:endParaRPr lang="zh-CN" altLang="en-US"/>
-          </a:p>
-        </p:txBody>
-      </p:sp>
-      <p:sp>
-        <p:nvSpPr>
-          <p:cNvPr id="65" name="椭圆 64">
-            <a:extLst>
-              <a:ext uri="{FF2B5EF4-FFF2-40B4-BE49-F238E27FC236}">
-                <a16:creationId xmlns:a16="http://schemas.microsoft.com/office/drawing/2014/main" id="{D702419A-44C7-4C6B-BBB5-9B8157F26A0B}"/>
-              </a:ext>
-            </a:extLst>
-          </p:cNvPr>
-          <p:cNvSpPr/>
-          <p:nvPr/>
-        </p:nvSpPr>
-        <p:spPr>
-          <a:xfrm>
-            <a:off x="7553672" y="2582021"/>
-            <a:ext cx="220741" cy="224247"/>
-          </a:xfrm>
-          <a:prstGeom prst="ellipse">
-            <a:avLst/>
-          </a:prstGeom>
-          <a:solidFill>
-            <a:schemeClr val="bg1"/>
-          </a:solidFill>
-          <a:ln>
-            <a:solidFill>
-              <a:schemeClr val="accent1"/>
-            </a:solidFill>
-          </a:ln>
-          <a:effectLst>
-            <a:outerShdw blurRad="50800" dist="38100" dir="5400000" algn="t" rotWithShape="0">
-              <a:prstClr val="black">
-                <a:alpha val="40000"/>
-              </a:prstClr>
-            </a:outerShdw>
-          </a:effectLst>
-        </p:spPr>
-        <p:style>
-          <a:lnRef idx="2">
-            <a:schemeClr val="accent1">
-              <a:shade val="50000"/>
-            </a:schemeClr>
-          </a:lnRef>
-          <a:fillRef idx="1">
-            <a:schemeClr val="accent1"/>
-          </a:fillRef>
-          <a:effectRef idx="0">
-            <a:schemeClr val="accent1"/>
-          </a:effectRef>
-          <a:fontRef idx="minor">
-            <a:schemeClr val="lt1"/>
-          </a:fontRef>
-        </p:style>
-        <p:txBody>
-          <a:bodyPr rtlCol="0" anchor="ctr"/>
-          <a:lstStyle/>
-          <a:p>
-            <a:pPr algn="ctr"/>
-            <a:endParaRPr lang="zh-CN" altLang="en-US"/>
-          </a:p>
-        </p:txBody>
-      </p:sp>
-      <p:sp>
-        <p:nvSpPr>
-          <p:cNvPr id="100" name="矩形 99">
-            <a:extLst>
-              <a:ext uri="{FF2B5EF4-FFF2-40B4-BE49-F238E27FC236}">
-                <a16:creationId xmlns:a16="http://schemas.microsoft.com/office/drawing/2014/main" id="{E8ED7235-BCA0-4BF0-AA63-8711273EDB5B}"/>
-              </a:ext>
-            </a:extLst>
-          </p:cNvPr>
-          <p:cNvSpPr/>
-          <p:nvPr/>
-        </p:nvSpPr>
-        <p:spPr bwMode="auto">
-          <a:xfrm>
-            <a:off x="206220" y="2190197"/>
-            <a:ext cx="2037994" cy="430887"/>
-          </a:xfrm>
-          <a:prstGeom prst="rect">
-            <a:avLst/>
-          </a:prstGeom>
-          <a:noFill/>
-        </p:spPr>
-        <p:txBody>
-          <a:bodyPr wrap="none">
-            <a:spAutoFit/>
-          </a:bodyPr>
-          <a:lstStyle/>
-          <a:p>
-            <a:pPr algn="r">
-              <a:defRPr/>
-            </a:pPr>
-            <a:r>
-              <a:rPr lang="en-US" altLang="zh-CN" sz="2200" b="1" kern="100" dirty="0">
-                <a:solidFill>
-                  <a:schemeClr val="accent1"/>
-                </a:solidFill>
-                <a:latin typeface="微软雅黑" panose="020B0503020204020204" pitchFamily="34" charset="-122"/>
-                <a:ea typeface="微软雅黑" panose="020B0503020204020204" pitchFamily="34" charset="-122"/>
-                <a:cs typeface="Times New Roman" panose="02020603050405020304" pitchFamily="18" charset="0"/>
-              </a:rPr>
-              <a:t>Before</a:t>
-            </a:r>
-            <a:r>
-              <a:rPr lang="zh-CN" altLang="en-US" sz="2200" b="1" kern="100" dirty="0">
-                <a:solidFill>
-                  <a:schemeClr val="accent1"/>
-                </a:solidFill>
-                <a:latin typeface="微软雅黑" panose="020B0503020204020204" pitchFamily="34" charset="-122"/>
-                <a:ea typeface="微软雅黑" panose="020B0503020204020204" pitchFamily="34" charset="-122"/>
-                <a:cs typeface="Times New Roman" panose="02020603050405020304" pitchFamily="18" charset="0"/>
-              </a:rPr>
-              <a:t> </a:t>
-            </a:r>
-            <a:r>
-              <a:rPr lang="en-US" altLang="zh-CN" sz="2200" b="1" kern="100" dirty="0">
-                <a:solidFill>
-                  <a:schemeClr val="accent1"/>
-                </a:solidFill>
-                <a:latin typeface="微软雅黑" panose="020B0503020204020204" pitchFamily="34" charset="-122"/>
-                <a:ea typeface="微软雅黑" panose="020B0503020204020204" pitchFamily="34" charset="-122"/>
-                <a:cs typeface="Times New Roman" panose="02020603050405020304" pitchFamily="18" charset="0"/>
-              </a:rPr>
-              <a:t>30/01</a:t>
-            </a:r>
-            <a:endParaRPr lang="zh-CN" altLang="en-US" sz="2200" b="1" kern="100" dirty="0">
-              <a:solidFill>
-                <a:schemeClr val="accent1"/>
-              </a:solidFill>
-              <a:latin typeface="微软雅黑" panose="020B0503020204020204" pitchFamily="34" charset="-122"/>
-              <a:ea typeface="微软雅黑" panose="020B0503020204020204" pitchFamily="34" charset="-122"/>
-              <a:cs typeface="Times New Roman" panose="02020603050405020304" pitchFamily="18" charset="0"/>
-            </a:endParaRPr>
-          </a:p>
-        </p:txBody>
-      </p:sp>
-      <p:grpSp>
-        <p:nvGrpSpPr>
-          <p:cNvPr id="2" name="Group 1">
-            <a:extLst>
-              <a:ext uri="{FF2B5EF4-FFF2-40B4-BE49-F238E27FC236}">
-                <a16:creationId xmlns:a16="http://schemas.microsoft.com/office/drawing/2014/main" id="{0B59F67E-1517-994F-9E57-08010C5C9DB4}"/>
-              </a:ext>
-            </a:extLst>
-          </p:cNvPr>
-          <p:cNvGrpSpPr/>
-          <p:nvPr/>
-        </p:nvGrpSpPr>
-        <p:grpSpPr>
-          <a:xfrm>
-            <a:off x="144419" y="2873395"/>
-            <a:ext cx="2187477" cy="1865975"/>
-            <a:chOff x="375331" y="2887280"/>
-            <a:chExt cx="2187477" cy="1865975"/>
-          </a:xfrm>
-        </p:grpSpPr>
-        <p:sp>
-          <p:nvSpPr>
-            <p:cNvPr id="96" name="任意多边形: 形状 95">
-              <a:extLst>
-                <a:ext uri="{FF2B5EF4-FFF2-40B4-BE49-F238E27FC236}">
-                  <a16:creationId xmlns:a16="http://schemas.microsoft.com/office/drawing/2014/main" id="{70C1C0CF-C1F7-459A-9170-9652E108AAB4}"/>
-                </a:ext>
-              </a:extLst>
-            </p:cNvPr>
-            <p:cNvSpPr/>
-            <p:nvPr/>
-          </p:nvSpPr>
-          <p:spPr>
-            <a:xfrm>
-              <a:off x="375331" y="2887280"/>
-              <a:ext cx="2180221" cy="1865975"/>
-            </a:xfrm>
-            <a:custGeom>
-              <a:avLst/>
-              <a:gdLst>
-                <a:gd name="connsiteX0" fmla="*/ 1030481 w 2027814"/>
-                <a:gd name="connsiteY0" fmla="*/ 0 h 1229021"/>
-                <a:gd name="connsiteX1" fmla="*/ 1170874 w 2027814"/>
-                <a:gd name="connsiteY1" fmla="*/ 242057 h 1229021"/>
-                <a:gd name="connsiteX2" fmla="*/ 1935888 w 2027814"/>
-                <a:gd name="connsiteY2" fmla="*/ 242057 h 1229021"/>
-                <a:gd name="connsiteX3" fmla="*/ 2027814 w 2027814"/>
-                <a:gd name="connsiteY3" fmla="*/ 333983 h 1229021"/>
-                <a:gd name="connsiteX4" fmla="*/ 2027814 w 2027814"/>
-                <a:gd name="connsiteY4" fmla="*/ 1137095 h 1229021"/>
-                <a:gd name="connsiteX5" fmla="*/ 1935888 w 2027814"/>
-                <a:gd name="connsiteY5" fmla="*/ 1229021 h 1229021"/>
-                <a:gd name="connsiteX6" fmla="*/ 91926 w 2027814"/>
-                <a:gd name="connsiteY6" fmla="*/ 1229021 h 1229021"/>
-                <a:gd name="connsiteX7" fmla="*/ 0 w 2027814"/>
-                <a:gd name="connsiteY7" fmla="*/ 1137095 h 1229021"/>
-                <a:gd name="connsiteX8" fmla="*/ 0 w 2027814"/>
-                <a:gd name="connsiteY8" fmla="*/ 333983 h 1229021"/>
-                <a:gd name="connsiteX9" fmla="*/ 91926 w 2027814"/>
-                <a:gd name="connsiteY9" fmla="*/ 242057 h 1229021"/>
-                <a:gd name="connsiteX10" fmla="*/ 890088 w 2027814"/>
-                <a:gd name="connsiteY10" fmla="*/ 242057 h 1229021"/>
-              </a:gdLst>
-              <a:ahLst/>
-              <a:cxnLst>
-                <a:cxn ang="0">
-                  <a:pos x="connsiteX0" y="connsiteY0"/>
-                </a:cxn>
-                <a:cxn ang="0">
-                  <a:pos x="connsiteX1" y="connsiteY1"/>
-                </a:cxn>
-                <a:cxn ang="0">
-                  <a:pos x="connsiteX2" y="connsiteY2"/>
-                </a:cxn>
-                <a:cxn ang="0">
-                  <a:pos x="connsiteX3" y="connsiteY3"/>
-                </a:cxn>
-                <a:cxn ang="0">
-                  <a:pos x="connsiteX4" y="connsiteY4"/>
-                </a:cxn>
-                <a:cxn ang="0">
-                  <a:pos x="connsiteX5" y="connsiteY5"/>
-                </a:cxn>
-                <a:cxn ang="0">
-                  <a:pos x="connsiteX6" y="connsiteY6"/>
-                </a:cxn>
-                <a:cxn ang="0">
-                  <a:pos x="connsiteX7" y="connsiteY7"/>
-                </a:cxn>
-                <a:cxn ang="0">
-                  <a:pos x="connsiteX8" y="connsiteY8"/>
-                </a:cxn>
-                <a:cxn ang="0">
-                  <a:pos x="connsiteX9" y="connsiteY9"/>
-                </a:cxn>
-                <a:cxn ang="0">
-                  <a:pos x="connsiteX10" y="connsiteY10"/>
-                </a:cxn>
-              </a:cxnLst>
-              <a:rect l="l" t="t" r="r" b="b"/>
-              <a:pathLst>
-                <a:path w="2027814" h="1229021">
-                  <a:moveTo>
-                    <a:pt x="1030481" y="0"/>
-                  </a:moveTo>
-                  <a:lnTo>
-                    <a:pt x="1170874" y="242057"/>
-                  </a:lnTo>
-                  <a:lnTo>
-                    <a:pt x="1935888" y="242057"/>
-                  </a:lnTo>
-                  <a:cubicBezTo>
-                    <a:pt x="1986657" y="242057"/>
-                    <a:pt x="2027814" y="283214"/>
-                    <a:pt x="2027814" y="333983"/>
-                  </a:cubicBezTo>
-                  <a:lnTo>
-                    <a:pt x="2027814" y="1137095"/>
-                  </a:lnTo>
-                  <a:cubicBezTo>
-                    <a:pt x="2027814" y="1187864"/>
-                    <a:pt x="1986657" y="1229021"/>
-                    <a:pt x="1935888" y="1229021"/>
-                  </a:cubicBezTo>
-                  <a:lnTo>
-                    <a:pt x="91926" y="1229021"/>
-                  </a:lnTo>
-                  <a:cubicBezTo>
-                    <a:pt x="41157" y="1229021"/>
-                    <a:pt x="0" y="1187864"/>
-                    <a:pt x="0" y="1137095"/>
-                  </a:cubicBezTo>
-                  <a:lnTo>
-                    <a:pt x="0" y="333983"/>
-                  </a:lnTo>
-                  <a:cubicBezTo>
-                    <a:pt x="0" y="283214"/>
-                    <a:pt x="41157" y="242057"/>
-                    <a:pt x="91926" y="242057"/>
-                  </a:cubicBezTo>
-                  <a:lnTo>
-                    <a:pt x="890088" y="242057"/>
-                  </a:lnTo>
-                  <a:close/>
-                </a:path>
-              </a:pathLst>
-            </a:custGeom>
-            <a:solidFill>
-              <a:schemeClr val="accent1"/>
-            </a:solidFill>
-            <a:ln>
-              <a:solidFill>
-                <a:schemeClr val="accent1"/>
-              </a:solidFill>
-            </a:ln>
-            <a:effectLst>
-              <a:outerShdw blurRad="101600" dist="101600" dir="5400000" algn="t" rotWithShape="0">
-                <a:prstClr val="black">
-                  <a:alpha val="40000"/>
-                </a:prstClr>
-              </a:outerShdw>
-            </a:effectLst>
-          </p:spPr>
-          <p:style>
-            <a:lnRef idx="2">
-              <a:schemeClr val="accent1">
-                <a:shade val="50000"/>
-              </a:schemeClr>
-            </a:lnRef>
-            <a:fillRef idx="1">
-              <a:schemeClr val="accent1"/>
-            </a:fillRef>
-            <a:effectRef idx="0">
-              <a:schemeClr val="accent1"/>
-            </a:effectRef>
-            <a:fontRef idx="minor">
-              <a:schemeClr val="lt1"/>
-            </a:fontRef>
-          </p:style>
-          <p:txBody>
-            <a:bodyPr rot="0" spcFirstLastPara="0" vertOverflow="overflow" horzOverflow="overflow" vert="horz" wrap="square" lIns="91440" tIns="45720" rIns="91440" bIns="45720" numCol="1" spcCol="0" rtlCol="0" fromWordArt="0" anchor="ctr" anchorCtr="0" forceAA="0" compatLnSpc="1">
-              <a:prstTxWarp prst="textNoShape">
-                <a:avLst/>
-              </a:prstTxWarp>
-              <a:noAutofit/>
-            </a:bodyPr>
-            <a:lstStyle/>
-            <a:p>
-              <a:pPr algn="ctr"/>
-              <a:endParaRPr lang="zh-CN" altLang="en-US"/>
-            </a:p>
-          </p:txBody>
-        </p:sp>
-        <p:sp>
-          <p:nvSpPr>
-            <p:cNvPr id="101" name="矩形 100">
-              <a:extLst>
-                <a:ext uri="{FF2B5EF4-FFF2-40B4-BE49-F238E27FC236}">
-                  <a16:creationId xmlns:a16="http://schemas.microsoft.com/office/drawing/2014/main" id="{72D5356B-BFE5-4B0C-9DC7-DDB89A865333}"/>
-                </a:ext>
-              </a:extLst>
-            </p:cNvPr>
-            <p:cNvSpPr/>
-            <p:nvPr/>
-          </p:nvSpPr>
-          <p:spPr>
-            <a:xfrm>
-              <a:off x="382587" y="3352015"/>
-              <a:ext cx="2180221" cy="1323439"/>
-            </a:xfrm>
-            <a:prstGeom prst="rect">
-              <a:avLst/>
-            </a:prstGeom>
-          </p:spPr>
-          <p:txBody>
-            <a:bodyPr wrap="square">
-              <a:spAutoFit/>
-            </a:bodyPr>
-            <a:lstStyle/>
-            <a:p>
-              <a:pPr marL="171450" indent="-171450">
-                <a:buFont typeface="Arial" panose="020B0604020202020204" pitchFamily="34" charset="0"/>
-                <a:buChar char="•"/>
-              </a:pPr>
-              <a:r>
-                <a:rPr lang="en-US" altLang="zh-CN" sz="2000" dirty="0">
-                  <a:solidFill>
-                    <a:schemeClr val="bg1"/>
-                  </a:solidFill>
-                </a:rPr>
-                <a:t>Support PDF and Audio material</a:t>
-              </a:r>
-            </a:p>
-            <a:p>
-              <a:pPr marL="171450" indent="-171450">
-                <a:buFont typeface="Arial" panose="020B0604020202020204" pitchFamily="34" charset="0"/>
-                <a:buChar char="•"/>
-              </a:pPr>
-              <a:r>
-                <a:rPr lang="en-US" altLang="zh-CN" sz="2000" dirty="0">
-                  <a:solidFill>
-                    <a:schemeClr val="bg1"/>
-                  </a:solidFill>
-                </a:rPr>
-                <a:t>Unit testing</a:t>
-              </a:r>
-            </a:p>
-            <a:p>
-              <a:pPr marL="171450" indent="-171450">
-                <a:buFont typeface="Arial" panose="020B0604020202020204" pitchFamily="34" charset="0"/>
-                <a:buChar char="•"/>
-              </a:pPr>
-              <a:r>
-                <a:rPr lang="en-US" altLang="zh-CN" sz="2000" dirty="0">
-                  <a:solidFill>
-                    <a:schemeClr val="bg1"/>
-                  </a:solidFill>
-                </a:rPr>
-                <a:t>Likes and Dislikes</a:t>
-              </a:r>
-            </a:p>
-          </p:txBody>
-        </p:sp>
-      </p:grpSp>
-      <p:grpSp>
-        <p:nvGrpSpPr>
-          <p:cNvPr id="5" name="Group 4">
-            <a:extLst>
-              <a:ext uri="{FF2B5EF4-FFF2-40B4-BE49-F238E27FC236}">
-                <a16:creationId xmlns:a16="http://schemas.microsoft.com/office/drawing/2014/main" id="{3AE35B1A-FACD-C842-A7DE-9B016DF299C6}"/>
-              </a:ext>
-            </a:extLst>
-          </p:cNvPr>
-          <p:cNvGrpSpPr/>
-          <p:nvPr/>
-        </p:nvGrpSpPr>
-        <p:grpSpPr>
-          <a:xfrm>
-            <a:off x="2153106" y="862154"/>
-            <a:ext cx="2418894" cy="1642800"/>
-            <a:chOff x="2153106" y="862154"/>
-            <a:chExt cx="2418894" cy="1642800"/>
-          </a:xfrm>
-        </p:grpSpPr>
-        <p:sp>
-          <p:nvSpPr>
-            <p:cNvPr id="97" name="任意多边形: 形状 96">
-              <a:extLst>
-                <a:ext uri="{FF2B5EF4-FFF2-40B4-BE49-F238E27FC236}">
-                  <a16:creationId xmlns:a16="http://schemas.microsoft.com/office/drawing/2014/main" id="{1A2B3D63-410C-40FB-ABFA-5D220F42BD6F}"/>
-                </a:ext>
-              </a:extLst>
-            </p:cNvPr>
-            <p:cNvSpPr/>
-            <p:nvPr/>
-          </p:nvSpPr>
-          <p:spPr>
-            <a:xfrm rot="10800000">
-              <a:off x="2155371" y="878115"/>
-              <a:ext cx="2416629" cy="1626839"/>
-            </a:xfrm>
-            <a:custGeom>
-              <a:avLst/>
-              <a:gdLst>
-                <a:gd name="connsiteX0" fmla="*/ 1030481 w 2027814"/>
-                <a:gd name="connsiteY0" fmla="*/ 0 h 1229021"/>
-                <a:gd name="connsiteX1" fmla="*/ 1170874 w 2027814"/>
-                <a:gd name="connsiteY1" fmla="*/ 242057 h 1229021"/>
-                <a:gd name="connsiteX2" fmla="*/ 1935888 w 2027814"/>
-                <a:gd name="connsiteY2" fmla="*/ 242057 h 1229021"/>
-                <a:gd name="connsiteX3" fmla="*/ 2027814 w 2027814"/>
-                <a:gd name="connsiteY3" fmla="*/ 333983 h 1229021"/>
-                <a:gd name="connsiteX4" fmla="*/ 2027814 w 2027814"/>
-                <a:gd name="connsiteY4" fmla="*/ 1137095 h 1229021"/>
-                <a:gd name="connsiteX5" fmla="*/ 1935888 w 2027814"/>
-                <a:gd name="connsiteY5" fmla="*/ 1229021 h 1229021"/>
-                <a:gd name="connsiteX6" fmla="*/ 91926 w 2027814"/>
-                <a:gd name="connsiteY6" fmla="*/ 1229021 h 1229021"/>
-                <a:gd name="connsiteX7" fmla="*/ 0 w 2027814"/>
-                <a:gd name="connsiteY7" fmla="*/ 1137095 h 1229021"/>
-                <a:gd name="connsiteX8" fmla="*/ 0 w 2027814"/>
-                <a:gd name="connsiteY8" fmla="*/ 333983 h 1229021"/>
-                <a:gd name="connsiteX9" fmla="*/ 91926 w 2027814"/>
-                <a:gd name="connsiteY9" fmla="*/ 242057 h 1229021"/>
-                <a:gd name="connsiteX10" fmla="*/ 890088 w 2027814"/>
-                <a:gd name="connsiteY10" fmla="*/ 242057 h 1229021"/>
-              </a:gdLst>
-              <a:ahLst/>
-              <a:cxnLst>
-                <a:cxn ang="0">
-                  <a:pos x="connsiteX0" y="connsiteY0"/>
-                </a:cxn>
-                <a:cxn ang="0">
-                  <a:pos x="connsiteX1" y="connsiteY1"/>
-                </a:cxn>
-                <a:cxn ang="0">
-                  <a:pos x="connsiteX2" y="connsiteY2"/>
-                </a:cxn>
-                <a:cxn ang="0">
-                  <a:pos x="connsiteX3" y="connsiteY3"/>
-                </a:cxn>
-                <a:cxn ang="0">
-                  <a:pos x="connsiteX4" y="connsiteY4"/>
-                </a:cxn>
-                <a:cxn ang="0">
-                  <a:pos x="connsiteX5" y="connsiteY5"/>
-                </a:cxn>
-                <a:cxn ang="0">
-                  <a:pos x="connsiteX6" y="connsiteY6"/>
-                </a:cxn>
-                <a:cxn ang="0">
-                  <a:pos x="connsiteX7" y="connsiteY7"/>
-                </a:cxn>
-                <a:cxn ang="0">
-                  <a:pos x="connsiteX8" y="connsiteY8"/>
-                </a:cxn>
-                <a:cxn ang="0">
-                  <a:pos x="connsiteX9" y="connsiteY9"/>
-                </a:cxn>
-                <a:cxn ang="0">
-                  <a:pos x="connsiteX10" y="connsiteY10"/>
-                </a:cxn>
-              </a:cxnLst>
-              <a:rect l="l" t="t" r="r" b="b"/>
-              <a:pathLst>
-                <a:path w="2027814" h="1229021">
-                  <a:moveTo>
-                    <a:pt x="1030481" y="0"/>
-                  </a:moveTo>
-                  <a:lnTo>
-                    <a:pt x="1170874" y="242057"/>
-                  </a:lnTo>
-                  <a:lnTo>
-                    <a:pt x="1935888" y="242057"/>
-                  </a:lnTo>
-                  <a:cubicBezTo>
-                    <a:pt x="1986657" y="242057"/>
-                    <a:pt x="2027814" y="283214"/>
-                    <a:pt x="2027814" y="333983"/>
-                  </a:cubicBezTo>
-                  <a:lnTo>
-                    <a:pt x="2027814" y="1137095"/>
-                  </a:lnTo>
-                  <a:cubicBezTo>
-                    <a:pt x="2027814" y="1187864"/>
-                    <a:pt x="1986657" y="1229021"/>
-                    <a:pt x="1935888" y="1229021"/>
-                  </a:cubicBezTo>
-                  <a:lnTo>
-                    <a:pt x="91926" y="1229021"/>
-                  </a:lnTo>
-                  <a:cubicBezTo>
-                    <a:pt x="41157" y="1229021"/>
-                    <a:pt x="0" y="1187864"/>
-                    <a:pt x="0" y="1137095"/>
-                  </a:cubicBezTo>
-                  <a:lnTo>
-                    <a:pt x="0" y="333983"/>
-                  </a:lnTo>
-                  <a:cubicBezTo>
-                    <a:pt x="0" y="283214"/>
-                    <a:pt x="41157" y="242057"/>
-                    <a:pt x="91926" y="242057"/>
-                  </a:cubicBezTo>
-                  <a:lnTo>
-                    <a:pt x="890088" y="242057"/>
-                  </a:lnTo>
-                  <a:close/>
-                </a:path>
-              </a:pathLst>
-            </a:custGeom>
-            <a:solidFill>
-              <a:schemeClr val="accent1"/>
-            </a:solidFill>
-            <a:ln>
-              <a:solidFill>
-                <a:schemeClr val="accent1"/>
-              </a:solidFill>
-            </a:ln>
-            <a:effectLst>
-              <a:outerShdw blurRad="101600" dist="101600" dir="5400000" algn="t" rotWithShape="0">
-                <a:prstClr val="black">
-                  <a:alpha val="40000"/>
-                </a:prstClr>
-              </a:outerShdw>
-            </a:effectLst>
-          </p:spPr>
-          <p:style>
-            <a:lnRef idx="2">
-              <a:schemeClr val="accent1">
-                <a:shade val="50000"/>
-              </a:schemeClr>
-            </a:lnRef>
-            <a:fillRef idx="1">
-              <a:schemeClr val="accent1"/>
-            </a:fillRef>
-            <a:effectRef idx="0">
-              <a:schemeClr val="accent1"/>
-            </a:effectRef>
-            <a:fontRef idx="minor">
-              <a:schemeClr val="lt1"/>
-            </a:fontRef>
-          </p:style>
-          <p:txBody>
-            <a:bodyPr rot="0" spcFirstLastPara="0" vertOverflow="overflow" horzOverflow="overflow" vert="horz" wrap="square" lIns="91440" tIns="45720" rIns="91440" bIns="45720" numCol="1" spcCol="0" rtlCol="0" fromWordArt="0" anchor="ctr" anchorCtr="0" forceAA="0" compatLnSpc="1">
-              <a:prstTxWarp prst="textNoShape">
-                <a:avLst/>
-              </a:prstTxWarp>
-              <a:noAutofit/>
-            </a:bodyPr>
-            <a:lstStyle/>
-            <a:p>
-              <a:pPr algn="ctr"/>
-              <a:endParaRPr lang="zh-CN" altLang="en-US"/>
-            </a:p>
-          </p:txBody>
-        </p:sp>
-        <p:sp>
-          <p:nvSpPr>
-            <p:cNvPr id="103" name="矩形 102">
-              <a:extLst>
-                <a:ext uri="{FF2B5EF4-FFF2-40B4-BE49-F238E27FC236}">
-                  <a16:creationId xmlns:a16="http://schemas.microsoft.com/office/drawing/2014/main" id="{06EC24B0-5F09-47D3-843D-AB425684528D}"/>
-                </a:ext>
-              </a:extLst>
-            </p:cNvPr>
-            <p:cNvSpPr/>
-            <p:nvPr/>
-          </p:nvSpPr>
-          <p:spPr>
-            <a:xfrm>
-              <a:off x="2153106" y="862154"/>
-              <a:ext cx="2416629" cy="1323439"/>
-            </a:xfrm>
-            <a:prstGeom prst="rect">
-              <a:avLst/>
-            </a:prstGeom>
-          </p:spPr>
-          <p:txBody>
-            <a:bodyPr wrap="square">
-              <a:spAutoFit/>
-            </a:bodyPr>
-            <a:lstStyle/>
-            <a:p>
-              <a:pPr marL="171450" indent="-171450">
-                <a:buFont typeface="Arial" panose="020B0604020202020204" pitchFamily="34" charset="0"/>
-                <a:buChar char="•"/>
-              </a:pPr>
-              <a:r>
-                <a:rPr lang="en-US" altLang="zh-CN" sz="2000" dirty="0">
-                  <a:solidFill>
-                    <a:schemeClr val="bg1"/>
-                  </a:solidFill>
-                </a:rPr>
-                <a:t>Comment on learning material</a:t>
-              </a:r>
-            </a:p>
-            <a:p>
-              <a:pPr marL="171450" indent="-171450">
-                <a:buFont typeface="Arial" panose="020B0604020202020204" pitchFamily="34" charset="0"/>
-                <a:buChar char="•"/>
-              </a:pPr>
-              <a:r>
-                <a:rPr lang="en-US" altLang="zh-CN" sz="2000" dirty="0">
-                  <a:solidFill>
-                    <a:schemeClr val="bg1"/>
-                  </a:solidFill>
-                </a:rPr>
-                <a:t>Search and filter functionalities</a:t>
-              </a:r>
-            </a:p>
-          </p:txBody>
-        </p:sp>
-      </p:grpSp>
-      <p:grpSp>
-        <p:nvGrpSpPr>
-          <p:cNvPr id="6" name="Group 5">
-            <a:extLst>
-              <a:ext uri="{FF2B5EF4-FFF2-40B4-BE49-F238E27FC236}">
-                <a16:creationId xmlns:a16="http://schemas.microsoft.com/office/drawing/2014/main" id="{58D1F0FB-594B-714D-BA3A-DB9102E342CE}"/>
-              </a:ext>
-            </a:extLst>
-          </p:cNvPr>
-          <p:cNvGrpSpPr/>
-          <p:nvPr/>
-        </p:nvGrpSpPr>
-        <p:grpSpPr>
-          <a:xfrm>
-            <a:off x="4324738" y="2896890"/>
-            <a:ext cx="2487366" cy="1849377"/>
-            <a:chOff x="4566578" y="2889993"/>
-            <a:chExt cx="2487366" cy="1849377"/>
-          </a:xfrm>
-        </p:grpSpPr>
-        <p:sp>
-          <p:nvSpPr>
-            <p:cNvPr id="98" name="任意多边形: 形状 97">
-              <a:extLst>
-                <a:ext uri="{FF2B5EF4-FFF2-40B4-BE49-F238E27FC236}">
-                  <a16:creationId xmlns:a16="http://schemas.microsoft.com/office/drawing/2014/main" id="{1DCF9A80-2576-49B2-9A32-49566BEB27A7}"/>
-                </a:ext>
-              </a:extLst>
-            </p:cNvPr>
-            <p:cNvSpPr/>
-            <p:nvPr/>
-          </p:nvSpPr>
-          <p:spPr>
-            <a:xfrm>
-              <a:off x="4572000" y="2889993"/>
-              <a:ext cx="2481944" cy="1849377"/>
-            </a:xfrm>
-            <a:custGeom>
-              <a:avLst/>
-              <a:gdLst>
-                <a:gd name="connsiteX0" fmla="*/ 1030481 w 2027814"/>
-                <a:gd name="connsiteY0" fmla="*/ 0 h 1229021"/>
-                <a:gd name="connsiteX1" fmla="*/ 1170874 w 2027814"/>
-                <a:gd name="connsiteY1" fmla="*/ 242057 h 1229021"/>
-                <a:gd name="connsiteX2" fmla="*/ 1935888 w 2027814"/>
-                <a:gd name="connsiteY2" fmla="*/ 242057 h 1229021"/>
-                <a:gd name="connsiteX3" fmla="*/ 2027814 w 2027814"/>
-                <a:gd name="connsiteY3" fmla="*/ 333983 h 1229021"/>
-                <a:gd name="connsiteX4" fmla="*/ 2027814 w 2027814"/>
-                <a:gd name="connsiteY4" fmla="*/ 1137095 h 1229021"/>
-                <a:gd name="connsiteX5" fmla="*/ 1935888 w 2027814"/>
-                <a:gd name="connsiteY5" fmla="*/ 1229021 h 1229021"/>
-                <a:gd name="connsiteX6" fmla="*/ 91926 w 2027814"/>
-                <a:gd name="connsiteY6" fmla="*/ 1229021 h 1229021"/>
-                <a:gd name="connsiteX7" fmla="*/ 0 w 2027814"/>
-                <a:gd name="connsiteY7" fmla="*/ 1137095 h 1229021"/>
-                <a:gd name="connsiteX8" fmla="*/ 0 w 2027814"/>
-                <a:gd name="connsiteY8" fmla="*/ 333983 h 1229021"/>
-                <a:gd name="connsiteX9" fmla="*/ 91926 w 2027814"/>
-                <a:gd name="connsiteY9" fmla="*/ 242057 h 1229021"/>
-                <a:gd name="connsiteX10" fmla="*/ 890088 w 2027814"/>
-                <a:gd name="connsiteY10" fmla="*/ 242057 h 1229021"/>
-              </a:gdLst>
-              <a:ahLst/>
-              <a:cxnLst>
-                <a:cxn ang="0">
-                  <a:pos x="connsiteX0" y="connsiteY0"/>
-                </a:cxn>
-                <a:cxn ang="0">
-                  <a:pos x="connsiteX1" y="connsiteY1"/>
-                </a:cxn>
-                <a:cxn ang="0">
-                  <a:pos x="connsiteX2" y="connsiteY2"/>
-                </a:cxn>
-                <a:cxn ang="0">
-                  <a:pos x="connsiteX3" y="connsiteY3"/>
-                </a:cxn>
-                <a:cxn ang="0">
-                  <a:pos x="connsiteX4" y="connsiteY4"/>
-                </a:cxn>
-                <a:cxn ang="0">
-                  <a:pos x="connsiteX5" y="connsiteY5"/>
-                </a:cxn>
-                <a:cxn ang="0">
-                  <a:pos x="connsiteX6" y="connsiteY6"/>
-                </a:cxn>
-                <a:cxn ang="0">
-                  <a:pos x="connsiteX7" y="connsiteY7"/>
-                </a:cxn>
-                <a:cxn ang="0">
-                  <a:pos x="connsiteX8" y="connsiteY8"/>
-                </a:cxn>
-                <a:cxn ang="0">
-                  <a:pos x="connsiteX9" y="connsiteY9"/>
-                </a:cxn>
-                <a:cxn ang="0">
-                  <a:pos x="connsiteX10" y="connsiteY10"/>
-                </a:cxn>
-              </a:cxnLst>
-              <a:rect l="l" t="t" r="r" b="b"/>
-              <a:pathLst>
-                <a:path w="2027814" h="1229021">
-                  <a:moveTo>
-                    <a:pt x="1030481" y="0"/>
-                  </a:moveTo>
-                  <a:lnTo>
-                    <a:pt x="1170874" y="242057"/>
-                  </a:lnTo>
-                  <a:lnTo>
-                    <a:pt x="1935888" y="242057"/>
-                  </a:lnTo>
-                  <a:cubicBezTo>
-                    <a:pt x="1986657" y="242057"/>
-                    <a:pt x="2027814" y="283214"/>
-                    <a:pt x="2027814" y="333983"/>
-                  </a:cubicBezTo>
-                  <a:lnTo>
-                    <a:pt x="2027814" y="1137095"/>
-                  </a:lnTo>
-                  <a:cubicBezTo>
-                    <a:pt x="2027814" y="1187864"/>
-                    <a:pt x="1986657" y="1229021"/>
-                    <a:pt x="1935888" y="1229021"/>
-                  </a:cubicBezTo>
-                  <a:lnTo>
-                    <a:pt x="91926" y="1229021"/>
-                  </a:lnTo>
-                  <a:cubicBezTo>
-                    <a:pt x="41157" y="1229021"/>
-                    <a:pt x="0" y="1187864"/>
-                    <a:pt x="0" y="1137095"/>
-                  </a:cubicBezTo>
-                  <a:lnTo>
-                    <a:pt x="0" y="333983"/>
-                  </a:lnTo>
-                  <a:cubicBezTo>
-                    <a:pt x="0" y="283214"/>
-                    <a:pt x="41157" y="242057"/>
-                    <a:pt x="91926" y="242057"/>
-                  </a:cubicBezTo>
-                  <a:lnTo>
-                    <a:pt x="890088" y="242057"/>
-                  </a:lnTo>
-                  <a:close/>
-                </a:path>
-              </a:pathLst>
-            </a:custGeom>
-            <a:solidFill>
-              <a:schemeClr val="accent1"/>
-            </a:solidFill>
-            <a:ln>
-              <a:solidFill>
-                <a:schemeClr val="accent1"/>
-              </a:solidFill>
-            </a:ln>
-            <a:effectLst>
-              <a:outerShdw blurRad="101600" dist="101600" dir="5400000" algn="t" rotWithShape="0">
-                <a:prstClr val="black">
-                  <a:alpha val="40000"/>
-                </a:prstClr>
-              </a:outerShdw>
-            </a:effectLst>
-          </p:spPr>
-          <p:style>
-            <a:lnRef idx="2">
-              <a:schemeClr val="accent1">
-                <a:shade val="50000"/>
-              </a:schemeClr>
-            </a:lnRef>
-            <a:fillRef idx="1">
-              <a:schemeClr val="accent1"/>
-            </a:fillRef>
-            <a:effectRef idx="0">
-              <a:schemeClr val="accent1"/>
-            </a:effectRef>
-            <a:fontRef idx="minor">
-              <a:schemeClr val="lt1"/>
-            </a:fontRef>
-          </p:style>
-          <p:txBody>
-            <a:bodyPr rot="0" spcFirstLastPara="0" vertOverflow="overflow" horzOverflow="overflow" vert="horz" wrap="square" lIns="91440" tIns="45720" rIns="91440" bIns="45720" numCol="1" spcCol="0" rtlCol="0" fromWordArt="0" anchor="ctr" anchorCtr="0" forceAA="0" compatLnSpc="1">
-              <a:prstTxWarp prst="textNoShape">
-                <a:avLst/>
-              </a:prstTxWarp>
-              <a:noAutofit/>
-            </a:bodyPr>
-            <a:lstStyle/>
-            <a:p>
-              <a:pPr algn="ctr"/>
-              <a:endParaRPr lang="zh-CN" altLang="en-US"/>
-            </a:p>
-          </p:txBody>
-        </p:sp>
-        <p:sp>
-          <p:nvSpPr>
-            <p:cNvPr id="104" name="矩形 103">
-              <a:extLst>
-                <a:ext uri="{FF2B5EF4-FFF2-40B4-BE49-F238E27FC236}">
-                  <a16:creationId xmlns:a16="http://schemas.microsoft.com/office/drawing/2014/main" id="{9A76D14C-7164-4E56-A043-7EC2445B4530}"/>
-                </a:ext>
-              </a:extLst>
-            </p:cNvPr>
-            <p:cNvSpPr/>
-            <p:nvPr/>
-          </p:nvSpPr>
-          <p:spPr>
-            <a:xfrm>
-              <a:off x="4566578" y="3341528"/>
-              <a:ext cx="2481944" cy="1323439"/>
-            </a:xfrm>
-            <a:prstGeom prst="rect">
-              <a:avLst/>
-            </a:prstGeom>
-          </p:spPr>
-          <p:txBody>
-            <a:bodyPr wrap="square">
-              <a:spAutoFit/>
-            </a:bodyPr>
-            <a:lstStyle/>
-            <a:p>
-              <a:pPr marL="171450" indent="-171450">
-                <a:buFont typeface="Arial" panose="020B0604020202020204" pitchFamily="34" charset="0"/>
-                <a:buChar char="•"/>
-              </a:pPr>
-              <a:r>
-                <a:rPr lang="en-US" altLang="zh-CN" sz="2000" dirty="0">
-                  <a:solidFill>
-                    <a:schemeClr val="bg1"/>
-                  </a:solidFill>
-                </a:rPr>
-                <a:t>Full-screen mode for videos</a:t>
-              </a:r>
-            </a:p>
-            <a:p>
-              <a:pPr marL="171450" indent="-171450">
-                <a:buFont typeface="Arial" panose="020B0604020202020204" pitchFamily="34" charset="0"/>
-                <a:buChar char="•"/>
-              </a:pPr>
-              <a:r>
-                <a:rPr lang="en-US" altLang="zh-CN" sz="2000" dirty="0">
-                  <a:solidFill>
-                    <a:schemeClr val="bg1"/>
-                  </a:solidFill>
-                </a:rPr>
-                <a:t>User authentication support</a:t>
-              </a:r>
-            </a:p>
-          </p:txBody>
-        </p:sp>
-      </p:grpSp>
-      <p:sp>
-        <p:nvSpPr>
           <p:cNvPr id="105" name="矩形 104">
             <a:extLst>
               <a:ext uri="{FF2B5EF4-FFF2-40B4-BE49-F238E27FC236}">
@@ -7944,156 +6861,834 @@
           </a:p>
         </p:txBody>
       </p:sp>
-      <p:sp>
-        <p:nvSpPr>
-          <p:cNvPr id="107" name="矩形 106">
+      <p:grpSp>
+        <p:nvGrpSpPr>
+          <p:cNvPr id="9" name="Group 8">
             <a:extLst>
               <a:ext uri="{FF2B5EF4-FFF2-40B4-BE49-F238E27FC236}">
-                <a16:creationId xmlns:a16="http://schemas.microsoft.com/office/drawing/2014/main" id="{BDE223A3-A3B5-4B48-AD1E-D1045344FD9C}"/>
+                <a16:creationId xmlns:a16="http://schemas.microsoft.com/office/drawing/2014/main" id="{A234B6FD-2E57-8549-AE3E-B1929879E041}"/>
               </a:ext>
             </a:extLst>
           </p:cNvPr>
-          <p:cNvSpPr/>
+          <p:cNvGrpSpPr/>
           <p:nvPr/>
-        </p:nvSpPr>
-        <p:spPr bwMode="auto">
+        </p:nvGrpSpPr>
+        <p:grpSpPr>
           <a:xfrm>
-            <a:off x="4582762" y="2129830"/>
-            <a:ext cx="2037995" cy="430887"/>
+            <a:off x="144419" y="2190197"/>
+            <a:ext cx="2187477" cy="2549173"/>
+            <a:chOff x="144419" y="2190197"/>
+            <a:chExt cx="2187477" cy="2549173"/>
           </a:xfrm>
-          <a:prstGeom prst="rect">
-            <a:avLst/>
-          </a:prstGeom>
-          <a:noFill/>
-        </p:spPr>
-        <p:txBody>
-          <a:bodyPr wrap="none">
-            <a:spAutoFit/>
-          </a:bodyPr>
-          <a:lstStyle/>
-          <a:p>
-            <a:pPr algn="r">
-              <a:defRPr/>
-            </a:pPr>
-            <a:r>
-              <a:rPr lang="en-US" altLang="zh-CN" sz="2200" b="1" kern="100" dirty="0">
+        </p:grpSpPr>
+        <p:sp>
+          <p:nvSpPr>
+            <p:cNvPr id="62" name="椭圆 61">
+              <a:extLst>
+                <a:ext uri="{FF2B5EF4-FFF2-40B4-BE49-F238E27FC236}">
+                  <a16:creationId xmlns:a16="http://schemas.microsoft.com/office/drawing/2014/main" id="{D6815DC5-0F9B-4BDF-A149-BBEC282A02A4}"/>
+                </a:ext>
+              </a:extLst>
+            </p:cNvPr>
+            <p:cNvSpPr/>
+            <p:nvPr/>
+          </p:nvSpPr>
+          <p:spPr>
+            <a:xfrm>
+              <a:off x="1131416" y="2576899"/>
+              <a:ext cx="220741" cy="224247"/>
+            </a:xfrm>
+            <a:prstGeom prst="ellipse">
+              <a:avLst/>
+            </a:prstGeom>
+            <a:solidFill>
+              <a:schemeClr val="bg1"/>
+            </a:solidFill>
+            <a:ln>
+              <a:solidFill>
+                <a:schemeClr val="accent1"/>
+              </a:solidFill>
+            </a:ln>
+            <a:effectLst>
+              <a:outerShdw blurRad="50800" dist="38100" dir="5400000" algn="t" rotWithShape="0">
+                <a:prstClr val="black">
+                  <a:alpha val="40000"/>
+                </a:prstClr>
+              </a:outerShdw>
+            </a:effectLst>
+          </p:spPr>
+          <p:style>
+            <a:lnRef idx="2">
+              <a:schemeClr val="accent1">
+                <a:shade val="50000"/>
+              </a:schemeClr>
+            </a:lnRef>
+            <a:fillRef idx="1">
+              <a:schemeClr val="accent1"/>
+            </a:fillRef>
+            <a:effectRef idx="0">
+              <a:schemeClr val="accent1"/>
+            </a:effectRef>
+            <a:fontRef idx="minor">
+              <a:schemeClr val="lt1"/>
+            </a:fontRef>
+          </p:style>
+          <p:txBody>
+            <a:bodyPr rtlCol="0" anchor="ctr"/>
+            <a:lstStyle/>
+            <a:p>
+              <a:pPr algn="ctr"/>
+              <a:endParaRPr lang="zh-CN" altLang="en-US"/>
+            </a:p>
+          </p:txBody>
+        </p:sp>
+        <p:sp>
+          <p:nvSpPr>
+            <p:cNvPr id="100" name="矩形 99">
+              <a:extLst>
+                <a:ext uri="{FF2B5EF4-FFF2-40B4-BE49-F238E27FC236}">
+                  <a16:creationId xmlns:a16="http://schemas.microsoft.com/office/drawing/2014/main" id="{E8ED7235-BCA0-4BF0-AA63-8711273EDB5B}"/>
+                </a:ext>
+              </a:extLst>
+            </p:cNvPr>
+            <p:cNvSpPr/>
+            <p:nvPr/>
+          </p:nvSpPr>
+          <p:spPr bwMode="auto">
+            <a:xfrm>
+              <a:off x="206220" y="2190197"/>
+              <a:ext cx="2037994" cy="430887"/>
+            </a:xfrm>
+            <a:prstGeom prst="rect">
+              <a:avLst/>
+            </a:prstGeom>
+            <a:noFill/>
+          </p:spPr>
+          <p:txBody>
+            <a:bodyPr wrap="none">
+              <a:spAutoFit/>
+            </a:bodyPr>
+            <a:lstStyle/>
+            <a:p>
+              <a:pPr algn="r">
+                <a:defRPr/>
+              </a:pPr>
+              <a:r>
+                <a:rPr lang="en-US" altLang="zh-CN" sz="2200" b="1" kern="100" dirty="0">
+                  <a:solidFill>
+                    <a:schemeClr val="accent1"/>
+                  </a:solidFill>
+                  <a:latin typeface="微软雅黑" panose="020B0503020204020204" pitchFamily="34" charset="-122"/>
+                  <a:ea typeface="微软雅黑" panose="020B0503020204020204" pitchFamily="34" charset="-122"/>
+                  <a:cs typeface="Times New Roman" panose="02020603050405020304" pitchFamily="18" charset="0"/>
+                </a:rPr>
+                <a:t>Before</a:t>
+              </a:r>
+              <a:r>
+                <a:rPr lang="zh-CN" altLang="en-US" sz="2200" b="1" kern="100" dirty="0">
+                  <a:solidFill>
+                    <a:schemeClr val="accent1"/>
+                  </a:solidFill>
+                  <a:latin typeface="微软雅黑" panose="020B0503020204020204" pitchFamily="34" charset="-122"/>
+                  <a:ea typeface="微软雅黑" panose="020B0503020204020204" pitchFamily="34" charset="-122"/>
+                  <a:cs typeface="Times New Roman" panose="02020603050405020304" pitchFamily="18" charset="0"/>
+                </a:rPr>
+                <a:t> </a:t>
+              </a:r>
+              <a:r>
+                <a:rPr lang="en-US" altLang="zh-CN" sz="2200" b="1" kern="100" dirty="0">
+                  <a:solidFill>
+                    <a:schemeClr val="accent1"/>
+                  </a:solidFill>
+                  <a:latin typeface="微软雅黑" panose="020B0503020204020204" pitchFamily="34" charset="-122"/>
+                  <a:ea typeface="微软雅黑" panose="020B0503020204020204" pitchFamily="34" charset="-122"/>
+                  <a:cs typeface="Times New Roman" panose="02020603050405020304" pitchFamily="18" charset="0"/>
+                </a:rPr>
+                <a:t>30/01</a:t>
+              </a:r>
+              <a:endParaRPr lang="zh-CN" altLang="en-US" sz="2200" b="1" kern="100" dirty="0">
                 <a:solidFill>
                   <a:schemeClr val="accent1"/>
                 </a:solidFill>
                 <a:latin typeface="微软雅黑" panose="020B0503020204020204" pitchFamily="34" charset="-122"/>
                 <a:ea typeface="微软雅黑" panose="020B0503020204020204" pitchFamily="34" charset="-122"/>
                 <a:cs typeface="Times New Roman" panose="02020603050405020304" pitchFamily="18" charset="0"/>
-              </a:rPr>
-              <a:t>Before</a:t>
-            </a:r>
-            <a:r>
-              <a:rPr lang="zh-CN" altLang="en-US" sz="2200" b="1" kern="100" dirty="0">
+              </a:endParaRPr>
+            </a:p>
+          </p:txBody>
+        </p:sp>
+        <p:grpSp>
+          <p:nvGrpSpPr>
+            <p:cNvPr id="2" name="Group 1">
+              <a:extLst>
+                <a:ext uri="{FF2B5EF4-FFF2-40B4-BE49-F238E27FC236}">
+                  <a16:creationId xmlns:a16="http://schemas.microsoft.com/office/drawing/2014/main" id="{0B59F67E-1517-994F-9E57-08010C5C9DB4}"/>
+                </a:ext>
+              </a:extLst>
+            </p:cNvPr>
+            <p:cNvGrpSpPr/>
+            <p:nvPr/>
+          </p:nvGrpSpPr>
+          <p:grpSpPr>
+            <a:xfrm>
+              <a:off x="144419" y="2873395"/>
+              <a:ext cx="2187477" cy="1865975"/>
+              <a:chOff x="375331" y="2887280"/>
+              <a:chExt cx="2187477" cy="1865975"/>
+            </a:xfrm>
+          </p:grpSpPr>
+          <p:sp>
+            <p:nvSpPr>
+              <p:cNvPr id="96" name="任意多边形: 形状 95">
+                <a:extLst>
+                  <a:ext uri="{FF2B5EF4-FFF2-40B4-BE49-F238E27FC236}">
+                    <a16:creationId xmlns:a16="http://schemas.microsoft.com/office/drawing/2014/main" id="{70C1C0CF-C1F7-459A-9170-9652E108AAB4}"/>
+                  </a:ext>
+                </a:extLst>
+              </p:cNvPr>
+              <p:cNvSpPr/>
+              <p:nvPr/>
+            </p:nvSpPr>
+            <p:spPr>
+              <a:xfrm>
+                <a:off x="375331" y="2887280"/>
+                <a:ext cx="2180221" cy="1865975"/>
+              </a:xfrm>
+              <a:custGeom>
+                <a:avLst/>
+                <a:gdLst>
+                  <a:gd name="connsiteX0" fmla="*/ 1030481 w 2027814"/>
+                  <a:gd name="connsiteY0" fmla="*/ 0 h 1229021"/>
+                  <a:gd name="connsiteX1" fmla="*/ 1170874 w 2027814"/>
+                  <a:gd name="connsiteY1" fmla="*/ 242057 h 1229021"/>
+                  <a:gd name="connsiteX2" fmla="*/ 1935888 w 2027814"/>
+                  <a:gd name="connsiteY2" fmla="*/ 242057 h 1229021"/>
+                  <a:gd name="connsiteX3" fmla="*/ 2027814 w 2027814"/>
+                  <a:gd name="connsiteY3" fmla="*/ 333983 h 1229021"/>
+                  <a:gd name="connsiteX4" fmla="*/ 2027814 w 2027814"/>
+                  <a:gd name="connsiteY4" fmla="*/ 1137095 h 1229021"/>
+                  <a:gd name="connsiteX5" fmla="*/ 1935888 w 2027814"/>
+                  <a:gd name="connsiteY5" fmla="*/ 1229021 h 1229021"/>
+                  <a:gd name="connsiteX6" fmla="*/ 91926 w 2027814"/>
+                  <a:gd name="connsiteY6" fmla="*/ 1229021 h 1229021"/>
+                  <a:gd name="connsiteX7" fmla="*/ 0 w 2027814"/>
+                  <a:gd name="connsiteY7" fmla="*/ 1137095 h 1229021"/>
+                  <a:gd name="connsiteX8" fmla="*/ 0 w 2027814"/>
+                  <a:gd name="connsiteY8" fmla="*/ 333983 h 1229021"/>
+                  <a:gd name="connsiteX9" fmla="*/ 91926 w 2027814"/>
+                  <a:gd name="connsiteY9" fmla="*/ 242057 h 1229021"/>
+                  <a:gd name="connsiteX10" fmla="*/ 890088 w 2027814"/>
+                  <a:gd name="connsiteY10" fmla="*/ 242057 h 1229021"/>
+                </a:gdLst>
+                <a:ahLst/>
+                <a:cxnLst>
+                  <a:cxn ang="0">
+                    <a:pos x="connsiteX0" y="connsiteY0"/>
+                  </a:cxn>
+                  <a:cxn ang="0">
+                    <a:pos x="connsiteX1" y="connsiteY1"/>
+                  </a:cxn>
+                  <a:cxn ang="0">
+                    <a:pos x="connsiteX2" y="connsiteY2"/>
+                  </a:cxn>
+                  <a:cxn ang="0">
+                    <a:pos x="connsiteX3" y="connsiteY3"/>
+                  </a:cxn>
+                  <a:cxn ang="0">
+                    <a:pos x="connsiteX4" y="connsiteY4"/>
+                  </a:cxn>
+                  <a:cxn ang="0">
+                    <a:pos x="connsiteX5" y="connsiteY5"/>
+                  </a:cxn>
+                  <a:cxn ang="0">
+                    <a:pos x="connsiteX6" y="connsiteY6"/>
+                  </a:cxn>
+                  <a:cxn ang="0">
+                    <a:pos x="connsiteX7" y="connsiteY7"/>
+                  </a:cxn>
+                  <a:cxn ang="0">
+                    <a:pos x="connsiteX8" y="connsiteY8"/>
+                  </a:cxn>
+                  <a:cxn ang="0">
+                    <a:pos x="connsiteX9" y="connsiteY9"/>
+                  </a:cxn>
+                  <a:cxn ang="0">
+                    <a:pos x="connsiteX10" y="connsiteY10"/>
+                  </a:cxn>
+                </a:cxnLst>
+                <a:rect l="l" t="t" r="r" b="b"/>
+                <a:pathLst>
+                  <a:path w="2027814" h="1229021">
+                    <a:moveTo>
+                      <a:pt x="1030481" y="0"/>
+                    </a:moveTo>
+                    <a:lnTo>
+                      <a:pt x="1170874" y="242057"/>
+                    </a:lnTo>
+                    <a:lnTo>
+                      <a:pt x="1935888" y="242057"/>
+                    </a:lnTo>
+                    <a:cubicBezTo>
+                      <a:pt x="1986657" y="242057"/>
+                      <a:pt x="2027814" y="283214"/>
+                      <a:pt x="2027814" y="333983"/>
+                    </a:cubicBezTo>
+                    <a:lnTo>
+                      <a:pt x="2027814" y="1137095"/>
+                    </a:lnTo>
+                    <a:cubicBezTo>
+                      <a:pt x="2027814" y="1187864"/>
+                      <a:pt x="1986657" y="1229021"/>
+                      <a:pt x="1935888" y="1229021"/>
+                    </a:cubicBezTo>
+                    <a:lnTo>
+                      <a:pt x="91926" y="1229021"/>
+                    </a:lnTo>
+                    <a:cubicBezTo>
+                      <a:pt x="41157" y="1229021"/>
+                      <a:pt x="0" y="1187864"/>
+                      <a:pt x="0" y="1137095"/>
+                    </a:cubicBezTo>
+                    <a:lnTo>
+                      <a:pt x="0" y="333983"/>
+                    </a:lnTo>
+                    <a:cubicBezTo>
+                      <a:pt x="0" y="283214"/>
+                      <a:pt x="41157" y="242057"/>
+                      <a:pt x="91926" y="242057"/>
+                    </a:cubicBezTo>
+                    <a:lnTo>
+                      <a:pt x="890088" y="242057"/>
+                    </a:lnTo>
+                    <a:close/>
+                  </a:path>
+                </a:pathLst>
+              </a:custGeom>
+              <a:solidFill>
+                <a:schemeClr val="accent1"/>
+              </a:solidFill>
+              <a:ln>
+                <a:solidFill>
+                  <a:schemeClr val="accent1"/>
+                </a:solidFill>
+              </a:ln>
+              <a:effectLst>
+                <a:outerShdw blurRad="101600" dist="101600" dir="5400000" algn="t" rotWithShape="0">
+                  <a:prstClr val="black">
+                    <a:alpha val="40000"/>
+                  </a:prstClr>
+                </a:outerShdw>
+              </a:effectLst>
+            </p:spPr>
+            <p:style>
+              <a:lnRef idx="2">
+                <a:schemeClr val="accent1">
+                  <a:shade val="50000"/>
+                </a:schemeClr>
+              </a:lnRef>
+              <a:fillRef idx="1">
+                <a:schemeClr val="accent1"/>
+              </a:fillRef>
+              <a:effectRef idx="0">
+                <a:schemeClr val="accent1"/>
+              </a:effectRef>
+              <a:fontRef idx="minor">
+                <a:schemeClr val="lt1"/>
+              </a:fontRef>
+            </p:style>
+            <p:txBody>
+              <a:bodyPr rot="0" spcFirstLastPara="0" vertOverflow="overflow" horzOverflow="overflow" vert="horz" wrap="square" lIns="91440" tIns="45720" rIns="91440" bIns="45720" numCol="1" spcCol="0" rtlCol="0" fromWordArt="0" anchor="ctr" anchorCtr="0" forceAA="0" compatLnSpc="1">
+                <a:prstTxWarp prst="textNoShape">
+                  <a:avLst/>
+                </a:prstTxWarp>
+                <a:noAutofit/>
+              </a:bodyPr>
+              <a:lstStyle/>
+              <a:p>
+                <a:pPr algn="ctr"/>
+                <a:endParaRPr lang="zh-CN" altLang="en-US"/>
+              </a:p>
+            </p:txBody>
+          </p:sp>
+          <p:sp>
+            <p:nvSpPr>
+              <p:cNvPr id="101" name="矩形 100">
+                <a:extLst>
+                  <a:ext uri="{FF2B5EF4-FFF2-40B4-BE49-F238E27FC236}">
+                    <a16:creationId xmlns:a16="http://schemas.microsoft.com/office/drawing/2014/main" id="{72D5356B-BFE5-4B0C-9DC7-DDB89A865333}"/>
+                  </a:ext>
+                </a:extLst>
+              </p:cNvPr>
+              <p:cNvSpPr/>
+              <p:nvPr/>
+            </p:nvSpPr>
+            <p:spPr>
+              <a:xfrm>
+                <a:off x="382587" y="3352015"/>
+                <a:ext cx="2180221" cy="1323439"/>
+              </a:xfrm>
+              <a:prstGeom prst="rect">
+                <a:avLst/>
+              </a:prstGeom>
+            </p:spPr>
+            <p:txBody>
+              <a:bodyPr wrap="square">
+                <a:spAutoFit/>
+              </a:bodyPr>
+              <a:lstStyle/>
+              <a:p>
+                <a:pPr marL="171450" indent="-171450">
+                  <a:buFont typeface="Arial" panose="020B0604020202020204" pitchFamily="34" charset="0"/>
+                  <a:buChar char="•"/>
+                </a:pPr>
+                <a:r>
+                  <a:rPr lang="en-US" altLang="zh-CN" sz="2000" dirty="0">
+                    <a:solidFill>
+                      <a:schemeClr val="bg1"/>
+                    </a:solidFill>
+                  </a:rPr>
+                  <a:t>Support PDF and Audio material</a:t>
+                </a:r>
+              </a:p>
+              <a:p>
+                <a:pPr marL="171450" indent="-171450">
+                  <a:buFont typeface="Arial" panose="020B0604020202020204" pitchFamily="34" charset="0"/>
+                  <a:buChar char="•"/>
+                </a:pPr>
+                <a:r>
+                  <a:rPr lang="en-US" altLang="zh-CN" sz="2000" dirty="0">
+                    <a:solidFill>
+                      <a:schemeClr val="bg1"/>
+                    </a:solidFill>
+                  </a:rPr>
+                  <a:t>Unit testing</a:t>
+                </a:r>
+              </a:p>
+              <a:p>
+                <a:pPr marL="171450" indent="-171450">
+                  <a:buFont typeface="Arial" panose="020B0604020202020204" pitchFamily="34" charset="0"/>
+                  <a:buChar char="•"/>
+                </a:pPr>
+                <a:r>
+                  <a:rPr lang="en-US" altLang="zh-CN" sz="2000" dirty="0">
+                    <a:solidFill>
+                      <a:schemeClr val="bg1"/>
+                    </a:solidFill>
+                  </a:rPr>
+                  <a:t>Likes and Dislikes</a:t>
+                </a:r>
+              </a:p>
+            </p:txBody>
+          </p:sp>
+        </p:grpSp>
+      </p:grpSp>
+      <p:grpSp>
+        <p:nvGrpSpPr>
+          <p:cNvPr id="8" name="Group 7">
+            <a:extLst>
+              <a:ext uri="{FF2B5EF4-FFF2-40B4-BE49-F238E27FC236}">
+                <a16:creationId xmlns:a16="http://schemas.microsoft.com/office/drawing/2014/main" id="{9EF1A191-F08B-7441-9BA4-91DCF8BEA465}"/>
+              </a:ext>
+            </a:extLst>
+          </p:cNvPr>
+          <p:cNvGrpSpPr/>
+          <p:nvPr/>
+        </p:nvGrpSpPr>
+        <p:grpSpPr>
+          <a:xfrm>
+            <a:off x="4324738" y="2129830"/>
+            <a:ext cx="2487366" cy="2616437"/>
+            <a:chOff x="4324738" y="2129830"/>
+            <a:chExt cx="2487366" cy="2616437"/>
+          </a:xfrm>
+        </p:grpSpPr>
+        <p:sp>
+          <p:nvSpPr>
+            <p:cNvPr id="64" name="椭圆 63">
+              <a:extLst>
+                <a:ext uri="{FF2B5EF4-FFF2-40B4-BE49-F238E27FC236}">
+                  <a16:creationId xmlns:a16="http://schemas.microsoft.com/office/drawing/2014/main" id="{054EF61E-F576-433A-927E-5F7BBCE026A4}"/>
+                </a:ext>
+              </a:extLst>
+            </p:cNvPr>
+            <p:cNvSpPr/>
+            <p:nvPr/>
+          </p:nvSpPr>
+          <p:spPr>
+            <a:xfrm>
+              <a:off x="5459906" y="2565717"/>
+              <a:ext cx="220741" cy="224247"/>
+            </a:xfrm>
+            <a:prstGeom prst="ellipse">
+              <a:avLst/>
+            </a:prstGeom>
+            <a:solidFill>
+              <a:schemeClr val="bg1"/>
+            </a:solidFill>
+            <a:ln>
+              <a:solidFill>
+                <a:schemeClr val="accent1"/>
+              </a:solidFill>
+            </a:ln>
+            <a:effectLst>
+              <a:outerShdw blurRad="50800" dist="38100" dir="5400000" algn="t" rotWithShape="0">
+                <a:prstClr val="black">
+                  <a:alpha val="40000"/>
+                </a:prstClr>
+              </a:outerShdw>
+            </a:effectLst>
+          </p:spPr>
+          <p:style>
+            <a:lnRef idx="2">
+              <a:schemeClr val="accent1">
+                <a:shade val="50000"/>
+              </a:schemeClr>
+            </a:lnRef>
+            <a:fillRef idx="1">
+              <a:schemeClr val="accent1"/>
+            </a:fillRef>
+            <a:effectRef idx="0">
+              <a:schemeClr val="accent1"/>
+            </a:effectRef>
+            <a:fontRef idx="minor">
+              <a:schemeClr val="lt1"/>
+            </a:fontRef>
+          </p:style>
+          <p:txBody>
+            <a:bodyPr rtlCol="0" anchor="ctr"/>
+            <a:lstStyle/>
+            <a:p>
+              <a:pPr algn="ctr"/>
+              <a:endParaRPr lang="zh-CN" altLang="en-US"/>
+            </a:p>
+          </p:txBody>
+        </p:sp>
+        <p:grpSp>
+          <p:nvGrpSpPr>
+            <p:cNvPr id="6" name="Group 5">
+              <a:extLst>
+                <a:ext uri="{FF2B5EF4-FFF2-40B4-BE49-F238E27FC236}">
+                  <a16:creationId xmlns:a16="http://schemas.microsoft.com/office/drawing/2014/main" id="{58D1F0FB-594B-714D-BA3A-DB9102E342CE}"/>
+                </a:ext>
+              </a:extLst>
+            </p:cNvPr>
+            <p:cNvGrpSpPr/>
+            <p:nvPr/>
+          </p:nvGrpSpPr>
+          <p:grpSpPr>
+            <a:xfrm>
+              <a:off x="4324738" y="2896890"/>
+              <a:ext cx="2487366" cy="1849377"/>
+              <a:chOff x="4566578" y="2889993"/>
+              <a:chExt cx="2487366" cy="1849377"/>
+            </a:xfrm>
+          </p:grpSpPr>
+          <p:sp>
+            <p:nvSpPr>
+              <p:cNvPr id="98" name="任意多边形: 形状 97">
+                <a:extLst>
+                  <a:ext uri="{FF2B5EF4-FFF2-40B4-BE49-F238E27FC236}">
+                    <a16:creationId xmlns:a16="http://schemas.microsoft.com/office/drawing/2014/main" id="{1DCF9A80-2576-49B2-9A32-49566BEB27A7}"/>
+                  </a:ext>
+                </a:extLst>
+              </p:cNvPr>
+              <p:cNvSpPr/>
+              <p:nvPr/>
+            </p:nvSpPr>
+            <p:spPr>
+              <a:xfrm>
+                <a:off x="4572000" y="2889993"/>
+                <a:ext cx="2481944" cy="1849377"/>
+              </a:xfrm>
+              <a:custGeom>
+                <a:avLst/>
+                <a:gdLst>
+                  <a:gd name="connsiteX0" fmla="*/ 1030481 w 2027814"/>
+                  <a:gd name="connsiteY0" fmla="*/ 0 h 1229021"/>
+                  <a:gd name="connsiteX1" fmla="*/ 1170874 w 2027814"/>
+                  <a:gd name="connsiteY1" fmla="*/ 242057 h 1229021"/>
+                  <a:gd name="connsiteX2" fmla="*/ 1935888 w 2027814"/>
+                  <a:gd name="connsiteY2" fmla="*/ 242057 h 1229021"/>
+                  <a:gd name="connsiteX3" fmla="*/ 2027814 w 2027814"/>
+                  <a:gd name="connsiteY3" fmla="*/ 333983 h 1229021"/>
+                  <a:gd name="connsiteX4" fmla="*/ 2027814 w 2027814"/>
+                  <a:gd name="connsiteY4" fmla="*/ 1137095 h 1229021"/>
+                  <a:gd name="connsiteX5" fmla="*/ 1935888 w 2027814"/>
+                  <a:gd name="connsiteY5" fmla="*/ 1229021 h 1229021"/>
+                  <a:gd name="connsiteX6" fmla="*/ 91926 w 2027814"/>
+                  <a:gd name="connsiteY6" fmla="*/ 1229021 h 1229021"/>
+                  <a:gd name="connsiteX7" fmla="*/ 0 w 2027814"/>
+                  <a:gd name="connsiteY7" fmla="*/ 1137095 h 1229021"/>
+                  <a:gd name="connsiteX8" fmla="*/ 0 w 2027814"/>
+                  <a:gd name="connsiteY8" fmla="*/ 333983 h 1229021"/>
+                  <a:gd name="connsiteX9" fmla="*/ 91926 w 2027814"/>
+                  <a:gd name="connsiteY9" fmla="*/ 242057 h 1229021"/>
+                  <a:gd name="connsiteX10" fmla="*/ 890088 w 2027814"/>
+                  <a:gd name="connsiteY10" fmla="*/ 242057 h 1229021"/>
+                </a:gdLst>
+                <a:ahLst/>
+                <a:cxnLst>
+                  <a:cxn ang="0">
+                    <a:pos x="connsiteX0" y="connsiteY0"/>
+                  </a:cxn>
+                  <a:cxn ang="0">
+                    <a:pos x="connsiteX1" y="connsiteY1"/>
+                  </a:cxn>
+                  <a:cxn ang="0">
+                    <a:pos x="connsiteX2" y="connsiteY2"/>
+                  </a:cxn>
+                  <a:cxn ang="0">
+                    <a:pos x="connsiteX3" y="connsiteY3"/>
+                  </a:cxn>
+                  <a:cxn ang="0">
+                    <a:pos x="connsiteX4" y="connsiteY4"/>
+                  </a:cxn>
+                  <a:cxn ang="0">
+                    <a:pos x="connsiteX5" y="connsiteY5"/>
+                  </a:cxn>
+                  <a:cxn ang="0">
+                    <a:pos x="connsiteX6" y="connsiteY6"/>
+                  </a:cxn>
+                  <a:cxn ang="0">
+                    <a:pos x="connsiteX7" y="connsiteY7"/>
+                  </a:cxn>
+                  <a:cxn ang="0">
+                    <a:pos x="connsiteX8" y="connsiteY8"/>
+                  </a:cxn>
+                  <a:cxn ang="0">
+                    <a:pos x="connsiteX9" y="connsiteY9"/>
+                  </a:cxn>
+                  <a:cxn ang="0">
+                    <a:pos x="connsiteX10" y="connsiteY10"/>
+                  </a:cxn>
+                </a:cxnLst>
+                <a:rect l="l" t="t" r="r" b="b"/>
+                <a:pathLst>
+                  <a:path w="2027814" h="1229021">
+                    <a:moveTo>
+                      <a:pt x="1030481" y="0"/>
+                    </a:moveTo>
+                    <a:lnTo>
+                      <a:pt x="1170874" y="242057"/>
+                    </a:lnTo>
+                    <a:lnTo>
+                      <a:pt x="1935888" y="242057"/>
+                    </a:lnTo>
+                    <a:cubicBezTo>
+                      <a:pt x="1986657" y="242057"/>
+                      <a:pt x="2027814" y="283214"/>
+                      <a:pt x="2027814" y="333983"/>
+                    </a:cubicBezTo>
+                    <a:lnTo>
+                      <a:pt x="2027814" y="1137095"/>
+                    </a:lnTo>
+                    <a:cubicBezTo>
+                      <a:pt x="2027814" y="1187864"/>
+                      <a:pt x="1986657" y="1229021"/>
+                      <a:pt x="1935888" y="1229021"/>
+                    </a:cubicBezTo>
+                    <a:lnTo>
+                      <a:pt x="91926" y="1229021"/>
+                    </a:lnTo>
+                    <a:cubicBezTo>
+                      <a:pt x="41157" y="1229021"/>
+                      <a:pt x="0" y="1187864"/>
+                      <a:pt x="0" y="1137095"/>
+                    </a:cubicBezTo>
+                    <a:lnTo>
+                      <a:pt x="0" y="333983"/>
+                    </a:lnTo>
+                    <a:cubicBezTo>
+                      <a:pt x="0" y="283214"/>
+                      <a:pt x="41157" y="242057"/>
+                      <a:pt x="91926" y="242057"/>
+                    </a:cubicBezTo>
+                    <a:lnTo>
+                      <a:pt x="890088" y="242057"/>
+                    </a:lnTo>
+                    <a:close/>
+                  </a:path>
+                </a:pathLst>
+              </a:custGeom>
+              <a:solidFill>
+                <a:schemeClr val="accent1"/>
+              </a:solidFill>
+              <a:ln>
+                <a:solidFill>
+                  <a:schemeClr val="accent1"/>
+                </a:solidFill>
+              </a:ln>
+              <a:effectLst>
+                <a:outerShdw blurRad="101600" dist="101600" dir="5400000" algn="t" rotWithShape="0">
+                  <a:prstClr val="black">
+                    <a:alpha val="40000"/>
+                  </a:prstClr>
+                </a:outerShdw>
+              </a:effectLst>
+            </p:spPr>
+            <p:style>
+              <a:lnRef idx="2">
+                <a:schemeClr val="accent1">
+                  <a:shade val="50000"/>
+                </a:schemeClr>
+              </a:lnRef>
+              <a:fillRef idx="1">
+                <a:schemeClr val="accent1"/>
+              </a:fillRef>
+              <a:effectRef idx="0">
+                <a:schemeClr val="accent1"/>
+              </a:effectRef>
+              <a:fontRef idx="minor">
+                <a:schemeClr val="lt1"/>
+              </a:fontRef>
+            </p:style>
+            <p:txBody>
+              <a:bodyPr rot="0" spcFirstLastPara="0" vertOverflow="overflow" horzOverflow="overflow" vert="horz" wrap="square" lIns="91440" tIns="45720" rIns="91440" bIns="45720" numCol="1" spcCol="0" rtlCol="0" fromWordArt="0" anchor="ctr" anchorCtr="0" forceAA="0" compatLnSpc="1">
+                <a:prstTxWarp prst="textNoShape">
+                  <a:avLst/>
+                </a:prstTxWarp>
+                <a:noAutofit/>
+              </a:bodyPr>
+              <a:lstStyle/>
+              <a:p>
+                <a:pPr algn="ctr"/>
+                <a:endParaRPr lang="zh-CN" altLang="en-US"/>
+              </a:p>
+            </p:txBody>
+          </p:sp>
+          <p:sp>
+            <p:nvSpPr>
+              <p:cNvPr id="104" name="矩形 103">
+                <a:extLst>
+                  <a:ext uri="{FF2B5EF4-FFF2-40B4-BE49-F238E27FC236}">
+                    <a16:creationId xmlns:a16="http://schemas.microsoft.com/office/drawing/2014/main" id="{9A76D14C-7164-4E56-A043-7EC2445B4530}"/>
+                  </a:ext>
+                </a:extLst>
+              </p:cNvPr>
+              <p:cNvSpPr/>
+              <p:nvPr/>
+            </p:nvSpPr>
+            <p:spPr>
+              <a:xfrm>
+                <a:off x="4566578" y="3341528"/>
+                <a:ext cx="2481944" cy="1323439"/>
+              </a:xfrm>
+              <a:prstGeom prst="rect">
+                <a:avLst/>
+              </a:prstGeom>
+            </p:spPr>
+            <p:txBody>
+              <a:bodyPr wrap="square">
+                <a:spAutoFit/>
+              </a:bodyPr>
+              <a:lstStyle/>
+              <a:p>
+                <a:pPr marL="171450" indent="-171450">
+                  <a:buFont typeface="Arial" panose="020B0604020202020204" pitchFamily="34" charset="0"/>
+                  <a:buChar char="•"/>
+                </a:pPr>
+                <a:r>
+                  <a:rPr lang="en-US" altLang="zh-CN" sz="2000" dirty="0">
+                    <a:solidFill>
+                      <a:schemeClr val="bg1"/>
+                    </a:solidFill>
+                  </a:rPr>
+                  <a:t>Full-screen mode for videos</a:t>
+                </a:r>
+              </a:p>
+              <a:p>
+                <a:pPr marL="171450" indent="-171450">
+                  <a:buFont typeface="Arial" panose="020B0604020202020204" pitchFamily="34" charset="0"/>
+                  <a:buChar char="•"/>
+                </a:pPr>
+                <a:r>
+                  <a:rPr lang="en-US" altLang="zh-CN" sz="2000" dirty="0">
+                    <a:solidFill>
+                      <a:schemeClr val="bg1"/>
+                    </a:solidFill>
+                  </a:rPr>
+                  <a:t>User authentication support</a:t>
+                </a:r>
+              </a:p>
+            </p:txBody>
+          </p:sp>
+        </p:grpSp>
+        <p:sp>
+          <p:nvSpPr>
+            <p:cNvPr id="107" name="矩形 106">
+              <a:extLst>
+                <a:ext uri="{FF2B5EF4-FFF2-40B4-BE49-F238E27FC236}">
+                  <a16:creationId xmlns:a16="http://schemas.microsoft.com/office/drawing/2014/main" id="{BDE223A3-A3B5-4B48-AD1E-D1045344FD9C}"/>
+                </a:ext>
+              </a:extLst>
+            </p:cNvPr>
+            <p:cNvSpPr/>
+            <p:nvPr/>
+          </p:nvSpPr>
+          <p:spPr bwMode="auto">
+            <a:xfrm>
+              <a:off x="4582762" y="2129830"/>
+              <a:ext cx="2037995" cy="430887"/>
+            </a:xfrm>
+            <a:prstGeom prst="rect">
+              <a:avLst/>
+            </a:prstGeom>
+            <a:noFill/>
+          </p:spPr>
+          <p:txBody>
+            <a:bodyPr wrap="none">
+              <a:spAutoFit/>
+            </a:bodyPr>
+            <a:lstStyle/>
+            <a:p>
+              <a:pPr algn="r">
+                <a:defRPr/>
+              </a:pPr>
+              <a:r>
+                <a:rPr lang="en-US" altLang="zh-CN" sz="2200" b="1" kern="100" dirty="0">
+                  <a:solidFill>
+                    <a:schemeClr val="accent1"/>
+                  </a:solidFill>
+                  <a:latin typeface="微软雅黑" panose="020B0503020204020204" pitchFamily="34" charset="-122"/>
+                  <a:ea typeface="微软雅黑" panose="020B0503020204020204" pitchFamily="34" charset="-122"/>
+                  <a:cs typeface="Times New Roman" panose="02020603050405020304" pitchFamily="18" charset="0"/>
+                </a:rPr>
+                <a:t>Before</a:t>
+              </a:r>
+              <a:r>
+                <a:rPr lang="zh-CN" altLang="en-US" sz="2200" b="1" kern="100" dirty="0">
+                  <a:solidFill>
+                    <a:schemeClr val="accent1"/>
+                  </a:solidFill>
+                  <a:latin typeface="微软雅黑" panose="020B0503020204020204" pitchFamily="34" charset="-122"/>
+                  <a:ea typeface="微软雅黑" panose="020B0503020204020204" pitchFamily="34" charset="-122"/>
+                  <a:cs typeface="Times New Roman" panose="02020603050405020304" pitchFamily="18" charset="0"/>
+                </a:rPr>
+                <a:t> </a:t>
+              </a:r>
+              <a:r>
+                <a:rPr lang="en-US" altLang="zh-CN" sz="2200" b="1" kern="100" dirty="0">
+                  <a:solidFill>
+                    <a:schemeClr val="accent1"/>
+                  </a:solidFill>
+                  <a:latin typeface="微软雅黑" panose="020B0503020204020204" pitchFamily="34" charset="-122"/>
+                  <a:ea typeface="微软雅黑" panose="020B0503020204020204" pitchFamily="34" charset="-122"/>
+                  <a:cs typeface="Times New Roman" panose="02020603050405020304" pitchFamily="18" charset="0"/>
+                </a:rPr>
+                <a:t>29/02</a:t>
+              </a:r>
+              <a:endParaRPr lang="zh-CN" altLang="en-US" sz="2200" b="1" kern="100" dirty="0">
                 <a:solidFill>
                   <a:schemeClr val="accent1"/>
                 </a:solidFill>
                 <a:latin typeface="微软雅黑" panose="020B0503020204020204" pitchFamily="34" charset="-122"/>
                 <a:ea typeface="微软雅黑" panose="020B0503020204020204" pitchFamily="34" charset="-122"/>
                 <a:cs typeface="Times New Roman" panose="02020603050405020304" pitchFamily="18" charset="0"/>
-              </a:rPr>
-              <a:t> </a:t>
-            </a:r>
-            <a:r>
-              <a:rPr lang="en-US" altLang="zh-CN" sz="2200" b="1" kern="100" dirty="0">
-                <a:solidFill>
-                  <a:schemeClr val="accent1"/>
-                </a:solidFill>
-                <a:latin typeface="微软雅黑" panose="020B0503020204020204" pitchFamily="34" charset="-122"/>
-                <a:ea typeface="微软雅黑" panose="020B0503020204020204" pitchFamily="34" charset="-122"/>
-                <a:cs typeface="Times New Roman" panose="02020603050405020304" pitchFamily="18" charset="0"/>
-              </a:rPr>
-              <a:t>29/02</a:t>
-            </a:r>
-            <a:endParaRPr lang="zh-CN" altLang="en-US" sz="2200" b="1" kern="100" dirty="0">
-              <a:solidFill>
-                <a:schemeClr val="accent1"/>
-              </a:solidFill>
-              <a:latin typeface="微软雅黑" panose="020B0503020204020204" pitchFamily="34" charset="-122"/>
-              <a:ea typeface="微软雅黑" panose="020B0503020204020204" pitchFamily="34" charset="-122"/>
-              <a:cs typeface="Times New Roman" panose="02020603050405020304" pitchFamily="18" charset="0"/>
-            </a:endParaRPr>
-          </a:p>
-        </p:txBody>
-      </p:sp>
-      <p:sp>
-        <p:nvSpPr>
-          <p:cNvPr id="108" name="矩形 107">
-            <a:extLst>
-              <a:ext uri="{FF2B5EF4-FFF2-40B4-BE49-F238E27FC236}">
-                <a16:creationId xmlns:a16="http://schemas.microsoft.com/office/drawing/2014/main" id="{CE4F9824-6130-4193-BCA7-E979D92D92A6}"/>
-              </a:ext>
-            </a:extLst>
-          </p:cNvPr>
-          <p:cNvSpPr/>
-          <p:nvPr/>
-        </p:nvSpPr>
-        <p:spPr bwMode="auto">
-          <a:xfrm>
-            <a:off x="6720899" y="2832732"/>
-            <a:ext cx="1871346" cy="400110"/>
-          </a:xfrm>
-          <a:prstGeom prst="rect">
-            <a:avLst/>
-          </a:prstGeom>
-          <a:noFill/>
-        </p:spPr>
-        <p:txBody>
-          <a:bodyPr wrap="none">
-            <a:spAutoFit/>
-          </a:bodyPr>
-          <a:lstStyle/>
-          <a:p>
-            <a:pPr algn="r">
-              <a:defRPr/>
-            </a:pPr>
-            <a:r>
-              <a:rPr lang="en-US" altLang="zh-CN" sz="2000" b="1" kern="100" dirty="0">
-                <a:solidFill>
-                  <a:schemeClr val="accent1"/>
-                </a:solidFill>
-                <a:latin typeface="微软雅黑" panose="020B0503020204020204" pitchFamily="34" charset="-122"/>
-                <a:ea typeface="微软雅黑" panose="020B0503020204020204" pitchFamily="34" charset="-122"/>
-                <a:cs typeface="Times New Roman" panose="02020603050405020304" pitchFamily="18" charset="0"/>
-              </a:rPr>
-              <a:t>Before</a:t>
-            </a:r>
-            <a:r>
-              <a:rPr lang="zh-CN" altLang="en-US" sz="2000" b="1" kern="100" dirty="0">
-                <a:solidFill>
-                  <a:schemeClr val="accent1"/>
-                </a:solidFill>
-                <a:latin typeface="微软雅黑" panose="020B0503020204020204" pitchFamily="34" charset="-122"/>
-                <a:ea typeface="微软雅黑" panose="020B0503020204020204" pitchFamily="34" charset="-122"/>
-                <a:cs typeface="Times New Roman" panose="02020603050405020304" pitchFamily="18" charset="0"/>
-              </a:rPr>
-              <a:t> </a:t>
-            </a:r>
-            <a:r>
-              <a:rPr lang="en-US" altLang="zh-CN" sz="2000" b="1" kern="100" dirty="0">
-                <a:solidFill>
-                  <a:schemeClr val="accent1"/>
-                </a:solidFill>
-                <a:latin typeface="微软雅黑" panose="020B0503020204020204" pitchFamily="34" charset="-122"/>
-                <a:ea typeface="微软雅黑" panose="020B0503020204020204" pitchFamily="34" charset="-122"/>
-                <a:cs typeface="Times New Roman" panose="02020603050405020304" pitchFamily="18" charset="0"/>
-              </a:rPr>
-              <a:t>09/03</a:t>
-            </a:r>
-            <a:endParaRPr lang="zh-CN" altLang="en-US" sz="2000" b="1" kern="100" dirty="0">
-              <a:solidFill>
-                <a:schemeClr val="accent1"/>
-              </a:solidFill>
-              <a:latin typeface="微软雅黑" panose="020B0503020204020204" pitchFamily="34" charset="-122"/>
-              <a:ea typeface="微软雅黑" panose="020B0503020204020204" pitchFamily="34" charset="-122"/>
-              <a:cs typeface="Times New Roman" panose="02020603050405020304" pitchFamily="18" charset="0"/>
-            </a:endParaRPr>
-          </a:p>
-        </p:txBody>
-      </p:sp>
+              </a:endParaRPr>
+            </a:p>
+          </p:txBody>
+        </p:sp>
+      </p:grpSp>
       <p:sp>
         <p:nvSpPr>
           <p:cNvPr id="22" name="AutoShape 59">
@@ -8333,87 +7928,12 @@
           </a:p>
         </p:txBody>
       </p:sp>
-      <p:sp>
-        <p:nvSpPr>
-          <p:cNvPr id="23" name="矩形 105">
+      <p:grpSp>
+        <p:nvGrpSpPr>
+          <p:cNvPr id="4" name="Group 3">
             <a:extLst>
               <a:ext uri="{FF2B5EF4-FFF2-40B4-BE49-F238E27FC236}">
-                <a16:creationId xmlns:a16="http://schemas.microsoft.com/office/drawing/2014/main" id="{C910FAEB-803B-4523-92C3-9C7678072154}"/>
-              </a:ext>
-            </a:extLst>
-          </p:cNvPr>
-          <p:cNvSpPr/>
-          <p:nvPr/>
-        </p:nvSpPr>
-        <p:spPr bwMode="auto">
-          <a:xfrm>
-            <a:off x="2320229" y="2843135"/>
-            <a:ext cx="2037995" cy="430887"/>
-          </a:xfrm>
-          <a:prstGeom prst="rect">
-            <a:avLst/>
-          </a:prstGeom>
-          <a:noFill/>
-        </p:spPr>
-        <p:txBody>
-          <a:bodyPr wrap="none">
-            <a:spAutoFit/>
-          </a:bodyPr>
-          <a:lstStyle/>
-          <a:p>
-            <a:pPr algn="r">
-              <a:defRPr/>
-            </a:pPr>
-            <a:r>
-              <a:rPr lang="en-US" altLang="zh-CN" sz="2200" b="1" kern="100" dirty="0">
-                <a:solidFill>
-                  <a:schemeClr val="accent1"/>
-                </a:solidFill>
-                <a:latin typeface="微软雅黑" panose="020B0503020204020204" pitchFamily="34" charset="-122"/>
-                <a:ea typeface="微软雅黑" panose="020B0503020204020204" pitchFamily="34" charset="-122"/>
-                <a:cs typeface="Times New Roman" panose="02020603050405020304" pitchFamily="18" charset="0"/>
-              </a:rPr>
-              <a:t>Before</a:t>
-            </a:r>
-            <a:r>
-              <a:rPr lang="zh-CN" altLang="en-US" sz="2200" b="1" kern="100" dirty="0">
-                <a:solidFill>
-                  <a:schemeClr val="accent1"/>
-                </a:solidFill>
-                <a:latin typeface="微软雅黑" panose="020B0503020204020204" pitchFamily="34" charset="-122"/>
-                <a:ea typeface="微软雅黑" panose="020B0503020204020204" pitchFamily="34" charset="-122"/>
-                <a:cs typeface="Times New Roman" panose="02020603050405020304" pitchFamily="18" charset="0"/>
-              </a:rPr>
-              <a:t> </a:t>
-            </a:r>
-            <a:r>
-              <a:rPr lang="en-US" altLang="zh-CN" sz="2200" b="1" kern="100" dirty="0">
-                <a:solidFill>
-                  <a:schemeClr val="accent1"/>
-                </a:solidFill>
-                <a:latin typeface="微软雅黑" panose="020B0503020204020204" pitchFamily="34" charset="-122"/>
-                <a:ea typeface="微软雅黑" panose="020B0503020204020204" pitchFamily="34" charset="-122"/>
-                <a:cs typeface="Times New Roman" panose="02020603050405020304" pitchFamily="18" charset="0"/>
-              </a:rPr>
-              <a:t>14/02</a:t>
-            </a:r>
-            <a:endParaRPr lang="zh-CN" altLang="en-US" sz="2200" b="1" kern="100" dirty="0">
-              <a:solidFill>
-                <a:schemeClr val="accent1"/>
-              </a:solidFill>
-              <a:latin typeface="微软雅黑" panose="020B0503020204020204" pitchFamily="34" charset="-122"/>
-              <a:ea typeface="微软雅黑" panose="020B0503020204020204" pitchFamily="34" charset="-122"/>
-              <a:cs typeface="Times New Roman" panose="02020603050405020304" pitchFamily="18" charset="0"/>
-            </a:endParaRPr>
-          </a:p>
-        </p:txBody>
-      </p:sp>
-      <p:grpSp>
-        <p:nvGrpSpPr>
-          <p:cNvPr id="7" name="Group 6">
-            <a:extLst>
-              <a:ext uri="{FF2B5EF4-FFF2-40B4-BE49-F238E27FC236}">
-                <a16:creationId xmlns:a16="http://schemas.microsoft.com/office/drawing/2014/main" id="{A38082B2-EF14-0041-90A9-01A426F2AD11}"/>
+                <a16:creationId xmlns:a16="http://schemas.microsoft.com/office/drawing/2014/main" id="{49B423F9-2636-E04F-BB4F-C0AB60E2D562}"/>
               </a:ext>
             </a:extLst>
           </p:cNvPr>
@@ -8422,18 +7942,18 @@
         </p:nvGrpSpPr>
         <p:grpSpPr>
           <a:xfrm>
-            <a:off x="6537930" y="835536"/>
-            <a:ext cx="2292173" cy="1647846"/>
-            <a:chOff x="6537930" y="835536"/>
-            <a:chExt cx="2292173" cy="1647846"/>
+            <a:off x="2153106" y="862154"/>
+            <a:ext cx="2418894" cy="2411868"/>
+            <a:chOff x="2153106" y="862154"/>
+            <a:chExt cx="2418894" cy="2411868"/>
           </a:xfrm>
         </p:grpSpPr>
         <p:sp>
           <p:nvSpPr>
-            <p:cNvPr id="99" name="任意多边形: 形状 98">
+            <p:cNvPr id="63" name="椭圆 62">
               <a:extLst>
                 <a:ext uri="{FF2B5EF4-FFF2-40B4-BE49-F238E27FC236}">
-                  <a16:creationId xmlns:a16="http://schemas.microsoft.com/office/drawing/2014/main" id="{5F6DF5AD-01BB-4BA5-B677-7D93F5F44BD0}"/>
+                  <a16:creationId xmlns:a16="http://schemas.microsoft.com/office/drawing/2014/main" id="{49FC50A8-203E-48A7-84BE-55FA4D457BB5}"/>
                 </a:ext>
               </a:extLst>
             </p:cNvPr>
@@ -8441,122 +7961,15 @@
             <p:nvPr/>
           </p:nvSpPr>
           <p:spPr>
-            <a:xfrm rot="10800000">
-              <a:off x="6540196" y="835536"/>
-              <a:ext cx="2289907" cy="1647846"/>
+            <a:xfrm>
+              <a:off x="3242614" y="2582021"/>
+              <a:ext cx="220741" cy="224247"/>
             </a:xfrm>
-            <a:custGeom>
+            <a:prstGeom prst="ellipse">
               <a:avLst/>
-              <a:gdLst>
-                <a:gd name="connsiteX0" fmla="*/ 1030481 w 2027814"/>
-                <a:gd name="connsiteY0" fmla="*/ 0 h 1229021"/>
-                <a:gd name="connsiteX1" fmla="*/ 1170874 w 2027814"/>
-                <a:gd name="connsiteY1" fmla="*/ 242057 h 1229021"/>
-                <a:gd name="connsiteX2" fmla="*/ 1935888 w 2027814"/>
-                <a:gd name="connsiteY2" fmla="*/ 242057 h 1229021"/>
-                <a:gd name="connsiteX3" fmla="*/ 2027814 w 2027814"/>
-                <a:gd name="connsiteY3" fmla="*/ 333983 h 1229021"/>
-                <a:gd name="connsiteX4" fmla="*/ 2027814 w 2027814"/>
-                <a:gd name="connsiteY4" fmla="*/ 1137095 h 1229021"/>
-                <a:gd name="connsiteX5" fmla="*/ 1935888 w 2027814"/>
-                <a:gd name="connsiteY5" fmla="*/ 1229021 h 1229021"/>
-                <a:gd name="connsiteX6" fmla="*/ 91926 w 2027814"/>
-                <a:gd name="connsiteY6" fmla="*/ 1229021 h 1229021"/>
-                <a:gd name="connsiteX7" fmla="*/ 0 w 2027814"/>
-                <a:gd name="connsiteY7" fmla="*/ 1137095 h 1229021"/>
-                <a:gd name="connsiteX8" fmla="*/ 0 w 2027814"/>
-                <a:gd name="connsiteY8" fmla="*/ 333983 h 1229021"/>
-                <a:gd name="connsiteX9" fmla="*/ 91926 w 2027814"/>
-                <a:gd name="connsiteY9" fmla="*/ 242057 h 1229021"/>
-                <a:gd name="connsiteX10" fmla="*/ 890088 w 2027814"/>
-                <a:gd name="connsiteY10" fmla="*/ 242057 h 1229021"/>
-              </a:gdLst>
-              <a:ahLst/>
-              <a:cxnLst>
-                <a:cxn ang="0">
-                  <a:pos x="connsiteX0" y="connsiteY0"/>
-                </a:cxn>
-                <a:cxn ang="0">
-                  <a:pos x="connsiteX1" y="connsiteY1"/>
-                </a:cxn>
-                <a:cxn ang="0">
-                  <a:pos x="connsiteX2" y="connsiteY2"/>
-                </a:cxn>
-                <a:cxn ang="0">
-                  <a:pos x="connsiteX3" y="connsiteY3"/>
-                </a:cxn>
-                <a:cxn ang="0">
-                  <a:pos x="connsiteX4" y="connsiteY4"/>
-                </a:cxn>
-                <a:cxn ang="0">
-                  <a:pos x="connsiteX5" y="connsiteY5"/>
-                </a:cxn>
-                <a:cxn ang="0">
-                  <a:pos x="connsiteX6" y="connsiteY6"/>
-                </a:cxn>
-                <a:cxn ang="0">
-                  <a:pos x="connsiteX7" y="connsiteY7"/>
-                </a:cxn>
-                <a:cxn ang="0">
-                  <a:pos x="connsiteX8" y="connsiteY8"/>
-                </a:cxn>
-                <a:cxn ang="0">
-                  <a:pos x="connsiteX9" y="connsiteY9"/>
-                </a:cxn>
-                <a:cxn ang="0">
-                  <a:pos x="connsiteX10" y="connsiteY10"/>
-                </a:cxn>
-              </a:cxnLst>
-              <a:rect l="l" t="t" r="r" b="b"/>
-              <a:pathLst>
-                <a:path w="2027814" h="1229021">
-                  <a:moveTo>
-                    <a:pt x="1030481" y="0"/>
-                  </a:moveTo>
-                  <a:lnTo>
-                    <a:pt x="1170874" y="242057"/>
-                  </a:lnTo>
-                  <a:lnTo>
-                    <a:pt x="1935888" y="242057"/>
-                  </a:lnTo>
-                  <a:cubicBezTo>
-                    <a:pt x="1986657" y="242057"/>
-                    <a:pt x="2027814" y="283214"/>
-                    <a:pt x="2027814" y="333983"/>
-                  </a:cubicBezTo>
-                  <a:lnTo>
-                    <a:pt x="2027814" y="1137095"/>
-                  </a:lnTo>
-                  <a:cubicBezTo>
-                    <a:pt x="2027814" y="1187864"/>
-                    <a:pt x="1986657" y="1229021"/>
-                    <a:pt x="1935888" y="1229021"/>
-                  </a:cubicBezTo>
-                  <a:lnTo>
-                    <a:pt x="91926" y="1229021"/>
-                  </a:lnTo>
-                  <a:cubicBezTo>
-                    <a:pt x="41157" y="1229021"/>
-                    <a:pt x="0" y="1187864"/>
-                    <a:pt x="0" y="1137095"/>
-                  </a:cubicBezTo>
-                  <a:lnTo>
-                    <a:pt x="0" y="333983"/>
-                  </a:lnTo>
-                  <a:cubicBezTo>
-                    <a:pt x="0" y="283214"/>
-                    <a:pt x="41157" y="242057"/>
-                    <a:pt x="91926" y="242057"/>
-                  </a:cubicBezTo>
-                  <a:lnTo>
-                    <a:pt x="890088" y="242057"/>
-                  </a:lnTo>
-                  <a:close/>
-                </a:path>
-              </a:pathLst>
-            </a:custGeom>
+            </a:prstGeom>
             <a:solidFill>
-              <a:schemeClr val="accent1"/>
+              <a:schemeClr val="bg1"/>
             </a:solidFill>
             <a:ln>
               <a:solidFill>
@@ -8564,7 +7977,7 @@
               </a:solidFill>
             </a:ln>
             <a:effectLst>
-              <a:outerShdw blurRad="101600" dist="101600" dir="5400000" algn="t" rotWithShape="0">
+              <a:outerShdw blurRad="50800" dist="38100" dir="5400000" algn="t" rotWithShape="0">
                 <a:prstClr val="black">
                   <a:alpha val="40000"/>
                 </a:prstClr>
@@ -8588,25 +8001,366 @@
             </a:fontRef>
           </p:style>
           <p:txBody>
-            <a:bodyPr rot="0" spcFirstLastPara="0" vertOverflow="overflow" horzOverflow="overflow" vert="horz" wrap="square" lIns="91440" tIns="45720" rIns="91440" bIns="45720" numCol="1" spcCol="0" rtlCol="0" fromWordArt="0" anchor="ctr" anchorCtr="0" forceAA="0" compatLnSpc="1">
-              <a:prstTxWarp prst="textNoShape">
+            <a:bodyPr rtlCol="0" anchor="ctr"/>
+            <a:lstStyle/>
+            <a:p>
+              <a:pPr algn="ctr"/>
+              <a:endParaRPr lang="zh-CN" altLang="en-US"/>
+            </a:p>
+          </p:txBody>
+        </p:sp>
+        <p:grpSp>
+          <p:nvGrpSpPr>
+            <p:cNvPr id="5" name="Group 4">
+              <a:extLst>
+                <a:ext uri="{FF2B5EF4-FFF2-40B4-BE49-F238E27FC236}">
+                  <a16:creationId xmlns:a16="http://schemas.microsoft.com/office/drawing/2014/main" id="{3AE35B1A-FACD-C842-A7DE-9B016DF299C6}"/>
+                </a:ext>
+              </a:extLst>
+            </p:cNvPr>
+            <p:cNvGrpSpPr/>
+            <p:nvPr/>
+          </p:nvGrpSpPr>
+          <p:grpSpPr>
+            <a:xfrm>
+              <a:off x="2153106" y="862154"/>
+              <a:ext cx="2418894" cy="1642800"/>
+              <a:chOff x="2153106" y="862154"/>
+              <a:chExt cx="2418894" cy="1642800"/>
+            </a:xfrm>
+          </p:grpSpPr>
+          <p:sp>
+            <p:nvSpPr>
+              <p:cNvPr id="97" name="任意多边形: 形状 96">
+                <a:extLst>
+                  <a:ext uri="{FF2B5EF4-FFF2-40B4-BE49-F238E27FC236}">
+                    <a16:creationId xmlns:a16="http://schemas.microsoft.com/office/drawing/2014/main" id="{1A2B3D63-410C-40FB-ABFA-5D220F42BD6F}"/>
+                  </a:ext>
+                </a:extLst>
+              </p:cNvPr>
+              <p:cNvSpPr/>
+              <p:nvPr/>
+            </p:nvSpPr>
+            <p:spPr>
+              <a:xfrm rot="10800000">
+                <a:off x="2155371" y="878115"/>
+                <a:ext cx="2416629" cy="1626839"/>
+              </a:xfrm>
+              <a:custGeom>
                 <a:avLst/>
-              </a:prstTxWarp>
-              <a:noAutofit/>
+                <a:gdLst>
+                  <a:gd name="connsiteX0" fmla="*/ 1030481 w 2027814"/>
+                  <a:gd name="connsiteY0" fmla="*/ 0 h 1229021"/>
+                  <a:gd name="connsiteX1" fmla="*/ 1170874 w 2027814"/>
+                  <a:gd name="connsiteY1" fmla="*/ 242057 h 1229021"/>
+                  <a:gd name="connsiteX2" fmla="*/ 1935888 w 2027814"/>
+                  <a:gd name="connsiteY2" fmla="*/ 242057 h 1229021"/>
+                  <a:gd name="connsiteX3" fmla="*/ 2027814 w 2027814"/>
+                  <a:gd name="connsiteY3" fmla="*/ 333983 h 1229021"/>
+                  <a:gd name="connsiteX4" fmla="*/ 2027814 w 2027814"/>
+                  <a:gd name="connsiteY4" fmla="*/ 1137095 h 1229021"/>
+                  <a:gd name="connsiteX5" fmla="*/ 1935888 w 2027814"/>
+                  <a:gd name="connsiteY5" fmla="*/ 1229021 h 1229021"/>
+                  <a:gd name="connsiteX6" fmla="*/ 91926 w 2027814"/>
+                  <a:gd name="connsiteY6" fmla="*/ 1229021 h 1229021"/>
+                  <a:gd name="connsiteX7" fmla="*/ 0 w 2027814"/>
+                  <a:gd name="connsiteY7" fmla="*/ 1137095 h 1229021"/>
+                  <a:gd name="connsiteX8" fmla="*/ 0 w 2027814"/>
+                  <a:gd name="connsiteY8" fmla="*/ 333983 h 1229021"/>
+                  <a:gd name="connsiteX9" fmla="*/ 91926 w 2027814"/>
+                  <a:gd name="connsiteY9" fmla="*/ 242057 h 1229021"/>
+                  <a:gd name="connsiteX10" fmla="*/ 890088 w 2027814"/>
+                  <a:gd name="connsiteY10" fmla="*/ 242057 h 1229021"/>
+                </a:gdLst>
+                <a:ahLst/>
+                <a:cxnLst>
+                  <a:cxn ang="0">
+                    <a:pos x="connsiteX0" y="connsiteY0"/>
+                  </a:cxn>
+                  <a:cxn ang="0">
+                    <a:pos x="connsiteX1" y="connsiteY1"/>
+                  </a:cxn>
+                  <a:cxn ang="0">
+                    <a:pos x="connsiteX2" y="connsiteY2"/>
+                  </a:cxn>
+                  <a:cxn ang="0">
+                    <a:pos x="connsiteX3" y="connsiteY3"/>
+                  </a:cxn>
+                  <a:cxn ang="0">
+                    <a:pos x="connsiteX4" y="connsiteY4"/>
+                  </a:cxn>
+                  <a:cxn ang="0">
+                    <a:pos x="connsiteX5" y="connsiteY5"/>
+                  </a:cxn>
+                  <a:cxn ang="0">
+                    <a:pos x="connsiteX6" y="connsiteY6"/>
+                  </a:cxn>
+                  <a:cxn ang="0">
+                    <a:pos x="connsiteX7" y="connsiteY7"/>
+                  </a:cxn>
+                  <a:cxn ang="0">
+                    <a:pos x="connsiteX8" y="connsiteY8"/>
+                  </a:cxn>
+                  <a:cxn ang="0">
+                    <a:pos x="connsiteX9" y="connsiteY9"/>
+                  </a:cxn>
+                  <a:cxn ang="0">
+                    <a:pos x="connsiteX10" y="connsiteY10"/>
+                  </a:cxn>
+                </a:cxnLst>
+                <a:rect l="l" t="t" r="r" b="b"/>
+                <a:pathLst>
+                  <a:path w="2027814" h="1229021">
+                    <a:moveTo>
+                      <a:pt x="1030481" y="0"/>
+                    </a:moveTo>
+                    <a:lnTo>
+                      <a:pt x="1170874" y="242057"/>
+                    </a:lnTo>
+                    <a:lnTo>
+                      <a:pt x="1935888" y="242057"/>
+                    </a:lnTo>
+                    <a:cubicBezTo>
+                      <a:pt x="1986657" y="242057"/>
+                      <a:pt x="2027814" y="283214"/>
+                      <a:pt x="2027814" y="333983"/>
+                    </a:cubicBezTo>
+                    <a:lnTo>
+                      <a:pt x="2027814" y="1137095"/>
+                    </a:lnTo>
+                    <a:cubicBezTo>
+                      <a:pt x="2027814" y="1187864"/>
+                      <a:pt x="1986657" y="1229021"/>
+                      <a:pt x="1935888" y="1229021"/>
+                    </a:cubicBezTo>
+                    <a:lnTo>
+                      <a:pt x="91926" y="1229021"/>
+                    </a:lnTo>
+                    <a:cubicBezTo>
+                      <a:pt x="41157" y="1229021"/>
+                      <a:pt x="0" y="1187864"/>
+                      <a:pt x="0" y="1137095"/>
+                    </a:cubicBezTo>
+                    <a:lnTo>
+                      <a:pt x="0" y="333983"/>
+                    </a:lnTo>
+                    <a:cubicBezTo>
+                      <a:pt x="0" y="283214"/>
+                      <a:pt x="41157" y="242057"/>
+                      <a:pt x="91926" y="242057"/>
+                    </a:cubicBezTo>
+                    <a:lnTo>
+                      <a:pt x="890088" y="242057"/>
+                    </a:lnTo>
+                    <a:close/>
+                  </a:path>
+                </a:pathLst>
+              </a:custGeom>
+              <a:solidFill>
+                <a:schemeClr val="accent1"/>
+              </a:solidFill>
+              <a:ln>
+                <a:solidFill>
+                  <a:schemeClr val="accent1"/>
+                </a:solidFill>
+              </a:ln>
+              <a:effectLst>
+                <a:outerShdw blurRad="101600" dist="101600" dir="5400000" algn="t" rotWithShape="0">
+                  <a:prstClr val="black">
+                    <a:alpha val="40000"/>
+                  </a:prstClr>
+                </a:outerShdw>
+              </a:effectLst>
+            </p:spPr>
+            <p:style>
+              <a:lnRef idx="2">
+                <a:schemeClr val="accent1">
+                  <a:shade val="50000"/>
+                </a:schemeClr>
+              </a:lnRef>
+              <a:fillRef idx="1">
+                <a:schemeClr val="accent1"/>
+              </a:fillRef>
+              <a:effectRef idx="0">
+                <a:schemeClr val="accent1"/>
+              </a:effectRef>
+              <a:fontRef idx="minor">
+                <a:schemeClr val="lt1"/>
+              </a:fontRef>
+            </p:style>
+            <p:txBody>
+              <a:bodyPr rot="0" spcFirstLastPara="0" vertOverflow="overflow" horzOverflow="overflow" vert="horz" wrap="square" lIns="91440" tIns="45720" rIns="91440" bIns="45720" numCol="1" spcCol="0" rtlCol="0" fromWordArt="0" anchor="ctr" anchorCtr="0" forceAA="0" compatLnSpc="1">
+                <a:prstTxWarp prst="textNoShape">
+                  <a:avLst/>
+                </a:prstTxWarp>
+                <a:noAutofit/>
+              </a:bodyPr>
+              <a:lstStyle/>
+              <a:p>
+                <a:pPr algn="ctr"/>
+                <a:endParaRPr lang="zh-CN" altLang="en-US"/>
+              </a:p>
+            </p:txBody>
+          </p:sp>
+          <p:sp>
+            <p:nvSpPr>
+              <p:cNvPr id="103" name="矩形 102">
+                <a:extLst>
+                  <a:ext uri="{FF2B5EF4-FFF2-40B4-BE49-F238E27FC236}">
+                    <a16:creationId xmlns:a16="http://schemas.microsoft.com/office/drawing/2014/main" id="{06EC24B0-5F09-47D3-843D-AB425684528D}"/>
+                  </a:ext>
+                </a:extLst>
+              </p:cNvPr>
+              <p:cNvSpPr/>
+              <p:nvPr/>
+            </p:nvSpPr>
+            <p:spPr>
+              <a:xfrm>
+                <a:off x="2153106" y="862154"/>
+                <a:ext cx="2416629" cy="1323439"/>
+              </a:xfrm>
+              <a:prstGeom prst="rect">
+                <a:avLst/>
+              </a:prstGeom>
+            </p:spPr>
+            <p:txBody>
+              <a:bodyPr wrap="square">
+                <a:spAutoFit/>
+              </a:bodyPr>
+              <a:lstStyle/>
+              <a:p>
+                <a:pPr marL="171450" indent="-171450">
+                  <a:buFont typeface="Arial" panose="020B0604020202020204" pitchFamily="34" charset="0"/>
+                  <a:buChar char="•"/>
+                </a:pPr>
+                <a:r>
+                  <a:rPr lang="en-US" altLang="zh-CN" sz="2000" dirty="0">
+                    <a:solidFill>
+                      <a:schemeClr val="bg1"/>
+                    </a:solidFill>
+                  </a:rPr>
+                  <a:t>Comment on learning material</a:t>
+                </a:r>
+              </a:p>
+              <a:p>
+                <a:pPr marL="171450" indent="-171450">
+                  <a:buFont typeface="Arial" panose="020B0604020202020204" pitchFamily="34" charset="0"/>
+                  <a:buChar char="•"/>
+                </a:pPr>
+                <a:r>
+                  <a:rPr lang="en-US" altLang="zh-CN" sz="2000" dirty="0">
+                    <a:solidFill>
+                      <a:schemeClr val="bg1"/>
+                    </a:solidFill>
+                  </a:rPr>
+                  <a:t>Search and filter functionalities</a:t>
+                </a:r>
+              </a:p>
+            </p:txBody>
+          </p:sp>
+        </p:grpSp>
+        <p:sp>
+          <p:nvSpPr>
+            <p:cNvPr id="23" name="矩形 105">
+              <a:extLst>
+                <a:ext uri="{FF2B5EF4-FFF2-40B4-BE49-F238E27FC236}">
+                  <a16:creationId xmlns:a16="http://schemas.microsoft.com/office/drawing/2014/main" id="{C910FAEB-803B-4523-92C3-9C7678072154}"/>
+                </a:ext>
+              </a:extLst>
+            </p:cNvPr>
+            <p:cNvSpPr/>
+            <p:nvPr/>
+          </p:nvSpPr>
+          <p:spPr bwMode="auto">
+            <a:xfrm>
+              <a:off x="2320229" y="2843135"/>
+              <a:ext cx="2037995" cy="430887"/>
+            </a:xfrm>
+            <a:prstGeom prst="rect">
+              <a:avLst/>
+            </a:prstGeom>
+            <a:noFill/>
+          </p:spPr>
+          <p:txBody>
+            <a:bodyPr wrap="none">
+              <a:spAutoFit/>
             </a:bodyPr>
             <a:lstStyle/>
             <a:p>
-              <a:pPr algn="ctr"/>
-              <a:endParaRPr lang="zh-CN" altLang="en-US" dirty="0"/>
+              <a:pPr algn="r">
+                <a:defRPr/>
+              </a:pPr>
+              <a:r>
+                <a:rPr lang="en-US" altLang="zh-CN" sz="2200" b="1" kern="100" dirty="0">
+                  <a:solidFill>
+                    <a:schemeClr val="accent1"/>
+                  </a:solidFill>
+                  <a:latin typeface="微软雅黑" panose="020B0503020204020204" pitchFamily="34" charset="-122"/>
+                  <a:ea typeface="微软雅黑" panose="020B0503020204020204" pitchFamily="34" charset="-122"/>
+                  <a:cs typeface="Times New Roman" panose="02020603050405020304" pitchFamily="18" charset="0"/>
+                </a:rPr>
+                <a:t>Before</a:t>
+              </a:r>
+              <a:r>
+                <a:rPr lang="zh-CN" altLang="en-US" sz="2200" b="1" kern="100" dirty="0">
+                  <a:solidFill>
+                    <a:schemeClr val="accent1"/>
+                  </a:solidFill>
+                  <a:latin typeface="微软雅黑" panose="020B0503020204020204" pitchFamily="34" charset="-122"/>
+                  <a:ea typeface="微软雅黑" panose="020B0503020204020204" pitchFamily="34" charset="-122"/>
+                  <a:cs typeface="Times New Roman" panose="02020603050405020304" pitchFamily="18" charset="0"/>
+                </a:rPr>
+                <a:t> </a:t>
+              </a:r>
+              <a:r>
+                <a:rPr lang="en-US" altLang="zh-CN" sz="2200" b="1" kern="100" dirty="0">
+                  <a:solidFill>
+                    <a:schemeClr val="accent1"/>
+                  </a:solidFill>
+                  <a:latin typeface="微软雅黑" panose="020B0503020204020204" pitchFamily="34" charset="-122"/>
+                  <a:ea typeface="微软雅黑" panose="020B0503020204020204" pitchFamily="34" charset="-122"/>
+                  <a:cs typeface="Times New Roman" panose="02020603050405020304" pitchFamily="18" charset="0"/>
+                </a:rPr>
+                <a:t>14/02</a:t>
+              </a:r>
+              <a:endParaRPr lang="zh-CN" altLang="en-US" sz="2200" b="1" kern="100" dirty="0">
+                <a:solidFill>
+                  <a:schemeClr val="accent1"/>
+                </a:solidFill>
+                <a:latin typeface="微软雅黑" panose="020B0503020204020204" pitchFamily="34" charset="-122"/>
+                <a:ea typeface="微软雅黑" panose="020B0503020204020204" pitchFamily="34" charset="-122"/>
+                <a:cs typeface="Times New Roman" panose="02020603050405020304" pitchFamily="18" charset="0"/>
+              </a:endParaRPr>
             </a:p>
           </p:txBody>
         </p:sp>
+      </p:grpSp>
+      <p:grpSp>
+        <p:nvGrpSpPr>
+          <p:cNvPr id="10" name="Group 9">
+            <a:extLst>
+              <a:ext uri="{FF2B5EF4-FFF2-40B4-BE49-F238E27FC236}">
+                <a16:creationId xmlns:a16="http://schemas.microsoft.com/office/drawing/2014/main" id="{0913F83E-2D7C-814C-A617-20A2401C3B26}"/>
+              </a:ext>
+            </a:extLst>
+          </p:cNvPr>
+          <p:cNvGrpSpPr/>
+          <p:nvPr/>
+        </p:nvGrpSpPr>
+        <p:grpSpPr>
+          <a:xfrm>
+            <a:off x="6537930" y="835536"/>
+            <a:ext cx="2292173" cy="2397306"/>
+            <a:chOff x="6537930" y="835536"/>
+            <a:chExt cx="2292173" cy="2397306"/>
+          </a:xfrm>
+        </p:grpSpPr>
         <p:sp>
           <p:nvSpPr>
-            <p:cNvPr id="27" name="矩形 102">
+            <p:cNvPr id="65" name="椭圆 64">
               <a:extLst>
                 <a:ext uri="{FF2B5EF4-FFF2-40B4-BE49-F238E27FC236}">
-                  <a16:creationId xmlns:a16="http://schemas.microsoft.com/office/drawing/2014/main" id="{FE1837BF-455C-E74D-82EE-93B0D8BBFE3D}"/>
+                  <a16:creationId xmlns:a16="http://schemas.microsoft.com/office/drawing/2014/main" id="{D702419A-44C7-4C6B-BBB5-9B8157F26A0B}"/>
                 </a:ext>
               </a:extLst>
             </p:cNvPr>
@@ -8615,48 +8369,378 @@
           </p:nvSpPr>
           <p:spPr>
             <a:xfrm>
-              <a:off x="6537930" y="841059"/>
-              <a:ext cx="2289907" cy="1323439"/>
+              <a:off x="7553672" y="2582021"/>
+              <a:ext cx="220741" cy="224247"/>
+            </a:xfrm>
+            <a:prstGeom prst="ellipse">
+              <a:avLst/>
+            </a:prstGeom>
+            <a:solidFill>
+              <a:schemeClr val="bg1"/>
+            </a:solidFill>
+            <a:ln>
+              <a:solidFill>
+                <a:schemeClr val="accent1"/>
+              </a:solidFill>
+            </a:ln>
+            <a:effectLst>
+              <a:outerShdw blurRad="50800" dist="38100" dir="5400000" algn="t" rotWithShape="0">
+                <a:prstClr val="black">
+                  <a:alpha val="40000"/>
+                </a:prstClr>
+              </a:outerShdw>
+            </a:effectLst>
+          </p:spPr>
+          <p:style>
+            <a:lnRef idx="2">
+              <a:schemeClr val="accent1">
+                <a:shade val="50000"/>
+              </a:schemeClr>
+            </a:lnRef>
+            <a:fillRef idx="1">
+              <a:schemeClr val="accent1"/>
+            </a:fillRef>
+            <a:effectRef idx="0">
+              <a:schemeClr val="accent1"/>
+            </a:effectRef>
+            <a:fontRef idx="minor">
+              <a:schemeClr val="lt1"/>
+            </a:fontRef>
+          </p:style>
+          <p:txBody>
+            <a:bodyPr rtlCol="0" anchor="ctr"/>
+            <a:lstStyle/>
+            <a:p>
+              <a:pPr algn="ctr"/>
+              <a:endParaRPr lang="zh-CN" altLang="en-US"/>
+            </a:p>
+          </p:txBody>
+        </p:sp>
+        <p:sp>
+          <p:nvSpPr>
+            <p:cNvPr id="108" name="矩形 107">
+              <a:extLst>
+                <a:ext uri="{FF2B5EF4-FFF2-40B4-BE49-F238E27FC236}">
+                  <a16:creationId xmlns:a16="http://schemas.microsoft.com/office/drawing/2014/main" id="{CE4F9824-6130-4193-BCA7-E979D92D92A6}"/>
+                </a:ext>
+              </a:extLst>
+            </p:cNvPr>
+            <p:cNvSpPr/>
+            <p:nvPr/>
+          </p:nvSpPr>
+          <p:spPr bwMode="auto">
+            <a:xfrm>
+              <a:off x="6720899" y="2832732"/>
+              <a:ext cx="1871346" cy="400110"/>
             </a:xfrm>
             <a:prstGeom prst="rect">
               <a:avLst/>
             </a:prstGeom>
+            <a:noFill/>
           </p:spPr>
           <p:txBody>
-            <a:bodyPr wrap="square">
+            <a:bodyPr wrap="none">
               <a:spAutoFit/>
             </a:bodyPr>
             <a:lstStyle/>
             <a:p>
-              <a:pPr marL="171450" indent="-171450">
-                <a:buFont typeface="Arial" panose="020B0604020202020204" pitchFamily="34" charset="0"/>
-                <a:buChar char="•"/>
+              <a:pPr algn="r">
+                <a:defRPr/>
               </a:pPr>
               <a:r>
-                <a:rPr lang="en-US" altLang="zh-CN" sz="2000" dirty="0">
+                <a:rPr lang="en-US" altLang="zh-CN" sz="2000" b="1" kern="100" dirty="0">
                   <a:solidFill>
-                    <a:schemeClr val="bg1"/>
+                    <a:schemeClr val="accent1"/>
                   </a:solidFill>
+                  <a:latin typeface="微软雅黑" panose="020B0503020204020204" pitchFamily="34" charset="-122"/>
+                  <a:ea typeface="微软雅黑" panose="020B0503020204020204" pitchFamily="34" charset="-122"/>
+                  <a:cs typeface="Times New Roman" panose="02020603050405020304" pitchFamily="18" charset="0"/>
                 </a:rPr>
-                <a:t>Integration Testing</a:t>
+                <a:t>Before</a:t>
               </a:r>
-            </a:p>
-            <a:p>
-              <a:pPr marL="171450" indent="-171450">
-                <a:buFont typeface="Arial" panose="020B0604020202020204" pitchFamily="34" charset="0"/>
-                <a:buChar char="•"/>
-              </a:pPr>
               <a:r>
-                <a:rPr lang="en-US" altLang="zh-CN" sz="2000" dirty="0">
+                <a:rPr lang="zh-CN" altLang="en-US" sz="2000" b="1" kern="100" dirty="0">
                   <a:solidFill>
-                    <a:schemeClr val="bg1"/>
+                    <a:schemeClr val="accent1"/>
                   </a:solidFill>
+                  <a:latin typeface="微软雅黑" panose="020B0503020204020204" pitchFamily="34" charset="-122"/>
+                  <a:ea typeface="微软雅黑" panose="020B0503020204020204" pitchFamily="34" charset="-122"/>
+                  <a:cs typeface="Times New Roman" panose="02020603050405020304" pitchFamily="18" charset="0"/>
                 </a:rPr>
-                <a:t>Collect user data to personalise materials</a:t>
+                <a:t> </a:t>
               </a:r>
+              <a:r>
+                <a:rPr lang="en-US" altLang="zh-CN" sz="2000" b="1" kern="100" dirty="0">
+                  <a:solidFill>
+                    <a:schemeClr val="accent1"/>
+                  </a:solidFill>
+                  <a:latin typeface="微软雅黑" panose="020B0503020204020204" pitchFamily="34" charset="-122"/>
+                  <a:ea typeface="微软雅黑" panose="020B0503020204020204" pitchFamily="34" charset="-122"/>
+                  <a:cs typeface="Times New Roman" panose="02020603050405020304" pitchFamily="18" charset="0"/>
+                </a:rPr>
+                <a:t>09/03</a:t>
+              </a:r>
+              <a:endParaRPr lang="zh-CN" altLang="en-US" sz="2000" b="1" kern="100" dirty="0">
+                <a:solidFill>
+                  <a:schemeClr val="accent1"/>
+                </a:solidFill>
+                <a:latin typeface="微软雅黑" panose="020B0503020204020204" pitchFamily="34" charset="-122"/>
+                <a:ea typeface="微软雅黑" panose="020B0503020204020204" pitchFamily="34" charset="-122"/>
+                <a:cs typeface="Times New Roman" panose="02020603050405020304" pitchFamily="18" charset="0"/>
+              </a:endParaRPr>
             </a:p>
           </p:txBody>
         </p:sp>
+        <p:grpSp>
+          <p:nvGrpSpPr>
+            <p:cNvPr id="7" name="Group 6">
+              <a:extLst>
+                <a:ext uri="{FF2B5EF4-FFF2-40B4-BE49-F238E27FC236}">
+                  <a16:creationId xmlns:a16="http://schemas.microsoft.com/office/drawing/2014/main" id="{A38082B2-EF14-0041-90A9-01A426F2AD11}"/>
+                </a:ext>
+              </a:extLst>
+            </p:cNvPr>
+            <p:cNvGrpSpPr/>
+            <p:nvPr/>
+          </p:nvGrpSpPr>
+          <p:grpSpPr>
+            <a:xfrm>
+              <a:off x="6537930" y="835536"/>
+              <a:ext cx="2292173" cy="1647846"/>
+              <a:chOff x="6537930" y="835536"/>
+              <a:chExt cx="2292173" cy="1647846"/>
+            </a:xfrm>
+          </p:grpSpPr>
+          <p:sp>
+            <p:nvSpPr>
+              <p:cNvPr id="99" name="任意多边形: 形状 98">
+                <a:extLst>
+                  <a:ext uri="{FF2B5EF4-FFF2-40B4-BE49-F238E27FC236}">
+                    <a16:creationId xmlns:a16="http://schemas.microsoft.com/office/drawing/2014/main" id="{5F6DF5AD-01BB-4BA5-B677-7D93F5F44BD0}"/>
+                  </a:ext>
+                </a:extLst>
+              </p:cNvPr>
+              <p:cNvSpPr/>
+              <p:nvPr/>
+            </p:nvSpPr>
+            <p:spPr>
+              <a:xfrm rot="10800000">
+                <a:off x="6540196" y="835536"/>
+                <a:ext cx="2289907" cy="1647846"/>
+              </a:xfrm>
+              <a:custGeom>
+                <a:avLst/>
+                <a:gdLst>
+                  <a:gd name="connsiteX0" fmla="*/ 1030481 w 2027814"/>
+                  <a:gd name="connsiteY0" fmla="*/ 0 h 1229021"/>
+                  <a:gd name="connsiteX1" fmla="*/ 1170874 w 2027814"/>
+                  <a:gd name="connsiteY1" fmla="*/ 242057 h 1229021"/>
+                  <a:gd name="connsiteX2" fmla="*/ 1935888 w 2027814"/>
+                  <a:gd name="connsiteY2" fmla="*/ 242057 h 1229021"/>
+                  <a:gd name="connsiteX3" fmla="*/ 2027814 w 2027814"/>
+                  <a:gd name="connsiteY3" fmla="*/ 333983 h 1229021"/>
+                  <a:gd name="connsiteX4" fmla="*/ 2027814 w 2027814"/>
+                  <a:gd name="connsiteY4" fmla="*/ 1137095 h 1229021"/>
+                  <a:gd name="connsiteX5" fmla="*/ 1935888 w 2027814"/>
+                  <a:gd name="connsiteY5" fmla="*/ 1229021 h 1229021"/>
+                  <a:gd name="connsiteX6" fmla="*/ 91926 w 2027814"/>
+                  <a:gd name="connsiteY6" fmla="*/ 1229021 h 1229021"/>
+                  <a:gd name="connsiteX7" fmla="*/ 0 w 2027814"/>
+                  <a:gd name="connsiteY7" fmla="*/ 1137095 h 1229021"/>
+                  <a:gd name="connsiteX8" fmla="*/ 0 w 2027814"/>
+                  <a:gd name="connsiteY8" fmla="*/ 333983 h 1229021"/>
+                  <a:gd name="connsiteX9" fmla="*/ 91926 w 2027814"/>
+                  <a:gd name="connsiteY9" fmla="*/ 242057 h 1229021"/>
+                  <a:gd name="connsiteX10" fmla="*/ 890088 w 2027814"/>
+                  <a:gd name="connsiteY10" fmla="*/ 242057 h 1229021"/>
+                </a:gdLst>
+                <a:ahLst/>
+                <a:cxnLst>
+                  <a:cxn ang="0">
+                    <a:pos x="connsiteX0" y="connsiteY0"/>
+                  </a:cxn>
+                  <a:cxn ang="0">
+                    <a:pos x="connsiteX1" y="connsiteY1"/>
+                  </a:cxn>
+                  <a:cxn ang="0">
+                    <a:pos x="connsiteX2" y="connsiteY2"/>
+                  </a:cxn>
+                  <a:cxn ang="0">
+                    <a:pos x="connsiteX3" y="connsiteY3"/>
+                  </a:cxn>
+                  <a:cxn ang="0">
+                    <a:pos x="connsiteX4" y="connsiteY4"/>
+                  </a:cxn>
+                  <a:cxn ang="0">
+                    <a:pos x="connsiteX5" y="connsiteY5"/>
+                  </a:cxn>
+                  <a:cxn ang="0">
+                    <a:pos x="connsiteX6" y="connsiteY6"/>
+                  </a:cxn>
+                  <a:cxn ang="0">
+                    <a:pos x="connsiteX7" y="connsiteY7"/>
+                  </a:cxn>
+                  <a:cxn ang="0">
+                    <a:pos x="connsiteX8" y="connsiteY8"/>
+                  </a:cxn>
+                  <a:cxn ang="0">
+                    <a:pos x="connsiteX9" y="connsiteY9"/>
+                  </a:cxn>
+                  <a:cxn ang="0">
+                    <a:pos x="connsiteX10" y="connsiteY10"/>
+                  </a:cxn>
+                </a:cxnLst>
+                <a:rect l="l" t="t" r="r" b="b"/>
+                <a:pathLst>
+                  <a:path w="2027814" h="1229021">
+                    <a:moveTo>
+                      <a:pt x="1030481" y="0"/>
+                    </a:moveTo>
+                    <a:lnTo>
+                      <a:pt x="1170874" y="242057"/>
+                    </a:lnTo>
+                    <a:lnTo>
+                      <a:pt x="1935888" y="242057"/>
+                    </a:lnTo>
+                    <a:cubicBezTo>
+                      <a:pt x="1986657" y="242057"/>
+                      <a:pt x="2027814" y="283214"/>
+                      <a:pt x="2027814" y="333983"/>
+                    </a:cubicBezTo>
+                    <a:lnTo>
+                      <a:pt x="2027814" y="1137095"/>
+                    </a:lnTo>
+                    <a:cubicBezTo>
+                      <a:pt x="2027814" y="1187864"/>
+                      <a:pt x="1986657" y="1229021"/>
+                      <a:pt x="1935888" y="1229021"/>
+                    </a:cubicBezTo>
+                    <a:lnTo>
+                      <a:pt x="91926" y="1229021"/>
+                    </a:lnTo>
+                    <a:cubicBezTo>
+                      <a:pt x="41157" y="1229021"/>
+                      <a:pt x="0" y="1187864"/>
+                      <a:pt x="0" y="1137095"/>
+                    </a:cubicBezTo>
+                    <a:lnTo>
+                      <a:pt x="0" y="333983"/>
+                    </a:lnTo>
+                    <a:cubicBezTo>
+                      <a:pt x="0" y="283214"/>
+                      <a:pt x="41157" y="242057"/>
+                      <a:pt x="91926" y="242057"/>
+                    </a:cubicBezTo>
+                    <a:lnTo>
+                      <a:pt x="890088" y="242057"/>
+                    </a:lnTo>
+                    <a:close/>
+                  </a:path>
+                </a:pathLst>
+              </a:custGeom>
+              <a:solidFill>
+                <a:schemeClr val="accent1"/>
+              </a:solidFill>
+              <a:ln>
+                <a:solidFill>
+                  <a:schemeClr val="accent1"/>
+                </a:solidFill>
+              </a:ln>
+              <a:effectLst>
+                <a:outerShdw blurRad="101600" dist="101600" dir="5400000" algn="t" rotWithShape="0">
+                  <a:prstClr val="black">
+                    <a:alpha val="40000"/>
+                  </a:prstClr>
+                </a:outerShdw>
+              </a:effectLst>
+            </p:spPr>
+            <p:style>
+              <a:lnRef idx="2">
+                <a:schemeClr val="accent1">
+                  <a:shade val="50000"/>
+                </a:schemeClr>
+              </a:lnRef>
+              <a:fillRef idx="1">
+                <a:schemeClr val="accent1"/>
+              </a:fillRef>
+              <a:effectRef idx="0">
+                <a:schemeClr val="accent1"/>
+              </a:effectRef>
+              <a:fontRef idx="minor">
+                <a:schemeClr val="lt1"/>
+              </a:fontRef>
+            </p:style>
+            <p:txBody>
+              <a:bodyPr rot="0" spcFirstLastPara="0" vertOverflow="overflow" horzOverflow="overflow" vert="horz" wrap="square" lIns="91440" tIns="45720" rIns="91440" bIns="45720" numCol="1" spcCol="0" rtlCol="0" fromWordArt="0" anchor="ctr" anchorCtr="0" forceAA="0" compatLnSpc="1">
+                <a:prstTxWarp prst="textNoShape">
+                  <a:avLst/>
+                </a:prstTxWarp>
+                <a:noAutofit/>
+              </a:bodyPr>
+              <a:lstStyle/>
+              <a:p>
+                <a:pPr algn="ctr"/>
+                <a:endParaRPr lang="zh-CN" altLang="en-US" dirty="0"/>
+              </a:p>
+            </p:txBody>
+          </p:sp>
+          <p:sp>
+            <p:nvSpPr>
+              <p:cNvPr id="27" name="矩形 102">
+                <a:extLst>
+                  <a:ext uri="{FF2B5EF4-FFF2-40B4-BE49-F238E27FC236}">
+                    <a16:creationId xmlns:a16="http://schemas.microsoft.com/office/drawing/2014/main" id="{FE1837BF-455C-E74D-82EE-93B0D8BBFE3D}"/>
+                  </a:ext>
+                </a:extLst>
+              </p:cNvPr>
+              <p:cNvSpPr/>
+              <p:nvPr/>
+            </p:nvSpPr>
+            <p:spPr>
+              <a:xfrm>
+                <a:off x="6537930" y="841059"/>
+                <a:ext cx="2289907" cy="1323439"/>
+              </a:xfrm>
+              <a:prstGeom prst="rect">
+                <a:avLst/>
+              </a:prstGeom>
+            </p:spPr>
+            <p:txBody>
+              <a:bodyPr wrap="square">
+                <a:spAutoFit/>
+              </a:bodyPr>
+              <a:lstStyle/>
+              <a:p>
+                <a:pPr marL="171450" indent="-171450">
+                  <a:buFont typeface="Arial" panose="020B0604020202020204" pitchFamily="34" charset="0"/>
+                  <a:buChar char="•"/>
+                </a:pPr>
+                <a:r>
+                  <a:rPr lang="en-US" altLang="zh-CN" sz="2000" dirty="0">
+                    <a:solidFill>
+                      <a:schemeClr val="bg1"/>
+                    </a:solidFill>
+                  </a:rPr>
+                  <a:t>Integration Testing</a:t>
+                </a:r>
+              </a:p>
+              <a:p>
+                <a:pPr marL="171450" indent="-171450">
+                  <a:buFont typeface="Arial" panose="020B0604020202020204" pitchFamily="34" charset="0"/>
+                  <a:buChar char="•"/>
+                </a:pPr>
+                <a:r>
+                  <a:rPr lang="en-US" altLang="zh-CN" sz="2000" dirty="0">
+                    <a:solidFill>
+                      <a:schemeClr val="bg1"/>
+                    </a:solidFill>
+                  </a:rPr>
+                  <a:t>Collect user data to personalise materials</a:t>
+                </a:r>
+              </a:p>
+            </p:txBody>
+          </p:sp>
+        </p:grpSp>
       </p:grpSp>
     </p:spTree>
     <p:extLst>
@@ -8680,6 +8764,248 @@
       </p:transition>
     </mc:Fallback>
   </mc:AlternateContent>
+  <p:timing>
+    <p:tnLst>
+      <p:par>
+        <p:cTn id="1" dur="indefinite" restart="never" nodeType="tmRoot">
+          <p:childTnLst>
+            <p:seq concurrent="1" nextAc="seek">
+              <p:cTn id="2" dur="indefinite" nodeType="mainSeq">
+                <p:childTnLst>
+                  <p:par>
+                    <p:cTn id="3" fill="hold">
+                      <p:stCondLst>
+                        <p:cond delay="indefinite"/>
+                      </p:stCondLst>
+                      <p:childTnLst>
+                        <p:par>
+                          <p:cTn id="4" fill="hold">
+                            <p:stCondLst>
+                              <p:cond delay="0"/>
+                            </p:stCondLst>
+                            <p:childTnLst>
+                              <p:par>
+                                <p:cTn id="5" presetID="10" presetClass="entr" presetSubtype="0" fill="hold" nodeType="clickEffect">
+                                  <p:stCondLst>
+                                    <p:cond delay="0"/>
+                                  </p:stCondLst>
+                                  <p:childTnLst>
+                                    <p:set>
+                                      <p:cBhvr>
+                                        <p:cTn id="6" dur="1" fill="hold">
+                                          <p:stCondLst>
+                                            <p:cond delay="0"/>
+                                          </p:stCondLst>
+                                        </p:cTn>
+                                        <p:tgtEl>
+                                          <p:spTgt spid="9"/>
+                                        </p:tgtEl>
+                                        <p:attrNameLst>
+                                          <p:attrName>style.visibility</p:attrName>
+                                        </p:attrNameLst>
+                                      </p:cBhvr>
+                                      <p:to>
+                                        <p:strVal val="visible"/>
+                                      </p:to>
+                                    </p:set>
+                                    <p:animEffect transition="in" filter="fade">
+                                      <p:cBhvr>
+                                        <p:cTn id="7" dur="500"/>
+                                        <p:tgtEl>
+                                          <p:spTgt spid="9"/>
+                                        </p:tgtEl>
+                                      </p:cBhvr>
+                                    </p:animEffect>
+                                  </p:childTnLst>
+                                </p:cTn>
+                              </p:par>
+                            </p:childTnLst>
+                          </p:cTn>
+                        </p:par>
+                      </p:childTnLst>
+                    </p:cTn>
+                  </p:par>
+                  <p:par>
+                    <p:cTn id="8" fill="hold">
+                      <p:stCondLst>
+                        <p:cond delay="indefinite"/>
+                      </p:stCondLst>
+                      <p:childTnLst>
+                        <p:par>
+                          <p:cTn id="9" fill="hold">
+                            <p:stCondLst>
+                              <p:cond delay="0"/>
+                            </p:stCondLst>
+                            <p:childTnLst>
+                              <p:par>
+                                <p:cTn id="10" presetID="10" presetClass="entr" presetSubtype="0" fill="hold" nodeType="clickEffect">
+                                  <p:stCondLst>
+                                    <p:cond delay="0"/>
+                                  </p:stCondLst>
+                                  <p:childTnLst>
+                                    <p:set>
+                                      <p:cBhvr>
+                                        <p:cTn id="11" dur="1" fill="hold">
+                                          <p:stCondLst>
+                                            <p:cond delay="0"/>
+                                          </p:stCondLst>
+                                        </p:cTn>
+                                        <p:tgtEl>
+                                          <p:spTgt spid="4"/>
+                                        </p:tgtEl>
+                                        <p:attrNameLst>
+                                          <p:attrName>style.visibility</p:attrName>
+                                        </p:attrNameLst>
+                                      </p:cBhvr>
+                                      <p:to>
+                                        <p:strVal val="visible"/>
+                                      </p:to>
+                                    </p:set>
+                                    <p:animEffect transition="in" filter="fade">
+                                      <p:cBhvr>
+                                        <p:cTn id="12" dur="500"/>
+                                        <p:tgtEl>
+                                          <p:spTgt spid="4"/>
+                                        </p:tgtEl>
+                                      </p:cBhvr>
+                                    </p:animEffect>
+                                  </p:childTnLst>
+                                </p:cTn>
+                              </p:par>
+                            </p:childTnLst>
+                          </p:cTn>
+                        </p:par>
+                      </p:childTnLst>
+                    </p:cTn>
+                  </p:par>
+                  <p:par>
+                    <p:cTn id="13" fill="hold">
+                      <p:stCondLst>
+                        <p:cond delay="indefinite"/>
+                      </p:stCondLst>
+                      <p:childTnLst>
+                        <p:par>
+                          <p:cTn id="14" fill="hold">
+                            <p:stCondLst>
+                              <p:cond delay="0"/>
+                            </p:stCondLst>
+                            <p:childTnLst>
+                              <p:par>
+                                <p:cTn id="15" presetID="10" presetClass="entr" presetSubtype="0" fill="hold" nodeType="clickEffect">
+                                  <p:stCondLst>
+                                    <p:cond delay="0"/>
+                                  </p:stCondLst>
+                                  <p:childTnLst>
+                                    <p:set>
+                                      <p:cBhvr>
+                                        <p:cTn id="16" dur="1" fill="hold">
+                                          <p:stCondLst>
+                                            <p:cond delay="0"/>
+                                          </p:stCondLst>
+                                        </p:cTn>
+                                        <p:tgtEl>
+                                          <p:spTgt spid="8"/>
+                                        </p:tgtEl>
+                                        <p:attrNameLst>
+                                          <p:attrName>style.visibility</p:attrName>
+                                        </p:attrNameLst>
+                                      </p:cBhvr>
+                                      <p:to>
+                                        <p:strVal val="visible"/>
+                                      </p:to>
+                                    </p:set>
+                                    <p:animEffect transition="in" filter="fade">
+                                      <p:cBhvr>
+                                        <p:cTn id="17" dur="500"/>
+                                        <p:tgtEl>
+                                          <p:spTgt spid="8"/>
+                                        </p:tgtEl>
+                                      </p:cBhvr>
+                                    </p:animEffect>
+                                  </p:childTnLst>
+                                </p:cTn>
+                              </p:par>
+                            </p:childTnLst>
+                          </p:cTn>
+                        </p:par>
+                      </p:childTnLst>
+                    </p:cTn>
+                  </p:par>
+                  <p:par>
+                    <p:cTn id="18" fill="hold">
+                      <p:stCondLst>
+                        <p:cond delay="indefinite"/>
+                      </p:stCondLst>
+                      <p:childTnLst>
+                        <p:par>
+                          <p:cTn id="19" fill="hold">
+                            <p:stCondLst>
+                              <p:cond delay="0"/>
+                            </p:stCondLst>
+                            <p:childTnLst>
+                              <p:par>
+                                <p:cTn id="20" presetID="10" presetClass="entr" presetSubtype="0" fill="hold" nodeType="clickEffect">
+                                  <p:stCondLst>
+                                    <p:cond delay="0"/>
+                                  </p:stCondLst>
+                                  <p:childTnLst>
+                                    <p:set>
+                                      <p:cBhvr>
+                                        <p:cTn id="21" dur="1" fill="hold">
+                                          <p:stCondLst>
+                                            <p:cond delay="0"/>
+                                          </p:stCondLst>
+                                        </p:cTn>
+                                        <p:tgtEl>
+                                          <p:spTgt spid="10"/>
+                                        </p:tgtEl>
+                                        <p:attrNameLst>
+                                          <p:attrName>style.visibility</p:attrName>
+                                        </p:attrNameLst>
+                                      </p:cBhvr>
+                                      <p:to>
+                                        <p:strVal val="visible"/>
+                                      </p:to>
+                                    </p:set>
+                                    <p:animEffect transition="in" filter="fade">
+                                      <p:cBhvr>
+                                        <p:cTn id="22" dur="500"/>
+                                        <p:tgtEl>
+                                          <p:spTgt spid="10"/>
+                                        </p:tgtEl>
+                                      </p:cBhvr>
+                                    </p:animEffect>
+                                  </p:childTnLst>
+                                </p:cTn>
+                              </p:par>
+                            </p:childTnLst>
+                          </p:cTn>
+                        </p:par>
+                      </p:childTnLst>
+                    </p:cTn>
+                  </p:par>
+                </p:childTnLst>
+              </p:cTn>
+              <p:prevCondLst>
+                <p:cond evt="onPrev" delay="0">
+                  <p:tgtEl>
+                    <p:sldTgt/>
+                  </p:tgtEl>
+                </p:cond>
+              </p:prevCondLst>
+              <p:nextCondLst>
+                <p:cond evt="onNext" delay="0">
+                  <p:tgtEl>
+                    <p:sldTgt/>
+                  </p:tgtEl>
+                </p:cond>
+              </p:nextCondLst>
+            </p:seq>
+          </p:childTnLst>
+        </p:cTn>
+      </p:par>
+    </p:tnLst>
+  </p:timing>
 </p:sld>
 </file>
 

--- a/presentation/X5GON-Team 4.pptx
+++ b/presentation/X5GON-Team 4.pptx
@@ -1000,55 +1000,203 @@
           </a:prstGeom>
         </p:spPr>
       </p:pic>
-      <p:sp>
-        <p:nvSpPr>
-          <p:cNvPr id="4" name="矩形 3">
+      <p:grpSp>
+        <p:nvGrpSpPr>
+          <p:cNvPr id="2" name="Group 1">
             <a:extLst>
               <a:ext uri="{FF2B5EF4-FFF2-40B4-BE49-F238E27FC236}">
-                <a16:creationId xmlns:a16="http://schemas.microsoft.com/office/drawing/2014/main" id="{1072B4B3-6AAF-4F07-B651-231C2A87BFAD}"/>
+                <a16:creationId xmlns:a16="http://schemas.microsoft.com/office/drawing/2014/main" id="{EB7DE07B-852F-564D-AE20-32B862B78A94}"/>
               </a:ext>
             </a:extLst>
           </p:cNvPr>
-          <p:cNvSpPr/>
+          <p:cNvGrpSpPr/>
           <p:nvPr userDrawn="1"/>
-        </p:nvSpPr>
-        <p:spPr>
+        </p:nvGrpSpPr>
+        <p:grpSpPr>
           <a:xfrm>
-            <a:off x="0" y="4856205"/>
-            <a:ext cx="9144001" cy="287296"/>
+            <a:off x="-1" y="4950411"/>
+            <a:ext cx="9144001" cy="193089"/>
+            <a:chOff x="-1" y="4950411"/>
+            <a:chExt cx="9144001" cy="193089"/>
           </a:xfrm>
-          <a:prstGeom prst="rect">
-            <a:avLst/>
-          </a:prstGeom>
-          <a:ln>
+        </p:grpSpPr>
+        <p:pic>
+          <p:nvPicPr>
+            <p:cNvPr id="5" name="Picture 13" descr="DarkBlue1024">
+              <a:extLst>
+                <a:ext uri="{FF2B5EF4-FFF2-40B4-BE49-F238E27FC236}">
+                  <a16:creationId xmlns:a16="http://schemas.microsoft.com/office/drawing/2014/main" id="{C2C84323-CA39-C54A-B832-3A6439293243}"/>
+                </a:ext>
+              </a:extLst>
+            </p:cNvPr>
+            <p:cNvPicPr>
+              <a:picLocks noChangeAspect="1" noChangeArrowheads="1"/>
+            </p:cNvPicPr>
+            <p:nvPr userDrawn="1"/>
+          </p:nvPicPr>
+          <p:blipFill>
+            <a:blip r:embed="rId3">
+              <a:extLst>
+                <a:ext uri="{28A0092B-C50C-407E-A947-70E740481C1C}">
+                  <a14:useLocalDpi xmlns:a14="http://schemas.microsoft.com/office/drawing/2010/main" val="0"/>
+                </a:ext>
+              </a:extLst>
+            </a:blip>
+            <a:srcRect/>
+            <a:stretch>
+              <a:fillRect/>
+            </a:stretch>
+          </p:blipFill>
+          <p:spPr bwMode="auto">
+            <a:xfrm>
+              <a:off x="5377398" y="4950469"/>
+              <a:ext cx="3766602" cy="193031"/>
+            </a:xfrm>
+            <a:prstGeom prst="rect">
+              <a:avLst/>
+            </a:prstGeom>
             <a:noFill/>
-          </a:ln>
-        </p:spPr>
-        <p:style>
-          <a:lnRef idx="2">
-            <a:schemeClr val="accent1">
-              <a:shade val="50000"/>
-            </a:schemeClr>
-          </a:lnRef>
-          <a:fillRef idx="1">
-            <a:schemeClr val="accent1"/>
-          </a:fillRef>
-          <a:effectRef idx="0">
-            <a:schemeClr val="accent1"/>
-          </a:effectRef>
-          <a:fontRef idx="minor">
-            <a:schemeClr val="lt1"/>
-          </a:fontRef>
-        </p:style>
-        <p:txBody>
-          <a:bodyPr rtlCol="0" anchor="ctr"/>
-          <a:lstStyle/>
-          <a:p>
-            <a:pPr algn="ctr"/>
-            <a:endParaRPr lang="zh-CN" altLang="en-US"/>
-          </a:p>
-        </p:txBody>
-      </p:sp>
+            <a:ln>
+              <a:noFill/>
+            </a:ln>
+            <a:extLst>
+              <a:ext uri="{909E8E84-426E-40DD-AFC4-6F175D3DCCD1}">
+                <a14:hiddenFill xmlns:a14="http://schemas.microsoft.com/office/drawing/2010/main">
+                  <a:solidFill>
+                    <a:srgbClr val="FFFFFF"/>
+                  </a:solidFill>
+                </a14:hiddenFill>
+              </a:ext>
+              <a:ext uri="{91240B29-F687-4F45-9708-019B960494DF}">
+                <a14:hiddenLine xmlns:a14="http://schemas.microsoft.com/office/drawing/2010/main" w="9525">
+                  <a:solidFill>
+                    <a:srgbClr val="000000"/>
+                  </a:solidFill>
+                  <a:miter lim="800000"/>
+                  <a:headEnd/>
+                  <a:tailEnd/>
+                </a14:hiddenLine>
+              </a:ext>
+            </a:extLst>
+          </p:spPr>
+        </p:pic>
+        <p:pic>
+          <p:nvPicPr>
+            <p:cNvPr id="6" name="Picture 13" descr="DarkBlue1024">
+              <a:extLst>
+                <a:ext uri="{FF2B5EF4-FFF2-40B4-BE49-F238E27FC236}">
+                  <a16:creationId xmlns:a16="http://schemas.microsoft.com/office/drawing/2014/main" id="{ACA2B078-520E-EE4A-8B6B-BBEA7F8598D0}"/>
+                </a:ext>
+              </a:extLst>
+            </p:cNvPr>
+            <p:cNvPicPr>
+              <a:picLocks noChangeAspect="1" noChangeArrowheads="1"/>
+            </p:cNvPicPr>
+            <p:nvPr userDrawn="1"/>
+          </p:nvPicPr>
+          <p:blipFill rotWithShape="1">
+            <a:blip r:embed="rId3">
+              <a:extLst>
+                <a:ext uri="{28A0092B-C50C-407E-A947-70E740481C1C}">
+                  <a14:useLocalDpi xmlns:a14="http://schemas.microsoft.com/office/drawing/2010/main" val="0"/>
+                </a:ext>
+              </a:extLst>
+            </a:blip>
+            <a:srcRect t="1" r="18464" b="-2"/>
+            <a:stretch/>
+          </p:blipFill>
+          <p:spPr bwMode="auto">
+            <a:xfrm>
+              <a:off x="-1" y="4950411"/>
+              <a:ext cx="3070205" cy="192973"/>
+            </a:xfrm>
+            <a:prstGeom prst="rect">
+              <a:avLst/>
+            </a:prstGeom>
+            <a:noFill/>
+            <a:ln>
+              <a:noFill/>
+            </a:ln>
+            <a:extLst>
+              <a:ext uri="{909E8E84-426E-40DD-AFC4-6F175D3DCCD1}">
+                <a14:hiddenFill xmlns:a14="http://schemas.microsoft.com/office/drawing/2010/main">
+                  <a:solidFill>
+                    <a:srgbClr val="FFFFFF"/>
+                  </a:solidFill>
+                </a14:hiddenFill>
+              </a:ext>
+              <a:ext uri="{91240B29-F687-4F45-9708-019B960494DF}">
+                <a14:hiddenLine xmlns:a14="http://schemas.microsoft.com/office/drawing/2010/main" w="9525">
+                  <a:solidFill>
+                    <a:srgbClr val="000000"/>
+                  </a:solidFill>
+                  <a:miter lim="800000"/>
+                  <a:headEnd/>
+                  <a:tailEnd/>
+                </a14:hiddenLine>
+              </a:ext>
+            </a:extLst>
+          </p:spPr>
+        </p:pic>
+        <p:pic>
+          <p:nvPicPr>
+            <p:cNvPr id="7" name="Picture 13" descr="DarkBlue1024">
+              <a:extLst>
+                <a:ext uri="{FF2B5EF4-FFF2-40B4-BE49-F238E27FC236}">
+                  <a16:creationId xmlns:a16="http://schemas.microsoft.com/office/drawing/2014/main" id="{61716C81-9C27-5E40-B3FF-BB6FEA183B3A}"/>
+                </a:ext>
+              </a:extLst>
+            </p:cNvPr>
+            <p:cNvPicPr>
+              <a:picLocks noChangeAspect="1" noChangeArrowheads="1"/>
+            </p:cNvPicPr>
+            <p:nvPr userDrawn="1"/>
+          </p:nvPicPr>
+          <p:blipFill rotWithShape="1">
+            <a:blip r:embed="rId3">
+              <a:extLst>
+                <a:ext uri="{28A0092B-C50C-407E-A947-70E740481C1C}">
+                  <a14:useLocalDpi xmlns:a14="http://schemas.microsoft.com/office/drawing/2010/main" val="0"/>
+                </a:ext>
+              </a:extLst>
+            </a:blip>
+            <a:srcRect t="1" r="18464" b="-2"/>
+            <a:stretch/>
+          </p:blipFill>
+          <p:spPr bwMode="auto">
+            <a:xfrm>
+              <a:off x="2306049" y="4950469"/>
+              <a:ext cx="3070205" cy="192973"/>
+            </a:xfrm>
+            <a:prstGeom prst="rect">
+              <a:avLst/>
+            </a:prstGeom>
+            <a:noFill/>
+            <a:ln>
+              <a:noFill/>
+            </a:ln>
+            <a:extLst>
+              <a:ext uri="{909E8E84-426E-40DD-AFC4-6F175D3DCCD1}">
+                <a14:hiddenFill xmlns:a14="http://schemas.microsoft.com/office/drawing/2010/main">
+                  <a:solidFill>
+                    <a:srgbClr val="FFFFFF"/>
+                  </a:solidFill>
+                </a14:hiddenFill>
+              </a:ext>
+              <a:ext uri="{91240B29-F687-4F45-9708-019B960494DF}">
+                <a14:hiddenLine xmlns:a14="http://schemas.microsoft.com/office/drawing/2010/main" w="9525">
+                  <a:solidFill>
+                    <a:srgbClr val="000000"/>
+                  </a:solidFill>
+                  <a:miter lim="800000"/>
+                  <a:headEnd/>
+                  <a:tailEnd/>
+                </a14:hiddenLine>
+              </a:ext>
+            </a:extLst>
+          </p:spPr>
+        </p:pic>
+      </p:grpSp>
     </p:spTree>
     <p:extLst>
       <p:ext uri="{BB962C8B-B14F-4D97-AF65-F5344CB8AC3E}">
@@ -1091,55 +1239,6 @@
           <a:chExt cx="0" cy="0"/>
         </a:xfrm>
       </p:grpSpPr>
-      <p:sp>
-        <p:nvSpPr>
-          <p:cNvPr id="52" name="矩形 51">
-            <a:extLst>
-              <a:ext uri="{FF2B5EF4-FFF2-40B4-BE49-F238E27FC236}">
-                <a16:creationId xmlns:a16="http://schemas.microsoft.com/office/drawing/2014/main" id="{3BC3CED9-C592-4A56-90D8-EA868FAD28A9}"/>
-              </a:ext>
-            </a:extLst>
-          </p:cNvPr>
-          <p:cNvSpPr/>
-          <p:nvPr userDrawn="1"/>
-        </p:nvSpPr>
-        <p:spPr>
-          <a:xfrm>
-            <a:off x="0" y="4856205"/>
-            <a:ext cx="9144001" cy="287296"/>
-          </a:xfrm>
-          <a:prstGeom prst="rect">
-            <a:avLst/>
-          </a:prstGeom>
-          <a:ln>
-            <a:noFill/>
-          </a:ln>
-        </p:spPr>
-        <p:style>
-          <a:lnRef idx="2">
-            <a:schemeClr val="accent1">
-              <a:shade val="50000"/>
-            </a:schemeClr>
-          </a:lnRef>
-          <a:fillRef idx="1">
-            <a:schemeClr val="accent1"/>
-          </a:fillRef>
-          <a:effectRef idx="0">
-            <a:schemeClr val="accent1"/>
-          </a:effectRef>
-          <a:fontRef idx="minor">
-            <a:schemeClr val="lt1"/>
-          </a:fontRef>
-        </p:style>
-        <p:txBody>
-          <a:bodyPr rtlCol="0" anchor="ctr"/>
-          <a:lstStyle/>
-          <a:p>
-            <a:pPr algn="ctr"/>
-            <a:endParaRPr lang="zh-CN" altLang="en-US"/>
-          </a:p>
-        </p:txBody>
-      </p:sp>
       <p:grpSp>
         <p:nvGrpSpPr>
           <p:cNvPr id="53" name="组合 52">
@@ -1243,6 +1342,203 @@
           </p:txBody>
         </p:sp>
       </p:grpSp>
+      <p:grpSp>
+        <p:nvGrpSpPr>
+          <p:cNvPr id="6" name="Group 5">
+            <a:extLst>
+              <a:ext uri="{FF2B5EF4-FFF2-40B4-BE49-F238E27FC236}">
+                <a16:creationId xmlns:a16="http://schemas.microsoft.com/office/drawing/2014/main" id="{C2A263B7-ECB2-D443-A9AD-E194BAF62705}"/>
+              </a:ext>
+            </a:extLst>
+          </p:cNvPr>
+          <p:cNvGrpSpPr/>
+          <p:nvPr userDrawn="1"/>
+        </p:nvGrpSpPr>
+        <p:grpSpPr>
+          <a:xfrm>
+            <a:off x="-1" y="4950411"/>
+            <a:ext cx="9144001" cy="193089"/>
+            <a:chOff x="-1" y="4950411"/>
+            <a:chExt cx="9144001" cy="193089"/>
+          </a:xfrm>
+        </p:grpSpPr>
+        <p:pic>
+          <p:nvPicPr>
+            <p:cNvPr id="7" name="Picture 13" descr="DarkBlue1024">
+              <a:extLst>
+                <a:ext uri="{FF2B5EF4-FFF2-40B4-BE49-F238E27FC236}">
+                  <a16:creationId xmlns:a16="http://schemas.microsoft.com/office/drawing/2014/main" id="{4850D9E0-439A-454E-80FD-EECFE00D596B}"/>
+                </a:ext>
+              </a:extLst>
+            </p:cNvPr>
+            <p:cNvPicPr>
+              <a:picLocks noChangeAspect="1" noChangeArrowheads="1"/>
+            </p:cNvPicPr>
+            <p:nvPr userDrawn="1"/>
+          </p:nvPicPr>
+          <p:blipFill>
+            <a:blip r:embed="rId2">
+              <a:extLst>
+                <a:ext uri="{28A0092B-C50C-407E-A947-70E740481C1C}">
+                  <a14:useLocalDpi xmlns:a14="http://schemas.microsoft.com/office/drawing/2010/main" val="0"/>
+                </a:ext>
+              </a:extLst>
+            </a:blip>
+            <a:srcRect/>
+            <a:stretch>
+              <a:fillRect/>
+            </a:stretch>
+          </p:blipFill>
+          <p:spPr bwMode="auto">
+            <a:xfrm>
+              <a:off x="5377398" y="4950469"/>
+              <a:ext cx="3766602" cy="193031"/>
+            </a:xfrm>
+            <a:prstGeom prst="rect">
+              <a:avLst/>
+            </a:prstGeom>
+            <a:noFill/>
+            <a:ln>
+              <a:noFill/>
+            </a:ln>
+            <a:extLst>
+              <a:ext uri="{909E8E84-426E-40DD-AFC4-6F175D3DCCD1}">
+                <a14:hiddenFill xmlns:a14="http://schemas.microsoft.com/office/drawing/2010/main">
+                  <a:solidFill>
+                    <a:srgbClr val="FFFFFF"/>
+                  </a:solidFill>
+                </a14:hiddenFill>
+              </a:ext>
+              <a:ext uri="{91240B29-F687-4F45-9708-019B960494DF}">
+                <a14:hiddenLine xmlns:a14="http://schemas.microsoft.com/office/drawing/2010/main" w="9525">
+                  <a:solidFill>
+                    <a:srgbClr val="000000"/>
+                  </a:solidFill>
+                  <a:miter lim="800000"/>
+                  <a:headEnd/>
+                  <a:tailEnd/>
+                </a14:hiddenLine>
+              </a:ext>
+            </a:extLst>
+          </p:spPr>
+        </p:pic>
+        <p:pic>
+          <p:nvPicPr>
+            <p:cNvPr id="8" name="Picture 13" descr="DarkBlue1024">
+              <a:extLst>
+                <a:ext uri="{FF2B5EF4-FFF2-40B4-BE49-F238E27FC236}">
+                  <a16:creationId xmlns:a16="http://schemas.microsoft.com/office/drawing/2014/main" id="{C1A3B005-ADBD-4344-B3F7-11978E9C41C1}"/>
+                </a:ext>
+              </a:extLst>
+            </p:cNvPr>
+            <p:cNvPicPr>
+              <a:picLocks noChangeAspect="1" noChangeArrowheads="1"/>
+            </p:cNvPicPr>
+            <p:nvPr userDrawn="1"/>
+          </p:nvPicPr>
+          <p:blipFill rotWithShape="1">
+            <a:blip r:embed="rId2">
+              <a:extLst>
+                <a:ext uri="{28A0092B-C50C-407E-A947-70E740481C1C}">
+                  <a14:useLocalDpi xmlns:a14="http://schemas.microsoft.com/office/drawing/2010/main" val="0"/>
+                </a:ext>
+              </a:extLst>
+            </a:blip>
+            <a:srcRect t="1" r="18464" b="-2"/>
+            <a:stretch/>
+          </p:blipFill>
+          <p:spPr bwMode="auto">
+            <a:xfrm>
+              <a:off x="-1" y="4950411"/>
+              <a:ext cx="3070205" cy="192973"/>
+            </a:xfrm>
+            <a:prstGeom prst="rect">
+              <a:avLst/>
+            </a:prstGeom>
+            <a:noFill/>
+            <a:ln>
+              <a:noFill/>
+            </a:ln>
+            <a:extLst>
+              <a:ext uri="{909E8E84-426E-40DD-AFC4-6F175D3DCCD1}">
+                <a14:hiddenFill xmlns:a14="http://schemas.microsoft.com/office/drawing/2010/main">
+                  <a:solidFill>
+                    <a:srgbClr val="FFFFFF"/>
+                  </a:solidFill>
+                </a14:hiddenFill>
+              </a:ext>
+              <a:ext uri="{91240B29-F687-4F45-9708-019B960494DF}">
+                <a14:hiddenLine xmlns:a14="http://schemas.microsoft.com/office/drawing/2010/main" w="9525">
+                  <a:solidFill>
+                    <a:srgbClr val="000000"/>
+                  </a:solidFill>
+                  <a:miter lim="800000"/>
+                  <a:headEnd/>
+                  <a:tailEnd/>
+                </a14:hiddenLine>
+              </a:ext>
+            </a:extLst>
+          </p:spPr>
+        </p:pic>
+        <p:pic>
+          <p:nvPicPr>
+            <p:cNvPr id="9" name="Picture 13" descr="DarkBlue1024">
+              <a:extLst>
+                <a:ext uri="{FF2B5EF4-FFF2-40B4-BE49-F238E27FC236}">
+                  <a16:creationId xmlns:a16="http://schemas.microsoft.com/office/drawing/2014/main" id="{2C2B7898-2844-A648-8EB8-02FBFB2D699D}"/>
+                </a:ext>
+              </a:extLst>
+            </p:cNvPr>
+            <p:cNvPicPr>
+              <a:picLocks noChangeAspect="1" noChangeArrowheads="1"/>
+            </p:cNvPicPr>
+            <p:nvPr userDrawn="1"/>
+          </p:nvPicPr>
+          <p:blipFill rotWithShape="1">
+            <a:blip r:embed="rId2">
+              <a:extLst>
+                <a:ext uri="{28A0092B-C50C-407E-A947-70E740481C1C}">
+                  <a14:useLocalDpi xmlns:a14="http://schemas.microsoft.com/office/drawing/2010/main" val="0"/>
+                </a:ext>
+              </a:extLst>
+            </a:blip>
+            <a:srcRect t="1" r="18464" b="-2"/>
+            <a:stretch/>
+          </p:blipFill>
+          <p:spPr bwMode="auto">
+            <a:xfrm>
+              <a:off x="2306049" y="4950469"/>
+              <a:ext cx="3070205" cy="192973"/>
+            </a:xfrm>
+            <a:prstGeom prst="rect">
+              <a:avLst/>
+            </a:prstGeom>
+            <a:noFill/>
+            <a:ln>
+              <a:noFill/>
+            </a:ln>
+            <a:extLst>
+              <a:ext uri="{909E8E84-426E-40DD-AFC4-6F175D3DCCD1}">
+                <a14:hiddenFill xmlns:a14="http://schemas.microsoft.com/office/drawing/2010/main">
+                  <a:solidFill>
+                    <a:srgbClr val="FFFFFF"/>
+                  </a:solidFill>
+                </a14:hiddenFill>
+              </a:ext>
+              <a:ext uri="{91240B29-F687-4F45-9708-019B960494DF}">
+                <a14:hiddenLine xmlns:a14="http://schemas.microsoft.com/office/drawing/2010/main" w="9525">
+                  <a:solidFill>
+                    <a:srgbClr val="000000"/>
+                  </a:solidFill>
+                  <a:miter lim="800000"/>
+                  <a:headEnd/>
+                  <a:tailEnd/>
+                </a14:hiddenLine>
+              </a:ext>
+            </a:extLst>
+          </p:spPr>
+        </p:pic>
+      </p:grpSp>
     </p:spTree>
     <p:extLst>
       <p:ext uri="{BB962C8B-B14F-4D97-AF65-F5344CB8AC3E}">
@@ -1285,55 +1581,6 @@
           <a:chExt cx="0" cy="0"/>
         </a:xfrm>
       </p:grpSpPr>
-      <p:sp>
-        <p:nvSpPr>
-          <p:cNvPr id="52" name="矩形 51">
-            <a:extLst>
-              <a:ext uri="{FF2B5EF4-FFF2-40B4-BE49-F238E27FC236}">
-                <a16:creationId xmlns:a16="http://schemas.microsoft.com/office/drawing/2014/main" id="{3BC3CED9-C592-4A56-90D8-EA868FAD28A9}"/>
-              </a:ext>
-            </a:extLst>
-          </p:cNvPr>
-          <p:cNvSpPr/>
-          <p:nvPr userDrawn="1"/>
-        </p:nvSpPr>
-        <p:spPr>
-          <a:xfrm>
-            <a:off x="0" y="4856205"/>
-            <a:ext cx="9144001" cy="287296"/>
-          </a:xfrm>
-          <a:prstGeom prst="rect">
-            <a:avLst/>
-          </a:prstGeom>
-          <a:ln>
-            <a:noFill/>
-          </a:ln>
-        </p:spPr>
-        <p:style>
-          <a:lnRef idx="2">
-            <a:schemeClr val="accent1">
-              <a:shade val="50000"/>
-            </a:schemeClr>
-          </a:lnRef>
-          <a:fillRef idx="1">
-            <a:schemeClr val="accent1"/>
-          </a:fillRef>
-          <a:effectRef idx="0">
-            <a:schemeClr val="accent1"/>
-          </a:effectRef>
-          <a:fontRef idx="minor">
-            <a:schemeClr val="lt1"/>
-          </a:fontRef>
-        </p:style>
-        <p:txBody>
-          <a:bodyPr rtlCol="0" anchor="ctr"/>
-          <a:lstStyle/>
-          <a:p>
-            <a:pPr algn="ctr"/>
-            <a:endParaRPr lang="zh-CN" altLang="en-US"/>
-          </a:p>
-        </p:txBody>
-      </p:sp>
       <p:grpSp>
         <p:nvGrpSpPr>
           <p:cNvPr id="53" name="组合 52">
@@ -1644,6 +1891,203 @@
           </a:p>
         </p:txBody>
       </p:sp>
+      <p:grpSp>
+        <p:nvGrpSpPr>
+          <p:cNvPr id="9" name="Group 8">
+            <a:extLst>
+              <a:ext uri="{FF2B5EF4-FFF2-40B4-BE49-F238E27FC236}">
+                <a16:creationId xmlns:a16="http://schemas.microsoft.com/office/drawing/2014/main" id="{A7197847-7979-264D-8CA3-F248DA4ACE17}"/>
+              </a:ext>
+            </a:extLst>
+          </p:cNvPr>
+          <p:cNvGrpSpPr/>
+          <p:nvPr userDrawn="1"/>
+        </p:nvGrpSpPr>
+        <p:grpSpPr>
+          <a:xfrm>
+            <a:off x="-1" y="4950411"/>
+            <a:ext cx="9144001" cy="193089"/>
+            <a:chOff x="-1" y="4950411"/>
+            <a:chExt cx="9144001" cy="193089"/>
+          </a:xfrm>
+        </p:grpSpPr>
+        <p:pic>
+          <p:nvPicPr>
+            <p:cNvPr id="10" name="Picture 13" descr="DarkBlue1024">
+              <a:extLst>
+                <a:ext uri="{FF2B5EF4-FFF2-40B4-BE49-F238E27FC236}">
+                  <a16:creationId xmlns:a16="http://schemas.microsoft.com/office/drawing/2014/main" id="{8CA6D11C-C09F-2842-9939-43294A03A6F9}"/>
+                </a:ext>
+              </a:extLst>
+            </p:cNvPr>
+            <p:cNvPicPr>
+              <a:picLocks noChangeAspect="1" noChangeArrowheads="1"/>
+            </p:cNvPicPr>
+            <p:nvPr userDrawn="1"/>
+          </p:nvPicPr>
+          <p:blipFill>
+            <a:blip r:embed="rId2">
+              <a:extLst>
+                <a:ext uri="{28A0092B-C50C-407E-A947-70E740481C1C}">
+                  <a14:useLocalDpi xmlns:a14="http://schemas.microsoft.com/office/drawing/2010/main" val="0"/>
+                </a:ext>
+              </a:extLst>
+            </a:blip>
+            <a:srcRect/>
+            <a:stretch>
+              <a:fillRect/>
+            </a:stretch>
+          </p:blipFill>
+          <p:spPr bwMode="auto">
+            <a:xfrm>
+              <a:off x="5377398" y="4950469"/>
+              <a:ext cx="3766602" cy="193031"/>
+            </a:xfrm>
+            <a:prstGeom prst="rect">
+              <a:avLst/>
+            </a:prstGeom>
+            <a:noFill/>
+            <a:ln>
+              <a:noFill/>
+            </a:ln>
+            <a:extLst>
+              <a:ext uri="{909E8E84-426E-40DD-AFC4-6F175D3DCCD1}">
+                <a14:hiddenFill xmlns:a14="http://schemas.microsoft.com/office/drawing/2010/main">
+                  <a:solidFill>
+                    <a:srgbClr val="FFFFFF"/>
+                  </a:solidFill>
+                </a14:hiddenFill>
+              </a:ext>
+              <a:ext uri="{91240B29-F687-4F45-9708-019B960494DF}">
+                <a14:hiddenLine xmlns:a14="http://schemas.microsoft.com/office/drawing/2010/main" w="9525">
+                  <a:solidFill>
+                    <a:srgbClr val="000000"/>
+                  </a:solidFill>
+                  <a:miter lim="800000"/>
+                  <a:headEnd/>
+                  <a:tailEnd/>
+                </a14:hiddenLine>
+              </a:ext>
+            </a:extLst>
+          </p:spPr>
+        </p:pic>
+        <p:pic>
+          <p:nvPicPr>
+            <p:cNvPr id="11" name="Picture 13" descr="DarkBlue1024">
+              <a:extLst>
+                <a:ext uri="{FF2B5EF4-FFF2-40B4-BE49-F238E27FC236}">
+                  <a16:creationId xmlns:a16="http://schemas.microsoft.com/office/drawing/2014/main" id="{B304E647-4C71-3446-A2F2-39B9550B8695}"/>
+                </a:ext>
+              </a:extLst>
+            </p:cNvPr>
+            <p:cNvPicPr>
+              <a:picLocks noChangeAspect="1" noChangeArrowheads="1"/>
+            </p:cNvPicPr>
+            <p:nvPr userDrawn="1"/>
+          </p:nvPicPr>
+          <p:blipFill rotWithShape="1">
+            <a:blip r:embed="rId2">
+              <a:extLst>
+                <a:ext uri="{28A0092B-C50C-407E-A947-70E740481C1C}">
+                  <a14:useLocalDpi xmlns:a14="http://schemas.microsoft.com/office/drawing/2010/main" val="0"/>
+                </a:ext>
+              </a:extLst>
+            </a:blip>
+            <a:srcRect t="1" r="18464" b="-2"/>
+            <a:stretch/>
+          </p:blipFill>
+          <p:spPr bwMode="auto">
+            <a:xfrm>
+              <a:off x="-1" y="4950411"/>
+              <a:ext cx="3070205" cy="192973"/>
+            </a:xfrm>
+            <a:prstGeom prst="rect">
+              <a:avLst/>
+            </a:prstGeom>
+            <a:noFill/>
+            <a:ln>
+              <a:noFill/>
+            </a:ln>
+            <a:extLst>
+              <a:ext uri="{909E8E84-426E-40DD-AFC4-6F175D3DCCD1}">
+                <a14:hiddenFill xmlns:a14="http://schemas.microsoft.com/office/drawing/2010/main">
+                  <a:solidFill>
+                    <a:srgbClr val="FFFFFF"/>
+                  </a:solidFill>
+                </a14:hiddenFill>
+              </a:ext>
+              <a:ext uri="{91240B29-F687-4F45-9708-019B960494DF}">
+                <a14:hiddenLine xmlns:a14="http://schemas.microsoft.com/office/drawing/2010/main" w="9525">
+                  <a:solidFill>
+                    <a:srgbClr val="000000"/>
+                  </a:solidFill>
+                  <a:miter lim="800000"/>
+                  <a:headEnd/>
+                  <a:tailEnd/>
+                </a14:hiddenLine>
+              </a:ext>
+            </a:extLst>
+          </p:spPr>
+        </p:pic>
+        <p:pic>
+          <p:nvPicPr>
+            <p:cNvPr id="12" name="Picture 13" descr="DarkBlue1024">
+              <a:extLst>
+                <a:ext uri="{FF2B5EF4-FFF2-40B4-BE49-F238E27FC236}">
+                  <a16:creationId xmlns:a16="http://schemas.microsoft.com/office/drawing/2014/main" id="{C29D7821-66F8-DA41-8E4C-944E192147F5}"/>
+                </a:ext>
+              </a:extLst>
+            </p:cNvPr>
+            <p:cNvPicPr>
+              <a:picLocks noChangeAspect="1" noChangeArrowheads="1"/>
+            </p:cNvPicPr>
+            <p:nvPr userDrawn="1"/>
+          </p:nvPicPr>
+          <p:blipFill rotWithShape="1">
+            <a:blip r:embed="rId2">
+              <a:extLst>
+                <a:ext uri="{28A0092B-C50C-407E-A947-70E740481C1C}">
+                  <a14:useLocalDpi xmlns:a14="http://schemas.microsoft.com/office/drawing/2010/main" val="0"/>
+                </a:ext>
+              </a:extLst>
+            </a:blip>
+            <a:srcRect t="1" r="18464" b="-2"/>
+            <a:stretch/>
+          </p:blipFill>
+          <p:spPr bwMode="auto">
+            <a:xfrm>
+              <a:off x="2306049" y="4950469"/>
+              <a:ext cx="3070205" cy="192973"/>
+            </a:xfrm>
+            <a:prstGeom prst="rect">
+              <a:avLst/>
+            </a:prstGeom>
+            <a:noFill/>
+            <a:ln>
+              <a:noFill/>
+            </a:ln>
+            <a:extLst>
+              <a:ext uri="{909E8E84-426E-40DD-AFC4-6F175D3DCCD1}">
+                <a14:hiddenFill xmlns:a14="http://schemas.microsoft.com/office/drawing/2010/main">
+                  <a:solidFill>
+                    <a:srgbClr val="FFFFFF"/>
+                  </a:solidFill>
+                </a14:hiddenFill>
+              </a:ext>
+              <a:ext uri="{91240B29-F687-4F45-9708-019B960494DF}">
+                <a14:hiddenLine xmlns:a14="http://schemas.microsoft.com/office/drawing/2010/main" w="9525">
+                  <a:solidFill>
+                    <a:srgbClr val="000000"/>
+                  </a:solidFill>
+                  <a:miter lim="800000"/>
+                  <a:headEnd/>
+                  <a:tailEnd/>
+                </a14:hiddenLine>
+              </a:ext>
+            </a:extLst>
+          </p:spPr>
+        </p:pic>
+      </p:grpSp>
     </p:spTree>
     <p:extLst>
       <p:ext uri="{BB962C8B-B14F-4D97-AF65-F5344CB8AC3E}">
@@ -1697,6 +2141,203 @@
           <a:chExt cx="0" cy="0"/>
         </a:xfrm>
       </p:grpSpPr>
+      <p:grpSp>
+        <p:nvGrpSpPr>
+          <p:cNvPr id="2" name="Group 1">
+            <a:extLst>
+              <a:ext uri="{FF2B5EF4-FFF2-40B4-BE49-F238E27FC236}">
+                <a16:creationId xmlns:a16="http://schemas.microsoft.com/office/drawing/2014/main" id="{101EF1A7-E3F9-964B-B8C7-D07603176E56}"/>
+              </a:ext>
+            </a:extLst>
+          </p:cNvPr>
+          <p:cNvGrpSpPr/>
+          <p:nvPr userDrawn="1"/>
+        </p:nvGrpSpPr>
+        <p:grpSpPr>
+          <a:xfrm>
+            <a:off x="-1" y="4950411"/>
+            <a:ext cx="9144001" cy="193089"/>
+            <a:chOff x="-1" y="4950411"/>
+            <a:chExt cx="9144001" cy="193089"/>
+          </a:xfrm>
+        </p:grpSpPr>
+        <p:pic>
+          <p:nvPicPr>
+            <p:cNvPr id="3" name="Picture 13" descr="DarkBlue1024">
+              <a:extLst>
+                <a:ext uri="{FF2B5EF4-FFF2-40B4-BE49-F238E27FC236}">
+                  <a16:creationId xmlns:a16="http://schemas.microsoft.com/office/drawing/2014/main" id="{B011902D-C7AB-EC45-B4EE-05A42DBDF20F}"/>
+                </a:ext>
+              </a:extLst>
+            </p:cNvPr>
+            <p:cNvPicPr>
+              <a:picLocks noChangeAspect="1" noChangeArrowheads="1"/>
+            </p:cNvPicPr>
+            <p:nvPr userDrawn="1"/>
+          </p:nvPicPr>
+          <p:blipFill>
+            <a:blip r:embed="rId2">
+              <a:extLst>
+                <a:ext uri="{28A0092B-C50C-407E-A947-70E740481C1C}">
+                  <a14:useLocalDpi xmlns:a14="http://schemas.microsoft.com/office/drawing/2010/main" val="0"/>
+                </a:ext>
+              </a:extLst>
+            </a:blip>
+            <a:srcRect/>
+            <a:stretch>
+              <a:fillRect/>
+            </a:stretch>
+          </p:blipFill>
+          <p:spPr bwMode="auto">
+            <a:xfrm>
+              <a:off x="5377398" y="4950469"/>
+              <a:ext cx="3766602" cy="193031"/>
+            </a:xfrm>
+            <a:prstGeom prst="rect">
+              <a:avLst/>
+            </a:prstGeom>
+            <a:noFill/>
+            <a:ln>
+              <a:noFill/>
+            </a:ln>
+            <a:extLst>
+              <a:ext uri="{909E8E84-426E-40DD-AFC4-6F175D3DCCD1}">
+                <a14:hiddenFill xmlns:a14="http://schemas.microsoft.com/office/drawing/2010/main">
+                  <a:solidFill>
+                    <a:srgbClr val="FFFFFF"/>
+                  </a:solidFill>
+                </a14:hiddenFill>
+              </a:ext>
+              <a:ext uri="{91240B29-F687-4F45-9708-019B960494DF}">
+                <a14:hiddenLine xmlns:a14="http://schemas.microsoft.com/office/drawing/2010/main" w="9525">
+                  <a:solidFill>
+                    <a:srgbClr val="000000"/>
+                  </a:solidFill>
+                  <a:miter lim="800000"/>
+                  <a:headEnd/>
+                  <a:tailEnd/>
+                </a14:hiddenLine>
+              </a:ext>
+            </a:extLst>
+          </p:spPr>
+        </p:pic>
+        <p:pic>
+          <p:nvPicPr>
+            <p:cNvPr id="4" name="Picture 13" descr="DarkBlue1024">
+              <a:extLst>
+                <a:ext uri="{FF2B5EF4-FFF2-40B4-BE49-F238E27FC236}">
+                  <a16:creationId xmlns:a16="http://schemas.microsoft.com/office/drawing/2014/main" id="{52D506C4-51C7-2446-B92C-CA497AC85A38}"/>
+                </a:ext>
+              </a:extLst>
+            </p:cNvPr>
+            <p:cNvPicPr>
+              <a:picLocks noChangeAspect="1" noChangeArrowheads="1"/>
+            </p:cNvPicPr>
+            <p:nvPr userDrawn="1"/>
+          </p:nvPicPr>
+          <p:blipFill rotWithShape="1">
+            <a:blip r:embed="rId2">
+              <a:extLst>
+                <a:ext uri="{28A0092B-C50C-407E-A947-70E740481C1C}">
+                  <a14:useLocalDpi xmlns:a14="http://schemas.microsoft.com/office/drawing/2010/main" val="0"/>
+                </a:ext>
+              </a:extLst>
+            </a:blip>
+            <a:srcRect t="1" r="18464" b="-2"/>
+            <a:stretch/>
+          </p:blipFill>
+          <p:spPr bwMode="auto">
+            <a:xfrm>
+              <a:off x="-1" y="4950411"/>
+              <a:ext cx="3070205" cy="192973"/>
+            </a:xfrm>
+            <a:prstGeom prst="rect">
+              <a:avLst/>
+            </a:prstGeom>
+            <a:noFill/>
+            <a:ln>
+              <a:noFill/>
+            </a:ln>
+            <a:extLst>
+              <a:ext uri="{909E8E84-426E-40DD-AFC4-6F175D3DCCD1}">
+                <a14:hiddenFill xmlns:a14="http://schemas.microsoft.com/office/drawing/2010/main">
+                  <a:solidFill>
+                    <a:srgbClr val="FFFFFF"/>
+                  </a:solidFill>
+                </a14:hiddenFill>
+              </a:ext>
+              <a:ext uri="{91240B29-F687-4F45-9708-019B960494DF}">
+                <a14:hiddenLine xmlns:a14="http://schemas.microsoft.com/office/drawing/2010/main" w="9525">
+                  <a:solidFill>
+                    <a:srgbClr val="000000"/>
+                  </a:solidFill>
+                  <a:miter lim="800000"/>
+                  <a:headEnd/>
+                  <a:tailEnd/>
+                </a14:hiddenLine>
+              </a:ext>
+            </a:extLst>
+          </p:spPr>
+        </p:pic>
+        <p:pic>
+          <p:nvPicPr>
+            <p:cNvPr id="5" name="Picture 13" descr="DarkBlue1024">
+              <a:extLst>
+                <a:ext uri="{FF2B5EF4-FFF2-40B4-BE49-F238E27FC236}">
+                  <a16:creationId xmlns:a16="http://schemas.microsoft.com/office/drawing/2014/main" id="{06FD19F7-F40A-F049-B2B8-2A471D33E638}"/>
+                </a:ext>
+              </a:extLst>
+            </p:cNvPr>
+            <p:cNvPicPr>
+              <a:picLocks noChangeAspect="1" noChangeArrowheads="1"/>
+            </p:cNvPicPr>
+            <p:nvPr userDrawn="1"/>
+          </p:nvPicPr>
+          <p:blipFill rotWithShape="1">
+            <a:blip r:embed="rId2">
+              <a:extLst>
+                <a:ext uri="{28A0092B-C50C-407E-A947-70E740481C1C}">
+                  <a14:useLocalDpi xmlns:a14="http://schemas.microsoft.com/office/drawing/2010/main" val="0"/>
+                </a:ext>
+              </a:extLst>
+            </a:blip>
+            <a:srcRect t="1" r="18464" b="-2"/>
+            <a:stretch/>
+          </p:blipFill>
+          <p:spPr bwMode="auto">
+            <a:xfrm>
+              <a:off x="2306049" y="4950469"/>
+              <a:ext cx="3070205" cy="192973"/>
+            </a:xfrm>
+            <a:prstGeom prst="rect">
+              <a:avLst/>
+            </a:prstGeom>
+            <a:noFill/>
+            <a:ln>
+              <a:noFill/>
+            </a:ln>
+            <a:extLst>
+              <a:ext uri="{909E8E84-426E-40DD-AFC4-6F175D3DCCD1}">
+                <a14:hiddenFill xmlns:a14="http://schemas.microsoft.com/office/drawing/2010/main">
+                  <a:solidFill>
+                    <a:srgbClr val="FFFFFF"/>
+                  </a:solidFill>
+                </a14:hiddenFill>
+              </a:ext>
+              <a:ext uri="{91240B29-F687-4F45-9708-019B960494DF}">
+                <a14:hiddenLine xmlns:a14="http://schemas.microsoft.com/office/drawing/2010/main" w="9525">
+                  <a:solidFill>
+                    <a:srgbClr val="000000"/>
+                  </a:solidFill>
+                  <a:miter lim="800000"/>
+                  <a:headEnd/>
+                  <a:tailEnd/>
+                </a14:hiddenLine>
+              </a:ext>
+            </a:extLst>
+          </p:spPr>
+        </p:pic>
+      </p:grpSp>
     </p:spTree>
     <p:extLst>
       <p:ext uri="{BB962C8B-B14F-4D97-AF65-F5344CB8AC3E}">
@@ -1986,6 +2627,203 @@
           </a:p>
         </p:txBody>
       </p:sp>
+      <p:grpSp>
+        <p:nvGrpSpPr>
+          <p:cNvPr id="8" name="Group 7">
+            <a:extLst>
+              <a:ext uri="{FF2B5EF4-FFF2-40B4-BE49-F238E27FC236}">
+                <a16:creationId xmlns:a16="http://schemas.microsoft.com/office/drawing/2014/main" id="{08D9585C-D1F0-A445-8E21-2FC244186B44}"/>
+              </a:ext>
+            </a:extLst>
+          </p:cNvPr>
+          <p:cNvGrpSpPr/>
+          <p:nvPr userDrawn="1"/>
+        </p:nvGrpSpPr>
+        <p:grpSpPr>
+          <a:xfrm>
+            <a:off x="-1" y="4950411"/>
+            <a:ext cx="9144001" cy="193089"/>
+            <a:chOff x="-1" y="4950411"/>
+            <a:chExt cx="9144001" cy="193089"/>
+          </a:xfrm>
+        </p:grpSpPr>
+        <p:pic>
+          <p:nvPicPr>
+            <p:cNvPr id="9" name="Picture 13" descr="DarkBlue1024">
+              <a:extLst>
+                <a:ext uri="{FF2B5EF4-FFF2-40B4-BE49-F238E27FC236}">
+                  <a16:creationId xmlns:a16="http://schemas.microsoft.com/office/drawing/2014/main" id="{9854A647-FA1A-2D43-9113-698D29A2E284}"/>
+                </a:ext>
+              </a:extLst>
+            </p:cNvPr>
+            <p:cNvPicPr>
+              <a:picLocks noChangeAspect="1" noChangeArrowheads="1"/>
+            </p:cNvPicPr>
+            <p:nvPr userDrawn="1"/>
+          </p:nvPicPr>
+          <p:blipFill>
+            <a:blip r:embed="rId2">
+              <a:extLst>
+                <a:ext uri="{28A0092B-C50C-407E-A947-70E740481C1C}">
+                  <a14:useLocalDpi xmlns:a14="http://schemas.microsoft.com/office/drawing/2010/main" val="0"/>
+                </a:ext>
+              </a:extLst>
+            </a:blip>
+            <a:srcRect/>
+            <a:stretch>
+              <a:fillRect/>
+            </a:stretch>
+          </p:blipFill>
+          <p:spPr bwMode="auto">
+            <a:xfrm>
+              <a:off x="5377398" y="4950469"/>
+              <a:ext cx="3766602" cy="193031"/>
+            </a:xfrm>
+            <a:prstGeom prst="rect">
+              <a:avLst/>
+            </a:prstGeom>
+            <a:noFill/>
+            <a:ln>
+              <a:noFill/>
+            </a:ln>
+            <a:extLst>
+              <a:ext uri="{909E8E84-426E-40DD-AFC4-6F175D3DCCD1}">
+                <a14:hiddenFill xmlns:a14="http://schemas.microsoft.com/office/drawing/2010/main">
+                  <a:solidFill>
+                    <a:srgbClr val="FFFFFF"/>
+                  </a:solidFill>
+                </a14:hiddenFill>
+              </a:ext>
+              <a:ext uri="{91240B29-F687-4F45-9708-019B960494DF}">
+                <a14:hiddenLine xmlns:a14="http://schemas.microsoft.com/office/drawing/2010/main" w="9525">
+                  <a:solidFill>
+                    <a:srgbClr val="000000"/>
+                  </a:solidFill>
+                  <a:miter lim="800000"/>
+                  <a:headEnd/>
+                  <a:tailEnd/>
+                </a14:hiddenLine>
+              </a:ext>
+            </a:extLst>
+          </p:spPr>
+        </p:pic>
+        <p:pic>
+          <p:nvPicPr>
+            <p:cNvPr id="10" name="Picture 13" descr="DarkBlue1024">
+              <a:extLst>
+                <a:ext uri="{FF2B5EF4-FFF2-40B4-BE49-F238E27FC236}">
+                  <a16:creationId xmlns:a16="http://schemas.microsoft.com/office/drawing/2014/main" id="{F95F580C-784D-2148-9010-308FE0DFAFFF}"/>
+                </a:ext>
+              </a:extLst>
+            </p:cNvPr>
+            <p:cNvPicPr>
+              <a:picLocks noChangeAspect="1" noChangeArrowheads="1"/>
+            </p:cNvPicPr>
+            <p:nvPr userDrawn="1"/>
+          </p:nvPicPr>
+          <p:blipFill rotWithShape="1">
+            <a:blip r:embed="rId2">
+              <a:extLst>
+                <a:ext uri="{28A0092B-C50C-407E-A947-70E740481C1C}">
+                  <a14:useLocalDpi xmlns:a14="http://schemas.microsoft.com/office/drawing/2010/main" val="0"/>
+                </a:ext>
+              </a:extLst>
+            </a:blip>
+            <a:srcRect t="1" r="18464" b="-2"/>
+            <a:stretch/>
+          </p:blipFill>
+          <p:spPr bwMode="auto">
+            <a:xfrm>
+              <a:off x="-1" y="4950411"/>
+              <a:ext cx="3070205" cy="192973"/>
+            </a:xfrm>
+            <a:prstGeom prst="rect">
+              <a:avLst/>
+            </a:prstGeom>
+            <a:noFill/>
+            <a:ln>
+              <a:noFill/>
+            </a:ln>
+            <a:extLst>
+              <a:ext uri="{909E8E84-426E-40DD-AFC4-6F175D3DCCD1}">
+                <a14:hiddenFill xmlns:a14="http://schemas.microsoft.com/office/drawing/2010/main">
+                  <a:solidFill>
+                    <a:srgbClr val="FFFFFF"/>
+                  </a:solidFill>
+                </a14:hiddenFill>
+              </a:ext>
+              <a:ext uri="{91240B29-F687-4F45-9708-019B960494DF}">
+                <a14:hiddenLine xmlns:a14="http://schemas.microsoft.com/office/drawing/2010/main" w="9525">
+                  <a:solidFill>
+                    <a:srgbClr val="000000"/>
+                  </a:solidFill>
+                  <a:miter lim="800000"/>
+                  <a:headEnd/>
+                  <a:tailEnd/>
+                </a14:hiddenLine>
+              </a:ext>
+            </a:extLst>
+          </p:spPr>
+        </p:pic>
+        <p:pic>
+          <p:nvPicPr>
+            <p:cNvPr id="11" name="Picture 13" descr="DarkBlue1024">
+              <a:extLst>
+                <a:ext uri="{FF2B5EF4-FFF2-40B4-BE49-F238E27FC236}">
+                  <a16:creationId xmlns:a16="http://schemas.microsoft.com/office/drawing/2014/main" id="{BC0B1E0A-6A98-E94B-8BB8-D3EA7246A5BD}"/>
+                </a:ext>
+              </a:extLst>
+            </p:cNvPr>
+            <p:cNvPicPr>
+              <a:picLocks noChangeAspect="1" noChangeArrowheads="1"/>
+            </p:cNvPicPr>
+            <p:nvPr userDrawn="1"/>
+          </p:nvPicPr>
+          <p:blipFill rotWithShape="1">
+            <a:blip r:embed="rId2">
+              <a:extLst>
+                <a:ext uri="{28A0092B-C50C-407E-A947-70E740481C1C}">
+                  <a14:useLocalDpi xmlns:a14="http://schemas.microsoft.com/office/drawing/2010/main" val="0"/>
+                </a:ext>
+              </a:extLst>
+            </a:blip>
+            <a:srcRect t="1" r="18464" b="-2"/>
+            <a:stretch/>
+          </p:blipFill>
+          <p:spPr bwMode="auto">
+            <a:xfrm>
+              <a:off x="2306049" y="4950469"/>
+              <a:ext cx="3070205" cy="192973"/>
+            </a:xfrm>
+            <a:prstGeom prst="rect">
+              <a:avLst/>
+            </a:prstGeom>
+            <a:noFill/>
+            <a:ln>
+              <a:noFill/>
+            </a:ln>
+            <a:extLst>
+              <a:ext uri="{909E8E84-426E-40DD-AFC4-6F175D3DCCD1}">
+                <a14:hiddenFill xmlns:a14="http://schemas.microsoft.com/office/drawing/2010/main">
+                  <a:solidFill>
+                    <a:srgbClr val="FFFFFF"/>
+                  </a:solidFill>
+                </a14:hiddenFill>
+              </a:ext>
+              <a:ext uri="{91240B29-F687-4F45-9708-019B960494DF}">
+                <a14:hiddenLine xmlns:a14="http://schemas.microsoft.com/office/drawing/2010/main" w="9525">
+                  <a:solidFill>
+                    <a:srgbClr val="000000"/>
+                  </a:solidFill>
+                  <a:miter lim="800000"/>
+                  <a:headEnd/>
+                  <a:tailEnd/>
+                </a14:hiddenLine>
+              </a:ext>
+            </a:extLst>
+          </p:spPr>
+        </p:pic>
+      </p:grpSp>
     </p:spTree>
     <p:extLst>
       <p:ext uri="{BB962C8B-B14F-4D97-AF65-F5344CB8AC3E}">
@@ -2255,6 +3093,203 @@
           </a:p>
         </p:txBody>
       </p:sp>
+      <p:grpSp>
+        <p:nvGrpSpPr>
+          <p:cNvPr id="8" name="Group 7">
+            <a:extLst>
+              <a:ext uri="{FF2B5EF4-FFF2-40B4-BE49-F238E27FC236}">
+                <a16:creationId xmlns:a16="http://schemas.microsoft.com/office/drawing/2014/main" id="{A359D488-1A03-FB49-B3A6-293C42DB81C3}"/>
+              </a:ext>
+            </a:extLst>
+          </p:cNvPr>
+          <p:cNvGrpSpPr/>
+          <p:nvPr userDrawn="1"/>
+        </p:nvGrpSpPr>
+        <p:grpSpPr>
+          <a:xfrm>
+            <a:off x="-1" y="4950411"/>
+            <a:ext cx="9144001" cy="193089"/>
+            <a:chOff x="-1" y="4950411"/>
+            <a:chExt cx="9144001" cy="193089"/>
+          </a:xfrm>
+        </p:grpSpPr>
+        <p:pic>
+          <p:nvPicPr>
+            <p:cNvPr id="9" name="Picture 13" descr="DarkBlue1024">
+              <a:extLst>
+                <a:ext uri="{FF2B5EF4-FFF2-40B4-BE49-F238E27FC236}">
+                  <a16:creationId xmlns:a16="http://schemas.microsoft.com/office/drawing/2014/main" id="{DD9265B0-1231-7F44-94C5-A2D2048CCF6B}"/>
+                </a:ext>
+              </a:extLst>
+            </p:cNvPr>
+            <p:cNvPicPr>
+              <a:picLocks noChangeAspect="1" noChangeArrowheads="1"/>
+            </p:cNvPicPr>
+            <p:nvPr userDrawn="1"/>
+          </p:nvPicPr>
+          <p:blipFill>
+            <a:blip r:embed="rId2">
+              <a:extLst>
+                <a:ext uri="{28A0092B-C50C-407E-A947-70E740481C1C}">
+                  <a14:useLocalDpi xmlns:a14="http://schemas.microsoft.com/office/drawing/2010/main" val="0"/>
+                </a:ext>
+              </a:extLst>
+            </a:blip>
+            <a:srcRect/>
+            <a:stretch>
+              <a:fillRect/>
+            </a:stretch>
+          </p:blipFill>
+          <p:spPr bwMode="auto">
+            <a:xfrm>
+              <a:off x="5377398" y="4950469"/>
+              <a:ext cx="3766602" cy="193031"/>
+            </a:xfrm>
+            <a:prstGeom prst="rect">
+              <a:avLst/>
+            </a:prstGeom>
+            <a:noFill/>
+            <a:ln>
+              <a:noFill/>
+            </a:ln>
+            <a:extLst>
+              <a:ext uri="{909E8E84-426E-40DD-AFC4-6F175D3DCCD1}">
+                <a14:hiddenFill xmlns:a14="http://schemas.microsoft.com/office/drawing/2010/main">
+                  <a:solidFill>
+                    <a:srgbClr val="FFFFFF"/>
+                  </a:solidFill>
+                </a14:hiddenFill>
+              </a:ext>
+              <a:ext uri="{91240B29-F687-4F45-9708-019B960494DF}">
+                <a14:hiddenLine xmlns:a14="http://schemas.microsoft.com/office/drawing/2010/main" w="9525">
+                  <a:solidFill>
+                    <a:srgbClr val="000000"/>
+                  </a:solidFill>
+                  <a:miter lim="800000"/>
+                  <a:headEnd/>
+                  <a:tailEnd/>
+                </a14:hiddenLine>
+              </a:ext>
+            </a:extLst>
+          </p:spPr>
+        </p:pic>
+        <p:pic>
+          <p:nvPicPr>
+            <p:cNvPr id="10" name="Picture 13" descr="DarkBlue1024">
+              <a:extLst>
+                <a:ext uri="{FF2B5EF4-FFF2-40B4-BE49-F238E27FC236}">
+                  <a16:creationId xmlns:a16="http://schemas.microsoft.com/office/drawing/2014/main" id="{8AD2DFE0-CC0A-5747-95EE-016192860215}"/>
+                </a:ext>
+              </a:extLst>
+            </p:cNvPr>
+            <p:cNvPicPr>
+              <a:picLocks noChangeAspect="1" noChangeArrowheads="1"/>
+            </p:cNvPicPr>
+            <p:nvPr userDrawn="1"/>
+          </p:nvPicPr>
+          <p:blipFill rotWithShape="1">
+            <a:blip r:embed="rId2">
+              <a:extLst>
+                <a:ext uri="{28A0092B-C50C-407E-A947-70E740481C1C}">
+                  <a14:useLocalDpi xmlns:a14="http://schemas.microsoft.com/office/drawing/2010/main" val="0"/>
+                </a:ext>
+              </a:extLst>
+            </a:blip>
+            <a:srcRect t="1" r="18464" b="-2"/>
+            <a:stretch/>
+          </p:blipFill>
+          <p:spPr bwMode="auto">
+            <a:xfrm>
+              <a:off x="-1" y="4950411"/>
+              <a:ext cx="3070205" cy="192973"/>
+            </a:xfrm>
+            <a:prstGeom prst="rect">
+              <a:avLst/>
+            </a:prstGeom>
+            <a:noFill/>
+            <a:ln>
+              <a:noFill/>
+            </a:ln>
+            <a:extLst>
+              <a:ext uri="{909E8E84-426E-40DD-AFC4-6F175D3DCCD1}">
+                <a14:hiddenFill xmlns:a14="http://schemas.microsoft.com/office/drawing/2010/main">
+                  <a:solidFill>
+                    <a:srgbClr val="FFFFFF"/>
+                  </a:solidFill>
+                </a14:hiddenFill>
+              </a:ext>
+              <a:ext uri="{91240B29-F687-4F45-9708-019B960494DF}">
+                <a14:hiddenLine xmlns:a14="http://schemas.microsoft.com/office/drawing/2010/main" w="9525">
+                  <a:solidFill>
+                    <a:srgbClr val="000000"/>
+                  </a:solidFill>
+                  <a:miter lim="800000"/>
+                  <a:headEnd/>
+                  <a:tailEnd/>
+                </a14:hiddenLine>
+              </a:ext>
+            </a:extLst>
+          </p:spPr>
+        </p:pic>
+        <p:pic>
+          <p:nvPicPr>
+            <p:cNvPr id="11" name="Picture 13" descr="DarkBlue1024">
+              <a:extLst>
+                <a:ext uri="{FF2B5EF4-FFF2-40B4-BE49-F238E27FC236}">
+                  <a16:creationId xmlns:a16="http://schemas.microsoft.com/office/drawing/2014/main" id="{6400886E-1B07-F94C-8BBD-65EFF4FF6D04}"/>
+                </a:ext>
+              </a:extLst>
+            </p:cNvPr>
+            <p:cNvPicPr>
+              <a:picLocks noChangeAspect="1" noChangeArrowheads="1"/>
+            </p:cNvPicPr>
+            <p:nvPr userDrawn="1"/>
+          </p:nvPicPr>
+          <p:blipFill rotWithShape="1">
+            <a:blip r:embed="rId2">
+              <a:extLst>
+                <a:ext uri="{28A0092B-C50C-407E-A947-70E740481C1C}">
+                  <a14:useLocalDpi xmlns:a14="http://schemas.microsoft.com/office/drawing/2010/main" val="0"/>
+                </a:ext>
+              </a:extLst>
+            </a:blip>
+            <a:srcRect t="1" r="18464" b="-2"/>
+            <a:stretch/>
+          </p:blipFill>
+          <p:spPr bwMode="auto">
+            <a:xfrm>
+              <a:off x="2306049" y="4950469"/>
+              <a:ext cx="3070205" cy="192973"/>
+            </a:xfrm>
+            <a:prstGeom prst="rect">
+              <a:avLst/>
+            </a:prstGeom>
+            <a:noFill/>
+            <a:ln>
+              <a:noFill/>
+            </a:ln>
+            <a:extLst>
+              <a:ext uri="{909E8E84-426E-40DD-AFC4-6F175D3DCCD1}">
+                <a14:hiddenFill xmlns:a14="http://schemas.microsoft.com/office/drawing/2010/main">
+                  <a:solidFill>
+                    <a:srgbClr val="FFFFFF"/>
+                  </a:solidFill>
+                </a14:hiddenFill>
+              </a:ext>
+              <a:ext uri="{91240B29-F687-4F45-9708-019B960494DF}">
+                <a14:hiddenLine xmlns:a14="http://schemas.microsoft.com/office/drawing/2010/main" w="9525">
+                  <a:solidFill>
+                    <a:srgbClr val="000000"/>
+                  </a:solidFill>
+                  <a:miter lim="800000"/>
+                  <a:headEnd/>
+                  <a:tailEnd/>
+                </a14:hiddenLine>
+              </a:ext>
+            </a:extLst>
+          </p:spPr>
+        </p:pic>
+      </p:grpSp>
     </p:spTree>
     <p:extLst>
       <p:ext uri="{BB962C8B-B14F-4D97-AF65-F5344CB8AC3E}">
@@ -2437,6 +3472,203 @@
           </a:p>
         </p:txBody>
       </p:sp>
+      <p:grpSp>
+        <p:nvGrpSpPr>
+          <p:cNvPr id="7" name="Group 6">
+            <a:extLst>
+              <a:ext uri="{FF2B5EF4-FFF2-40B4-BE49-F238E27FC236}">
+                <a16:creationId xmlns:a16="http://schemas.microsoft.com/office/drawing/2014/main" id="{11A33F06-098B-7A4C-AB08-F445B7D3362A}"/>
+              </a:ext>
+            </a:extLst>
+          </p:cNvPr>
+          <p:cNvGrpSpPr/>
+          <p:nvPr userDrawn="1"/>
+        </p:nvGrpSpPr>
+        <p:grpSpPr>
+          <a:xfrm>
+            <a:off x="-1" y="4950411"/>
+            <a:ext cx="9144001" cy="193089"/>
+            <a:chOff x="-1" y="4950411"/>
+            <a:chExt cx="9144001" cy="193089"/>
+          </a:xfrm>
+        </p:grpSpPr>
+        <p:pic>
+          <p:nvPicPr>
+            <p:cNvPr id="8" name="Picture 13" descr="DarkBlue1024">
+              <a:extLst>
+                <a:ext uri="{FF2B5EF4-FFF2-40B4-BE49-F238E27FC236}">
+                  <a16:creationId xmlns:a16="http://schemas.microsoft.com/office/drawing/2014/main" id="{20CC27B9-09E4-D142-893A-73B1C1DC8965}"/>
+                </a:ext>
+              </a:extLst>
+            </p:cNvPr>
+            <p:cNvPicPr>
+              <a:picLocks noChangeAspect="1" noChangeArrowheads="1"/>
+            </p:cNvPicPr>
+            <p:nvPr userDrawn="1"/>
+          </p:nvPicPr>
+          <p:blipFill>
+            <a:blip r:embed="rId2">
+              <a:extLst>
+                <a:ext uri="{28A0092B-C50C-407E-A947-70E740481C1C}">
+                  <a14:useLocalDpi xmlns:a14="http://schemas.microsoft.com/office/drawing/2010/main" val="0"/>
+                </a:ext>
+              </a:extLst>
+            </a:blip>
+            <a:srcRect/>
+            <a:stretch>
+              <a:fillRect/>
+            </a:stretch>
+          </p:blipFill>
+          <p:spPr bwMode="auto">
+            <a:xfrm>
+              <a:off x="5377398" y="4950469"/>
+              <a:ext cx="3766602" cy="193031"/>
+            </a:xfrm>
+            <a:prstGeom prst="rect">
+              <a:avLst/>
+            </a:prstGeom>
+            <a:noFill/>
+            <a:ln>
+              <a:noFill/>
+            </a:ln>
+            <a:extLst>
+              <a:ext uri="{909E8E84-426E-40DD-AFC4-6F175D3DCCD1}">
+                <a14:hiddenFill xmlns:a14="http://schemas.microsoft.com/office/drawing/2010/main">
+                  <a:solidFill>
+                    <a:srgbClr val="FFFFFF"/>
+                  </a:solidFill>
+                </a14:hiddenFill>
+              </a:ext>
+              <a:ext uri="{91240B29-F687-4F45-9708-019B960494DF}">
+                <a14:hiddenLine xmlns:a14="http://schemas.microsoft.com/office/drawing/2010/main" w="9525">
+                  <a:solidFill>
+                    <a:srgbClr val="000000"/>
+                  </a:solidFill>
+                  <a:miter lim="800000"/>
+                  <a:headEnd/>
+                  <a:tailEnd/>
+                </a14:hiddenLine>
+              </a:ext>
+            </a:extLst>
+          </p:spPr>
+        </p:pic>
+        <p:pic>
+          <p:nvPicPr>
+            <p:cNvPr id="9" name="Picture 13" descr="DarkBlue1024">
+              <a:extLst>
+                <a:ext uri="{FF2B5EF4-FFF2-40B4-BE49-F238E27FC236}">
+                  <a16:creationId xmlns:a16="http://schemas.microsoft.com/office/drawing/2014/main" id="{C77B25F7-6FBB-F749-ACE2-06BCE546EC1A}"/>
+                </a:ext>
+              </a:extLst>
+            </p:cNvPr>
+            <p:cNvPicPr>
+              <a:picLocks noChangeAspect="1" noChangeArrowheads="1"/>
+            </p:cNvPicPr>
+            <p:nvPr userDrawn="1"/>
+          </p:nvPicPr>
+          <p:blipFill rotWithShape="1">
+            <a:blip r:embed="rId2">
+              <a:extLst>
+                <a:ext uri="{28A0092B-C50C-407E-A947-70E740481C1C}">
+                  <a14:useLocalDpi xmlns:a14="http://schemas.microsoft.com/office/drawing/2010/main" val="0"/>
+                </a:ext>
+              </a:extLst>
+            </a:blip>
+            <a:srcRect t="1" r="18464" b="-2"/>
+            <a:stretch/>
+          </p:blipFill>
+          <p:spPr bwMode="auto">
+            <a:xfrm>
+              <a:off x="-1" y="4950411"/>
+              <a:ext cx="3070205" cy="192973"/>
+            </a:xfrm>
+            <a:prstGeom prst="rect">
+              <a:avLst/>
+            </a:prstGeom>
+            <a:noFill/>
+            <a:ln>
+              <a:noFill/>
+            </a:ln>
+            <a:extLst>
+              <a:ext uri="{909E8E84-426E-40DD-AFC4-6F175D3DCCD1}">
+                <a14:hiddenFill xmlns:a14="http://schemas.microsoft.com/office/drawing/2010/main">
+                  <a:solidFill>
+                    <a:srgbClr val="FFFFFF"/>
+                  </a:solidFill>
+                </a14:hiddenFill>
+              </a:ext>
+              <a:ext uri="{91240B29-F687-4F45-9708-019B960494DF}">
+                <a14:hiddenLine xmlns:a14="http://schemas.microsoft.com/office/drawing/2010/main" w="9525">
+                  <a:solidFill>
+                    <a:srgbClr val="000000"/>
+                  </a:solidFill>
+                  <a:miter lim="800000"/>
+                  <a:headEnd/>
+                  <a:tailEnd/>
+                </a14:hiddenLine>
+              </a:ext>
+            </a:extLst>
+          </p:spPr>
+        </p:pic>
+        <p:pic>
+          <p:nvPicPr>
+            <p:cNvPr id="10" name="Picture 13" descr="DarkBlue1024">
+              <a:extLst>
+                <a:ext uri="{FF2B5EF4-FFF2-40B4-BE49-F238E27FC236}">
+                  <a16:creationId xmlns:a16="http://schemas.microsoft.com/office/drawing/2014/main" id="{47B469B0-DB37-6248-A509-820425400786}"/>
+                </a:ext>
+              </a:extLst>
+            </p:cNvPr>
+            <p:cNvPicPr>
+              <a:picLocks noChangeAspect="1" noChangeArrowheads="1"/>
+            </p:cNvPicPr>
+            <p:nvPr userDrawn="1"/>
+          </p:nvPicPr>
+          <p:blipFill rotWithShape="1">
+            <a:blip r:embed="rId2">
+              <a:extLst>
+                <a:ext uri="{28A0092B-C50C-407E-A947-70E740481C1C}">
+                  <a14:useLocalDpi xmlns:a14="http://schemas.microsoft.com/office/drawing/2010/main" val="0"/>
+                </a:ext>
+              </a:extLst>
+            </a:blip>
+            <a:srcRect t="1" r="18464" b="-2"/>
+            <a:stretch/>
+          </p:blipFill>
+          <p:spPr bwMode="auto">
+            <a:xfrm>
+              <a:off x="2306049" y="4950469"/>
+              <a:ext cx="3070205" cy="192973"/>
+            </a:xfrm>
+            <a:prstGeom prst="rect">
+              <a:avLst/>
+            </a:prstGeom>
+            <a:noFill/>
+            <a:ln>
+              <a:noFill/>
+            </a:ln>
+            <a:extLst>
+              <a:ext uri="{909E8E84-426E-40DD-AFC4-6F175D3DCCD1}">
+                <a14:hiddenFill xmlns:a14="http://schemas.microsoft.com/office/drawing/2010/main">
+                  <a:solidFill>
+                    <a:srgbClr val="FFFFFF"/>
+                  </a:solidFill>
+                </a14:hiddenFill>
+              </a:ext>
+              <a:ext uri="{91240B29-F687-4F45-9708-019B960494DF}">
+                <a14:hiddenLine xmlns:a14="http://schemas.microsoft.com/office/drawing/2010/main" w="9525">
+                  <a:solidFill>
+                    <a:srgbClr val="000000"/>
+                  </a:solidFill>
+                  <a:miter lim="800000"/>
+                  <a:headEnd/>
+                  <a:tailEnd/>
+                </a14:hiddenLine>
+              </a:ext>
+            </a:extLst>
+          </p:spPr>
+        </p:pic>
+      </p:grpSp>
     </p:spTree>
     <p:extLst>
       <p:ext uri="{BB962C8B-B14F-4D97-AF65-F5344CB8AC3E}">
@@ -2629,6 +3861,203 @@
           </a:p>
         </p:txBody>
       </p:sp>
+      <p:grpSp>
+        <p:nvGrpSpPr>
+          <p:cNvPr id="7" name="Group 6">
+            <a:extLst>
+              <a:ext uri="{FF2B5EF4-FFF2-40B4-BE49-F238E27FC236}">
+                <a16:creationId xmlns:a16="http://schemas.microsoft.com/office/drawing/2014/main" id="{588AE6A5-331D-DE42-8AE7-A7232AE985C1}"/>
+              </a:ext>
+            </a:extLst>
+          </p:cNvPr>
+          <p:cNvGrpSpPr/>
+          <p:nvPr userDrawn="1"/>
+        </p:nvGrpSpPr>
+        <p:grpSpPr>
+          <a:xfrm>
+            <a:off x="-1" y="4950411"/>
+            <a:ext cx="9144001" cy="193089"/>
+            <a:chOff x="-1" y="4950411"/>
+            <a:chExt cx="9144001" cy="193089"/>
+          </a:xfrm>
+        </p:grpSpPr>
+        <p:pic>
+          <p:nvPicPr>
+            <p:cNvPr id="8" name="Picture 13" descr="DarkBlue1024">
+              <a:extLst>
+                <a:ext uri="{FF2B5EF4-FFF2-40B4-BE49-F238E27FC236}">
+                  <a16:creationId xmlns:a16="http://schemas.microsoft.com/office/drawing/2014/main" id="{C49EDE94-4EA7-4D40-81C2-8802B96B9180}"/>
+                </a:ext>
+              </a:extLst>
+            </p:cNvPr>
+            <p:cNvPicPr>
+              <a:picLocks noChangeAspect="1" noChangeArrowheads="1"/>
+            </p:cNvPicPr>
+            <p:nvPr userDrawn="1"/>
+          </p:nvPicPr>
+          <p:blipFill>
+            <a:blip r:embed="rId2">
+              <a:extLst>
+                <a:ext uri="{28A0092B-C50C-407E-A947-70E740481C1C}">
+                  <a14:useLocalDpi xmlns:a14="http://schemas.microsoft.com/office/drawing/2010/main" val="0"/>
+                </a:ext>
+              </a:extLst>
+            </a:blip>
+            <a:srcRect/>
+            <a:stretch>
+              <a:fillRect/>
+            </a:stretch>
+          </p:blipFill>
+          <p:spPr bwMode="auto">
+            <a:xfrm>
+              <a:off x="5377398" y="4950469"/>
+              <a:ext cx="3766602" cy="193031"/>
+            </a:xfrm>
+            <a:prstGeom prst="rect">
+              <a:avLst/>
+            </a:prstGeom>
+            <a:noFill/>
+            <a:ln>
+              <a:noFill/>
+            </a:ln>
+            <a:extLst>
+              <a:ext uri="{909E8E84-426E-40DD-AFC4-6F175D3DCCD1}">
+                <a14:hiddenFill xmlns:a14="http://schemas.microsoft.com/office/drawing/2010/main">
+                  <a:solidFill>
+                    <a:srgbClr val="FFFFFF"/>
+                  </a:solidFill>
+                </a14:hiddenFill>
+              </a:ext>
+              <a:ext uri="{91240B29-F687-4F45-9708-019B960494DF}">
+                <a14:hiddenLine xmlns:a14="http://schemas.microsoft.com/office/drawing/2010/main" w="9525">
+                  <a:solidFill>
+                    <a:srgbClr val="000000"/>
+                  </a:solidFill>
+                  <a:miter lim="800000"/>
+                  <a:headEnd/>
+                  <a:tailEnd/>
+                </a14:hiddenLine>
+              </a:ext>
+            </a:extLst>
+          </p:spPr>
+        </p:pic>
+        <p:pic>
+          <p:nvPicPr>
+            <p:cNvPr id="9" name="Picture 13" descr="DarkBlue1024">
+              <a:extLst>
+                <a:ext uri="{FF2B5EF4-FFF2-40B4-BE49-F238E27FC236}">
+                  <a16:creationId xmlns:a16="http://schemas.microsoft.com/office/drawing/2014/main" id="{0F9DDB85-8BF0-0B4C-9923-65171FA009C5}"/>
+                </a:ext>
+              </a:extLst>
+            </p:cNvPr>
+            <p:cNvPicPr>
+              <a:picLocks noChangeAspect="1" noChangeArrowheads="1"/>
+            </p:cNvPicPr>
+            <p:nvPr userDrawn="1"/>
+          </p:nvPicPr>
+          <p:blipFill rotWithShape="1">
+            <a:blip r:embed="rId2">
+              <a:extLst>
+                <a:ext uri="{28A0092B-C50C-407E-A947-70E740481C1C}">
+                  <a14:useLocalDpi xmlns:a14="http://schemas.microsoft.com/office/drawing/2010/main" val="0"/>
+                </a:ext>
+              </a:extLst>
+            </a:blip>
+            <a:srcRect t="1" r="18464" b="-2"/>
+            <a:stretch/>
+          </p:blipFill>
+          <p:spPr bwMode="auto">
+            <a:xfrm>
+              <a:off x="-1" y="4950411"/>
+              <a:ext cx="3070205" cy="192973"/>
+            </a:xfrm>
+            <a:prstGeom prst="rect">
+              <a:avLst/>
+            </a:prstGeom>
+            <a:noFill/>
+            <a:ln>
+              <a:noFill/>
+            </a:ln>
+            <a:extLst>
+              <a:ext uri="{909E8E84-426E-40DD-AFC4-6F175D3DCCD1}">
+                <a14:hiddenFill xmlns:a14="http://schemas.microsoft.com/office/drawing/2010/main">
+                  <a:solidFill>
+                    <a:srgbClr val="FFFFFF"/>
+                  </a:solidFill>
+                </a14:hiddenFill>
+              </a:ext>
+              <a:ext uri="{91240B29-F687-4F45-9708-019B960494DF}">
+                <a14:hiddenLine xmlns:a14="http://schemas.microsoft.com/office/drawing/2010/main" w="9525">
+                  <a:solidFill>
+                    <a:srgbClr val="000000"/>
+                  </a:solidFill>
+                  <a:miter lim="800000"/>
+                  <a:headEnd/>
+                  <a:tailEnd/>
+                </a14:hiddenLine>
+              </a:ext>
+            </a:extLst>
+          </p:spPr>
+        </p:pic>
+        <p:pic>
+          <p:nvPicPr>
+            <p:cNvPr id="10" name="Picture 13" descr="DarkBlue1024">
+              <a:extLst>
+                <a:ext uri="{FF2B5EF4-FFF2-40B4-BE49-F238E27FC236}">
+                  <a16:creationId xmlns:a16="http://schemas.microsoft.com/office/drawing/2014/main" id="{0DBBB703-7B1D-0F48-94D4-721A100896E3}"/>
+                </a:ext>
+              </a:extLst>
+            </p:cNvPr>
+            <p:cNvPicPr>
+              <a:picLocks noChangeAspect="1" noChangeArrowheads="1"/>
+            </p:cNvPicPr>
+            <p:nvPr userDrawn="1"/>
+          </p:nvPicPr>
+          <p:blipFill rotWithShape="1">
+            <a:blip r:embed="rId2">
+              <a:extLst>
+                <a:ext uri="{28A0092B-C50C-407E-A947-70E740481C1C}">
+                  <a14:useLocalDpi xmlns:a14="http://schemas.microsoft.com/office/drawing/2010/main" val="0"/>
+                </a:ext>
+              </a:extLst>
+            </a:blip>
+            <a:srcRect t="1" r="18464" b="-2"/>
+            <a:stretch/>
+          </p:blipFill>
+          <p:spPr bwMode="auto">
+            <a:xfrm>
+              <a:off x="2306049" y="4950469"/>
+              <a:ext cx="3070205" cy="192973"/>
+            </a:xfrm>
+            <a:prstGeom prst="rect">
+              <a:avLst/>
+            </a:prstGeom>
+            <a:noFill/>
+            <a:ln>
+              <a:noFill/>
+            </a:ln>
+            <a:extLst>
+              <a:ext uri="{909E8E84-426E-40DD-AFC4-6F175D3DCCD1}">
+                <a14:hiddenFill xmlns:a14="http://schemas.microsoft.com/office/drawing/2010/main">
+                  <a:solidFill>
+                    <a:srgbClr val="FFFFFF"/>
+                  </a:solidFill>
+                </a14:hiddenFill>
+              </a:ext>
+              <a:ext uri="{91240B29-F687-4F45-9708-019B960494DF}">
+                <a14:hiddenLine xmlns:a14="http://schemas.microsoft.com/office/drawing/2010/main" w="9525">
+                  <a:solidFill>
+                    <a:srgbClr val="000000"/>
+                  </a:solidFill>
+                  <a:miter lim="800000"/>
+                  <a:headEnd/>
+                  <a:tailEnd/>
+                </a14:hiddenLine>
+              </a:ext>
+            </a:extLst>
+          </p:spPr>
+        </p:pic>
+      </p:grpSp>
     </p:spTree>
     <p:extLst>
       <p:ext uri="{BB962C8B-B14F-4D97-AF65-F5344CB8AC3E}">
@@ -3692,7 +5121,7 @@
           <p:spPr>
             <a:xfrm>
               <a:off x="169766" y="2025013"/>
-              <a:ext cx="3179693" cy="2308324"/>
+              <a:ext cx="3179693" cy="2585323"/>
             </a:xfrm>
             <a:prstGeom prst="rect">
               <a:avLst/>
@@ -3740,7 +5169,21 @@
                     <a:schemeClr val="bg1"/>
                   </a:solidFill>
                 </a:rPr>
-                <a:t>an authentic and mobile-friendly learning experience</a:t>
+                <a:t>an authentic and mobile-friendly X5GON experience</a:t>
+              </a:r>
+            </a:p>
+            <a:p>
+              <a:pPr marL="514350" lvl="1" indent="-171450">
+                <a:buFont typeface="Arial" panose="020B0604020202020204" pitchFamily="34" charset="0"/>
+                <a:buChar char="•"/>
+              </a:pPr>
+              <a:r>
+                <a:rPr lang="en-US" altLang="zh-CN" sz="1800" dirty="0">
+                  <a:solidFill>
+                    <a:schemeClr val="bg1"/>
+                  </a:solidFill>
+                </a:rPr>
+                <a:t>learning materials catered for their needs</a:t>
               </a:r>
             </a:p>
             <a:p>
@@ -7261,7 +8704,7 @@
                       <a:schemeClr val="bg1"/>
                     </a:solidFill>
                   </a:rPr>
-                  <a:t>Unit testing</a:t>
+                  <a:t>Likes and Dislikes</a:t>
                 </a:r>
               </a:p>
               <a:p>
@@ -7270,12 +8713,14 @@
                   <a:buChar char="•"/>
                 </a:pPr>
                 <a:r>
-                  <a:rPr lang="en-US" altLang="zh-CN" sz="2000" dirty="0">
+                  <a:rPr lang="en-US" altLang="zh-CN" sz="2000" b="1" u="sng" dirty="0">
                     <a:solidFill>
                       <a:schemeClr val="bg1"/>
                     </a:solidFill>
+                    <a:latin typeface="Calibri" panose="020F0502020204030204" pitchFamily="34" charset="0"/>
+                    <a:cs typeface="Calibri" panose="020F0502020204030204" pitchFamily="34" charset="0"/>
                   </a:rPr>
-                  <a:t>Likes and Dislikes</a:t>
+                  <a:t>Usability tests</a:t>
                 </a:r>
               </a:p>
             </p:txBody>
@@ -7297,9 +8742,9 @@
         <p:grpSpPr>
           <a:xfrm>
             <a:off x="4324738" y="2129830"/>
-            <a:ext cx="2487366" cy="2616437"/>
+            <a:ext cx="2487366" cy="2849811"/>
             <a:chOff x="4324738" y="2129830"/>
-            <a:chExt cx="2487366" cy="2616437"/>
+            <a:chExt cx="2487366" cy="2849811"/>
           </a:xfrm>
         </p:grpSpPr>
         <p:sp>
@@ -7378,9 +8823,9 @@
           <p:grpSpPr>
             <a:xfrm>
               <a:off x="4324738" y="2896890"/>
-              <a:ext cx="2487366" cy="1849377"/>
+              <a:ext cx="2487366" cy="2082751"/>
               <a:chOff x="4566578" y="2889993"/>
-              <a:chExt cx="2487366" cy="1849377"/>
+              <a:chExt cx="2487366" cy="2082751"/>
             </a:xfrm>
           </p:grpSpPr>
           <p:sp>
@@ -7571,7 +9016,7 @@
             <p:spPr>
               <a:xfrm>
                 <a:off x="4566578" y="3341528"/>
-                <a:ext cx="2481944" cy="1323439"/>
+                <a:ext cx="2481944" cy="1631216"/>
               </a:xfrm>
               <a:prstGeom prst="rect">
                 <a:avLst/>
@@ -7607,8 +9052,19 @@
                       <a:schemeClr val="bg1"/>
                     </a:solidFill>
                   </a:rPr>
-                  <a:t>User authentication support</a:t>
+                  <a:t>Note-taking on learning material</a:t>
                 </a:r>
+              </a:p>
+              <a:p>
+                <a:pPr marL="171450" indent="-171450">
+                  <a:buFont typeface="Arial" panose="020B0604020202020204" pitchFamily="34" charset="0"/>
+                  <a:buChar char="•"/>
+                </a:pPr>
+                <a:endParaRPr lang="en-US" altLang="zh-CN" sz="2000" dirty="0">
+                  <a:solidFill>
+                    <a:schemeClr val="bg1"/>
+                  </a:solidFill>
+                </a:endParaRPr>
               </a:p>
             </p:txBody>
           </p:sp>
@@ -8217,7 +9673,7 @@
             <p:spPr>
               <a:xfrm>
                 <a:off x="2153106" y="862154"/>
-                <a:ext cx="2416629" cy="1323439"/>
+                <a:ext cx="2416629" cy="1015663"/>
               </a:xfrm>
               <a:prstGeom prst="rect">
                 <a:avLst/>
@@ -8239,7 +9695,7 @@
                       <a:schemeClr val="bg1"/>
                     </a:solidFill>
                   </a:rPr>
-                  <a:t>Comment on learning material</a:t>
+                  <a:t>Search and filter functionalities</a:t>
                 </a:r>
               </a:p>
               <a:p>
@@ -8248,12 +9704,12 @@
                   <a:buChar char="•"/>
                 </a:pPr>
                 <a:r>
-                  <a:rPr lang="en-US" altLang="zh-CN" sz="2000" dirty="0">
+                  <a:rPr lang="en-US" altLang="zh-CN" sz="2000" b="1" u="sng" dirty="0">
                     <a:solidFill>
                       <a:schemeClr val="bg1"/>
                     </a:solidFill>
                   </a:rPr>
-                  <a:t>Search and filter functionalities</a:t>
+                  <a:t>User Authentication</a:t>
                 </a:r>
               </a:p>
             </p:txBody>
@@ -8350,9 +9806,9 @@
         <p:grpSpPr>
           <a:xfrm>
             <a:off x="6537930" y="835536"/>
-            <a:ext cx="2292173" cy="2397306"/>
+            <a:ext cx="2292173" cy="2459426"/>
             <a:chOff x="6537930" y="835536"/>
-            <a:chExt cx="2292173" cy="2397306"/>
+            <a:chExt cx="2292173" cy="2459426"/>
           </a:xfrm>
         </p:grpSpPr>
         <p:sp>
@@ -8430,8 +9886,8 @@
           </p:nvSpPr>
           <p:spPr bwMode="auto">
             <a:xfrm>
-              <a:off x="6720899" y="2832732"/>
-              <a:ext cx="1871346" cy="400110"/>
+              <a:off x="6620757" y="2864075"/>
+              <a:ext cx="2037995" cy="430887"/>
             </a:xfrm>
             <a:prstGeom prst="rect">
               <a:avLst/>
@@ -8448,7 +9904,7 @@
                 <a:defRPr/>
               </a:pPr>
               <a:r>
-                <a:rPr lang="en-US" altLang="zh-CN" sz="2000" b="1" kern="100" dirty="0">
+                <a:rPr lang="en-US" altLang="zh-CN" sz="2200" b="1" kern="100" dirty="0">
                   <a:solidFill>
                     <a:schemeClr val="accent1"/>
                   </a:solidFill>
@@ -8459,7 +9915,7 @@
                 <a:t>Before</a:t>
               </a:r>
               <a:r>
-                <a:rPr lang="zh-CN" altLang="en-US" sz="2000" b="1" kern="100" dirty="0">
+                <a:rPr lang="zh-CN" altLang="en-US" sz="2200" b="1" kern="100" dirty="0">
                   <a:solidFill>
                     <a:schemeClr val="accent1"/>
                   </a:solidFill>
@@ -8470,7 +9926,7 @@
                 <a:t> </a:t>
               </a:r>
               <a:r>
-                <a:rPr lang="en-US" altLang="zh-CN" sz="2000" b="1" kern="100" dirty="0">
+                <a:rPr lang="en-US" altLang="zh-CN" sz="2200" b="1" kern="100" dirty="0">
                   <a:solidFill>
                     <a:schemeClr val="accent1"/>
                   </a:solidFill>
@@ -8480,7 +9936,7 @@
                 </a:rPr>
                 <a:t>09/03</a:t>
               </a:r>
-              <a:endParaRPr lang="zh-CN" altLang="en-US" sz="2000" b="1" kern="100" dirty="0">
+              <a:endParaRPr lang="zh-CN" altLang="en-US" sz="2200" b="1" kern="100" dirty="0">
                 <a:solidFill>
                   <a:schemeClr val="accent1"/>
                 </a:solidFill>
